--- a/Inflation_Prediction_Presentation v2.pptx
+++ b/Inflation_Prediction_Presentation v2.pptx
@@ -140,18 +140,18 @@
 <file path=ppt/revisionInfo.xml><?xml version="1.0" encoding="utf-8"?>
 <p1510:revInfo xmlns:a="http://schemas.openxmlformats.org/drawingml/2006/main" xmlns:r="http://schemas.openxmlformats.org/officeDocument/2006/relationships" xmlns:p1510="http://schemas.microsoft.com/office/powerpoint/2015/10/main">
   <p1510:revLst>
-    <p1510:client id="{290890E6-5676-46F0-8E18-15A76833AB34}" v="1974" dt="2024-08-25T23:34:27.827"/>
-    <p1510:client id="{875B13CC-3B64-446B-A928-92C6E09D1EB6}" v="313" dt="2024-08-24T22:52:59.700"/>
+    <p1510:client id="{06CBEA6B-A74C-47D3-ADC7-36FB70618D40}" v="235" dt="2024-08-30T06:32:33.830"/>
+    <p1510:client id="{C0C04AB9-9DFC-4357-A6F0-5B8209E03BE5}" v="82" dt="2024-08-30T07:01:21.469"/>
   </p1510:revLst>
 </p1510:revInfo>
 </file>
 
 <file path=ppt/diagrams/colors1.xml><?xml version="1.0" encoding="utf-8"?>
-<dgm:colorsDef xmlns:dgm="http://schemas.openxmlformats.org/drawingml/2006/diagram" xmlns:a="http://schemas.openxmlformats.org/drawingml/2006/main" uniqueId="urn:microsoft.com/office/officeart/2005/8/colors/colorful2">
+<dgm:colorsDef xmlns:dgm="http://schemas.openxmlformats.org/drawingml/2006/diagram" xmlns:a="http://schemas.openxmlformats.org/drawingml/2006/main" uniqueId="urn:microsoft.com/office/officeart/2005/8/colors/accent1_2">
   <dgm:title val=""/>
   <dgm:desc val=""/>
   <dgm:catLst>
-    <dgm:cat type="colorful" pri="10200"/>
+    <dgm:cat type="accent1" pri="11200"/>
   </dgm:catLst>
   <dgm:styleLbl name="node0">
     <dgm:fillClrLst meth="repeat">
@@ -165,10 +165,21 @@
     <dgm:txFillClrLst/>
     <dgm:txEffectClrLst/>
   </dgm:styleLbl>
+  <dgm:styleLbl name="alignNode1">
+    <dgm:fillClrLst meth="repeat">
+      <a:schemeClr val="accent1"/>
+    </dgm:fillClrLst>
+    <dgm:linClrLst meth="repeat">
+      <a:schemeClr val="accent1"/>
+    </dgm:linClrLst>
+    <dgm:effectClrLst/>
+    <dgm:txLinClrLst/>
+    <dgm:txFillClrLst/>
+    <dgm:txEffectClrLst/>
+  </dgm:styleLbl>
   <dgm:styleLbl name="node1">
-    <dgm:fillClrLst>
-      <a:schemeClr val="accent2"/>
-      <a:schemeClr val="accent3"/>
+    <dgm:fillClrLst meth="repeat">
+      <a:schemeClr val="accent1"/>
     </dgm:fillClrLst>
     <dgm:linClrLst meth="repeat">
       <a:schemeClr val="lt1"/>
@@ -178,24 +189,9 @@
     <dgm:txFillClrLst/>
     <dgm:txEffectClrLst/>
   </dgm:styleLbl>
-  <dgm:styleLbl name="alignNode1">
-    <dgm:fillClrLst>
-      <a:schemeClr val="accent2"/>
-      <a:schemeClr val="accent3"/>
-    </dgm:fillClrLst>
-    <dgm:linClrLst>
-      <a:schemeClr val="accent2"/>
-      <a:schemeClr val="accent3"/>
-    </dgm:linClrLst>
-    <dgm:effectClrLst/>
-    <dgm:txLinClrLst/>
-    <dgm:txFillClrLst/>
-    <dgm:txEffectClrLst/>
-  </dgm:styleLbl>
   <dgm:styleLbl name="lnNode1">
-    <dgm:fillClrLst>
-      <a:schemeClr val="accent2"/>
-      <a:schemeClr val="accent3"/>
+    <dgm:fillClrLst meth="repeat">
+      <a:schemeClr val="accent1"/>
     </dgm:fillClrLst>
     <dgm:linClrLst meth="repeat">
       <a:schemeClr val="lt1"/>
@@ -206,11 +202,8 @@
     <dgm:txEffectClrLst/>
   </dgm:styleLbl>
   <dgm:styleLbl name="vennNode1">
-    <dgm:fillClrLst>
-      <a:schemeClr val="accent2">
-        <a:alpha val="50000"/>
-      </a:schemeClr>
-      <a:schemeClr val="accent3">
+    <dgm:fillClrLst meth="repeat">
+      <a:schemeClr val="accent1">
         <a:alpha val="50000"/>
       </a:schemeClr>
     </dgm:fillClrLst>
@@ -223,8 +216,8 @@
     <dgm:txEffectClrLst/>
   </dgm:styleLbl>
   <dgm:styleLbl name="node2">
-    <dgm:fillClrLst>
-      <a:schemeClr val="accent3"/>
+    <dgm:fillClrLst meth="repeat">
+      <a:schemeClr val="accent1"/>
     </dgm:fillClrLst>
     <dgm:linClrLst meth="repeat">
       <a:schemeClr val="lt1"/>
@@ -235,8 +228,8 @@
     <dgm:txEffectClrLst/>
   </dgm:styleLbl>
   <dgm:styleLbl name="node3">
-    <dgm:fillClrLst>
-      <a:schemeClr val="accent4"/>
+    <dgm:fillClrLst meth="repeat">
+      <a:schemeClr val="accent1"/>
     </dgm:fillClrLst>
     <dgm:linClrLst meth="repeat">
       <a:schemeClr val="lt1"/>
@@ -247,8 +240,8 @@
     <dgm:txEffectClrLst/>
   </dgm:styleLbl>
   <dgm:styleLbl name="node4">
-    <dgm:fillClrLst>
-      <a:schemeClr val="accent5"/>
+    <dgm:fillClrLst meth="repeat">
+      <a:schemeClr val="accent1"/>
     </dgm:fillClrLst>
     <dgm:linClrLst meth="repeat">
       <a:schemeClr val="lt1"/>
@@ -259,11 +252,8 @@
     <dgm:txEffectClrLst/>
   </dgm:styleLbl>
   <dgm:styleLbl name="fgImgPlace1">
-    <dgm:fillClrLst>
-      <a:schemeClr val="accent2">
-        <a:tint val="50000"/>
-      </a:schemeClr>
-      <a:schemeClr val="accent3">
+    <dgm:fillClrLst meth="repeat">
+      <a:schemeClr val="accent1">
         <a:tint val="50000"/>
       </a:schemeClr>
     </dgm:fillClrLst>
@@ -278,12 +268,9 @@
     <dgm:txEffectClrLst/>
   </dgm:styleLbl>
   <dgm:styleLbl name="alignImgPlace1">
-    <dgm:fillClrLst>
-      <a:schemeClr val="accent2">
+    <dgm:fillClrLst meth="repeat">
+      <a:schemeClr val="accent1">
         <a:tint val="50000"/>
-      </a:schemeClr>
-      <a:schemeClr val="accent3">
-        <a:tint val="20000"/>
       </a:schemeClr>
     </dgm:fillClrLst>
     <dgm:linClrLst meth="repeat">
@@ -297,12 +284,9 @@
     <dgm:txEffectClrLst/>
   </dgm:styleLbl>
   <dgm:styleLbl name="bgImgPlace1">
-    <dgm:fillClrLst>
-      <a:schemeClr val="accent2">
+    <dgm:fillClrLst meth="repeat">
+      <a:schemeClr val="accent1">
         <a:tint val="50000"/>
-      </a:schemeClr>
-      <a:schemeClr val="accent3">
-        <a:tint val="20000"/>
       </a:schemeClr>
     </dgm:fillClrLst>
     <dgm:linClrLst meth="repeat">
@@ -316,12 +300,15 @@
     <dgm:txEffectClrLst/>
   </dgm:styleLbl>
   <dgm:styleLbl name="sibTrans2D1">
-    <dgm:fillClrLst>
-      <a:schemeClr val="accent2"/>
-      <a:schemeClr val="accent3"/>
+    <dgm:fillClrLst meth="repeat">
+      <a:schemeClr val="accent1">
+        <a:tint val="60000"/>
+      </a:schemeClr>
     </dgm:fillClrLst>
     <dgm:linClrLst meth="repeat">
-      <a:schemeClr val="lt1"/>
+      <a:schemeClr val="accent1">
+        <a:tint val="60000"/>
+      </a:schemeClr>
     </dgm:linClrLst>
     <dgm:effectClrLst/>
     <dgm:txLinClrLst/>
@@ -329,40 +316,43 @@
     <dgm:txEffectClrLst/>
   </dgm:styleLbl>
   <dgm:styleLbl name="fgSibTrans2D1">
-    <dgm:fillClrLst>
-      <a:schemeClr val="accent2"/>
-      <a:schemeClr val="accent3"/>
+    <dgm:fillClrLst meth="repeat">
+      <a:schemeClr val="accent1">
+        <a:tint val="60000"/>
+      </a:schemeClr>
     </dgm:fillClrLst>
     <dgm:linClrLst meth="repeat">
-      <a:schemeClr val="lt1"/>
+      <a:schemeClr val="accent1">
+        <a:tint val="60000"/>
+      </a:schemeClr>
     </dgm:linClrLst>
     <dgm:effectClrLst/>
     <dgm:txLinClrLst/>
-    <dgm:txFillClrLst meth="repeat">
-      <a:schemeClr val="lt1"/>
-    </dgm:txFillClrLst>
+    <dgm:txFillClrLst/>
     <dgm:txEffectClrLst/>
   </dgm:styleLbl>
   <dgm:styleLbl name="bgSibTrans2D1">
-    <dgm:fillClrLst>
-      <a:schemeClr val="accent2"/>
-      <a:schemeClr val="accent3"/>
+    <dgm:fillClrLst meth="repeat">
+      <a:schemeClr val="accent1">
+        <a:tint val="60000"/>
+      </a:schemeClr>
     </dgm:fillClrLst>
     <dgm:linClrLst meth="repeat">
-      <a:schemeClr val="lt1"/>
+      <a:schemeClr val="accent1">
+        <a:tint val="60000"/>
+      </a:schemeClr>
     </dgm:linClrLst>
     <dgm:effectClrLst/>
     <dgm:txLinClrLst/>
-    <dgm:txFillClrLst meth="repeat">
-      <a:schemeClr val="lt1"/>
-    </dgm:txFillClrLst>
+    <dgm:txFillClrLst/>
     <dgm:txEffectClrLst/>
   </dgm:styleLbl>
   <dgm:styleLbl name="sibTrans1D1">
-    <dgm:fillClrLst/>
-    <dgm:linClrLst>
-      <a:schemeClr val="accent2"/>
-      <a:schemeClr val="accent3"/>
+    <dgm:fillClrLst meth="repeat">
+      <a:schemeClr val="accent1"/>
+    </dgm:fillClrLst>
+    <dgm:linClrLst meth="repeat">
+      <a:schemeClr val="accent1"/>
     </dgm:linClrLst>
     <dgm:effectClrLst/>
     <dgm:txLinClrLst/>
@@ -373,10 +363,10 @@
   </dgm:styleLbl>
   <dgm:styleLbl name="callout">
     <dgm:fillClrLst meth="repeat">
-      <a:schemeClr val="accent2"/>
+      <a:schemeClr val="accent1"/>
     </dgm:fillClrLst>
     <dgm:linClrLst meth="repeat">
-      <a:schemeClr val="accent2">
+      <a:schemeClr val="accent1">
         <a:tint val="50000"/>
       </a:schemeClr>
     </dgm:linClrLst>
@@ -389,35 +379,7 @@
   </dgm:styleLbl>
   <dgm:styleLbl name="asst0">
     <dgm:fillClrLst meth="repeat">
-      <a:schemeClr val="accent2"/>
-    </dgm:fillClrLst>
-    <dgm:linClrLst meth="repeat">
-      <a:schemeClr val="lt1">
-        <a:shade val="80000"/>
-      </a:schemeClr>
-    </dgm:linClrLst>
-    <dgm:effectClrLst/>
-    <dgm:txLinClrLst/>
-    <dgm:txFillClrLst/>
-    <dgm:txEffectClrLst/>
-  </dgm:styleLbl>
-  <dgm:styleLbl name="asst1">
-    <dgm:fillClrLst meth="repeat">
-      <a:schemeClr val="accent3"/>
-    </dgm:fillClrLst>
-    <dgm:linClrLst meth="repeat">
-      <a:schemeClr val="lt1">
-        <a:shade val="80000"/>
-      </a:schemeClr>
-    </dgm:linClrLst>
-    <dgm:effectClrLst/>
-    <dgm:txLinClrLst/>
-    <dgm:txFillClrLst/>
-    <dgm:txEffectClrLst/>
-  </dgm:styleLbl>
-  <dgm:styleLbl name="asst2">
-    <dgm:fillClrLst>
-      <a:schemeClr val="accent4"/>
+      <a:schemeClr val="accent1"/>
     </dgm:fillClrLst>
     <dgm:linClrLst meth="repeat">
       <a:schemeClr val="lt1"/>
@@ -427,9 +389,9 @@
     <dgm:txFillClrLst/>
     <dgm:txEffectClrLst/>
   </dgm:styleLbl>
-  <dgm:styleLbl name="asst3">
-    <dgm:fillClrLst>
-      <a:schemeClr val="accent5"/>
+  <dgm:styleLbl name="asst1">
+    <dgm:fillClrLst meth="repeat">
+      <a:schemeClr val="accent1"/>
     </dgm:fillClrLst>
     <dgm:linClrLst meth="repeat">
       <a:schemeClr val="lt1"/>
@@ -439,9 +401,9 @@
     <dgm:txFillClrLst/>
     <dgm:txEffectClrLst/>
   </dgm:styleLbl>
-  <dgm:styleLbl name="asst4">
-    <dgm:fillClrLst>
-      <a:schemeClr val="accent6"/>
+  <dgm:styleLbl name="asst2">
+    <dgm:fillClrLst meth="repeat">
+      <a:schemeClr val="accent1"/>
     </dgm:fillClrLst>
     <dgm:linClrLst meth="repeat">
       <a:schemeClr val="lt1"/>
@@ -451,23 +413,9 @@
     <dgm:txFillClrLst/>
     <dgm:txEffectClrLst/>
   </dgm:styleLbl>
-  <dgm:styleLbl name="parChTrans2D1">
+  <dgm:styleLbl name="asst3">
     <dgm:fillClrLst meth="repeat">
-      <a:schemeClr val="accent2"/>
-    </dgm:fillClrLst>
-    <dgm:linClrLst meth="repeat">
-      <a:schemeClr val="lt1"/>
-    </dgm:linClrLst>
-    <dgm:effectClrLst/>
-    <dgm:txLinClrLst/>
-    <dgm:txFillClrLst meth="repeat">
-      <a:schemeClr val="lt1"/>
-    </dgm:txFillClrLst>
-    <dgm:txEffectClrLst/>
-  </dgm:styleLbl>
-  <dgm:styleLbl name="parChTrans2D2">
-    <dgm:fillClrLst meth="repeat">
-      <a:schemeClr val="accent3"/>
+      <a:schemeClr val="accent1"/>
     </dgm:fillClrLst>
     <dgm:linClrLst meth="repeat">
       <a:schemeClr val="lt1"/>
@@ -477,9 +425,9 @@
     <dgm:txFillClrLst/>
     <dgm:txEffectClrLst/>
   </dgm:styleLbl>
-  <dgm:styleLbl name="parChTrans2D3">
+  <dgm:styleLbl name="asst4">
     <dgm:fillClrLst meth="repeat">
-      <a:schemeClr val="accent4"/>
+      <a:schemeClr val="accent1"/>
     </dgm:fillClrLst>
     <dgm:linClrLst meth="repeat">
       <a:schemeClr val="lt1"/>
@@ -489,12 +437,16 @@
     <dgm:txFillClrLst/>
     <dgm:txEffectClrLst/>
   </dgm:styleLbl>
-  <dgm:styleLbl name="parChTrans2D4">
+  <dgm:styleLbl name="parChTrans2D1">
     <dgm:fillClrLst meth="repeat">
-      <a:schemeClr val="accent5"/>
+      <a:schemeClr val="accent1">
+        <a:tint val="60000"/>
+      </a:schemeClr>
     </dgm:fillClrLst>
     <dgm:linClrLst meth="repeat">
-      <a:schemeClr val="lt1"/>
+      <a:schemeClr val="accent1">
+        <a:tint val="60000"/>
+      </a:schemeClr>
     </dgm:linClrLst>
     <dgm:effectClrLst/>
     <dgm:txLinClrLst/>
@@ -503,12 +455,56 @@
     </dgm:txFillClrLst>
     <dgm:txEffectClrLst/>
   </dgm:styleLbl>
+  <dgm:styleLbl name="parChTrans2D2">
+    <dgm:fillClrLst meth="repeat">
+      <a:schemeClr val="accent1"/>
+    </dgm:fillClrLst>
+    <dgm:linClrLst meth="repeat">
+      <a:schemeClr val="accent1"/>
+    </dgm:linClrLst>
+    <dgm:effectClrLst/>
+    <dgm:txLinClrLst/>
+    <dgm:txFillClrLst meth="repeat">
+      <a:schemeClr val="lt1"/>
+    </dgm:txFillClrLst>
+    <dgm:txEffectClrLst/>
+  </dgm:styleLbl>
+  <dgm:styleLbl name="parChTrans2D3">
+    <dgm:fillClrLst meth="repeat">
+      <a:schemeClr val="accent1"/>
+    </dgm:fillClrLst>
+    <dgm:linClrLst meth="repeat">
+      <a:schemeClr val="accent1"/>
+    </dgm:linClrLst>
+    <dgm:effectClrLst/>
+    <dgm:txLinClrLst/>
+    <dgm:txFillClrLst meth="repeat">
+      <a:schemeClr val="lt1"/>
+    </dgm:txFillClrLst>
+    <dgm:txEffectClrLst/>
+  </dgm:styleLbl>
+  <dgm:styleLbl name="parChTrans2D4">
+    <dgm:fillClrLst meth="repeat">
+      <a:schemeClr val="accent1"/>
+    </dgm:fillClrLst>
+    <dgm:linClrLst meth="repeat">
+      <a:schemeClr val="accent1"/>
+    </dgm:linClrLst>
+    <dgm:effectClrLst/>
+    <dgm:txLinClrLst/>
+    <dgm:txFillClrLst meth="repeat">
+      <a:schemeClr val="lt1"/>
+    </dgm:txFillClrLst>
+    <dgm:txEffectClrLst/>
+  </dgm:styleLbl>
   <dgm:styleLbl name="parChTrans1D1">
     <dgm:fillClrLst meth="repeat">
-      <a:schemeClr val="accent2"/>
+      <a:schemeClr val="accent1"/>
     </dgm:fillClrLst>
     <dgm:linClrLst meth="repeat">
-      <a:schemeClr val="accent2"/>
+      <a:schemeClr val="accent1">
+        <a:shade val="60000"/>
+      </a:schemeClr>
     </dgm:linClrLst>
     <dgm:effectClrLst/>
     <dgm:txLinClrLst/>
@@ -519,12 +515,12 @@
   </dgm:styleLbl>
   <dgm:styleLbl name="parChTrans1D2">
     <dgm:fillClrLst meth="repeat">
-      <a:schemeClr val="accent2">
-        <a:tint val="90000"/>
-      </a:schemeClr>
+      <a:schemeClr val="accent1"/>
     </dgm:fillClrLst>
     <dgm:linClrLst meth="repeat">
-      <a:schemeClr val="accent3"/>
+      <a:schemeClr val="accent1">
+        <a:shade val="60000"/>
+      </a:schemeClr>
     </dgm:linClrLst>
     <dgm:effectClrLst/>
     <dgm:txLinClrLst/>
@@ -535,12 +531,12 @@
   </dgm:styleLbl>
   <dgm:styleLbl name="parChTrans1D3">
     <dgm:fillClrLst meth="repeat">
-      <a:schemeClr val="accent2">
-        <a:tint val="70000"/>
-      </a:schemeClr>
+      <a:schemeClr val="accent1"/>
     </dgm:fillClrLst>
     <dgm:linClrLst meth="repeat">
-      <a:schemeClr val="accent4"/>
+      <a:schemeClr val="accent1">
+        <a:shade val="80000"/>
+      </a:schemeClr>
     </dgm:linClrLst>
     <dgm:effectClrLst/>
     <dgm:txLinClrLst/>
@@ -551,12 +547,12 @@
   </dgm:styleLbl>
   <dgm:styleLbl name="parChTrans1D4">
     <dgm:fillClrLst meth="repeat">
-      <a:schemeClr val="accent2">
-        <a:tint val="50000"/>
-      </a:schemeClr>
+      <a:schemeClr val="accent1"/>
     </dgm:fillClrLst>
     <dgm:linClrLst meth="repeat">
-      <a:schemeClr val="accent5"/>
+      <a:schemeClr val="accent1">
+        <a:shade val="80000"/>
+      </a:schemeClr>
     </dgm:linClrLst>
     <dgm:effectClrLst/>
     <dgm:txLinClrLst/>
@@ -571,9 +567,8 @@
         <a:alpha val="90000"/>
       </a:schemeClr>
     </dgm:fillClrLst>
-    <dgm:linClrLst>
-      <a:schemeClr val="accent2"/>
-      <a:schemeClr val="accent3"/>
+    <dgm:linClrLst meth="repeat">
+      <a:schemeClr val="accent1"/>
     </dgm:linClrLst>
     <dgm:effectClrLst/>
     <dgm:txLinClrLst/>
@@ -588,9 +583,8 @@
         <a:alpha val="90000"/>
       </a:schemeClr>
     </dgm:fillClrLst>
-    <dgm:linClrLst>
-      <a:schemeClr val="accent2"/>
-      <a:schemeClr val="accent3"/>
+    <dgm:linClrLst meth="repeat">
+      <a:schemeClr val="accent1"/>
     </dgm:linClrLst>
     <dgm:effectClrLst/>
     <dgm:txLinClrLst/>
@@ -605,9 +599,8 @@
         <a:alpha val="90000"/>
       </a:schemeClr>
     </dgm:fillClrLst>
-    <dgm:linClrLst>
-      <a:schemeClr val="accent2"/>
-      <a:schemeClr val="accent3"/>
+    <dgm:linClrLst meth="repeat">
+      <a:schemeClr val="accent1"/>
     </dgm:linClrLst>
     <dgm:effectClrLst/>
     <dgm:txLinClrLst/>
@@ -623,7 +616,7 @@
       </a:schemeClr>
     </dgm:fillClrLst>
     <dgm:linClrLst meth="repeat">
-      <a:schemeClr val="accent2"/>
+      <a:schemeClr val="accent1"/>
     </dgm:linClrLst>
     <dgm:effectClrLst/>
     <dgm:txLinClrLst/>
@@ -638,9 +631,8 @@
         <a:alpha val="90000"/>
       </a:schemeClr>
     </dgm:fillClrLst>
-    <dgm:linClrLst>
-      <a:schemeClr val="accent2"/>
-      <a:schemeClr val="accent3"/>
+    <dgm:linClrLst meth="repeat">
+      <a:schemeClr val="accent1"/>
     </dgm:linClrLst>
     <dgm:effectClrLst/>
     <dgm:txLinClrLst/>
@@ -653,9 +645,8 @@
     <dgm:fillClrLst meth="repeat">
       <a:schemeClr val="lt1"/>
     </dgm:fillClrLst>
-    <dgm:linClrLst>
-      <a:schemeClr val="accent2"/>
-      <a:schemeClr val="accent3"/>
+    <dgm:linClrLst meth="repeat">
+      <a:schemeClr val="accent1"/>
     </dgm:linClrLst>
     <dgm:effectClrLst/>
     <dgm:txLinClrLst/>
@@ -668,9 +659,8 @@
     <dgm:fillClrLst meth="repeat">
       <a:schemeClr val="lt1"/>
     </dgm:fillClrLst>
-    <dgm:linClrLst>
-      <a:schemeClr val="accent2"/>
-      <a:schemeClr val="accent3"/>
+    <dgm:linClrLst meth="repeat">
+      <a:schemeClr val="accent1"/>
     </dgm:linClrLst>
     <dgm:effectClrLst/>
     <dgm:txLinClrLst/>
@@ -683,9 +673,8 @@
     <dgm:fillClrLst meth="repeat">
       <a:schemeClr val="lt1"/>
     </dgm:fillClrLst>
-    <dgm:linClrLst>
-      <a:schemeClr val="accent2"/>
-      <a:schemeClr val="accent3"/>
+    <dgm:linClrLst meth="repeat">
+      <a:schemeClr val="accent1"/>
     </dgm:linClrLst>
     <dgm:effectClrLst/>
     <dgm:txLinClrLst/>
@@ -695,24 +684,16 @@
     <dgm:txEffectClrLst/>
   </dgm:styleLbl>
   <dgm:styleLbl name="fgAccFollowNode1">
-    <dgm:fillClrLst>
-      <a:schemeClr val="accent2">
+    <dgm:fillClrLst meth="repeat">
+      <a:schemeClr val="accent1">
+        <a:alpha val="90000"/>
         <a:tint val="40000"/>
-        <a:alpha val="90000"/>
-      </a:schemeClr>
-      <a:schemeClr val="accent3">
-        <a:tint val="40000"/>
-        <a:alpha val="90000"/>
       </a:schemeClr>
     </dgm:fillClrLst>
-    <dgm:linClrLst>
-      <a:schemeClr val="accent2">
+    <dgm:linClrLst meth="repeat">
+      <a:schemeClr val="accent1">
+        <a:alpha val="90000"/>
         <a:tint val="40000"/>
-        <a:alpha val="90000"/>
-      </a:schemeClr>
-      <a:schemeClr val="accent3">
-        <a:tint val="40000"/>
-        <a:alpha val="90000"/>
       </a:schemeClr>
     </dgm:linClrLst>
     <dgm:effectClrLst/>
@@ -723,24 +704,16 @@
     <dgm:txEffectClrLst/>
   </dgm:styleLbl>
   <dgm:styleLbl name="alignAccFollowNode1">
-    <dgm:fillClrLst>
-      <a:schemeClr val="accent2">
+    <dgm:fillClrLst meth="repeat">
+      <a:schemeClr val="accent1">
+        <a:alpha val="90000"/>
         <a:tint val="40000"/>
-        <a:alpha val="90000"/>
-      </a:schemeClr>
-      <a:schemeClr val="accent3">
-        <a:tint val="40000"/>
-        <a:alpha val="90000"/>
       </a:schemeClr>
     </dgm:fillClrLst>
-    <dgm:linClrLst>
-      <a:schemeClr val="accent2">
+    <dgm:linClrLst meth="repeat">
+      <a:schemeClr val="accent1">
+        <a:alpha val="90000"/>
         <a:tint val="40000"/>
-        <a:alpha val="90000"/>
-      </a:schemeClr>
-      <a:schemeClr val="accent3">
-        <a:tint val="40000"/>
-        <a:alpha val="90000"/>
       </a:schemeClr>
     </dgm:linClrLst>
     <dgm:effectClrLst/>
@@ -751,24 +724,16 @@
     <dgm:txEffectClrLst/>
   </dgm:styleLbl>
   <dgm:styleLbl name="bgAccFollowNode1">
-    <dgm:fillClrLst>
-      <a:schemeClr val="accent2">
+    <dgm:fillClrLst meth="repeat">
+      <a:schemeClr val="accent1">
+        <a:alpha val="90000"/>
         <a:tint val="40000"/>
-        <a:alpha val="90000"/>
-      </a:schemeClr>
-      <a:schemeClr val="accent3">
-        <a:tint val="40000"/>
-        <a:alpha val="90000"/>
       </a:schemeClr>
     </dgm:fillClrLst>
-    <dgm:linClrLst>
-      <a:schemeClr val="accent2">
+    <dgm:linClrLst meth="repeat">
+      <a:schemeClr val="accent1">
+        <a:alpha val="90000"/>
         <a:tint val="40000"/>
-        <a:alpha val="90000"/>
-      </a:schemeClr>
-      <a:schemeClr val="accent3">
-        <a:tint val="40000"/>
-        <a:alpha val="90000"/>
       </a:schemeClr>
     </dgm:linClrLst>
     <dgm:effectClrLst/>
@@ -784,7 +749,7 @@
         <a:alpha val="90000"/>
       </a:schemeClr>
     </dgm:fillClrLst>
-    <dgm:linClrLst>
+    <dgm:linClrLst meth="repeat">
       <a:schemeClr val="accent1"/>
     </dgm:linClrLst>
     <dgm:effectClrLst/>
@@ -800,8 +765,8 @@
         <a:alpha val="90000"/>
       </a:schemeClr>
     </dgm:fillClrLst>
-    <dgm:linClrLst>
-      <a:schemeClr val="accent3"/>
+    <dgm:linClrLst meth="repeat">
+      <a:schemeClr val="accent1"/>
     </dgm:linClrLst>
     <dgm:effectClrLst/>
     <dgm:txLinClrLst/>
@@ -816,8 +781,8 @@
         <a:alpha val="90000"/>
       </a:schemeClr>
     </dgm:fillClrLst>
-    <dgm:linClrLst>
-      <a:schemeClr val="accent4"/>
+    <dgm:linClrLst meth="repeat">
+      <a:schemeClr val="accent1"/>
     </dgm:linClrLst>
     <dgm:effectClrLst/>
     <dgm:txLinClrLst/>
@@ -832,8 +797,8 @@
         <a:alpha val="90000"/>
       </a:schemeClr>
     </dgm:fillClrLst>
-    <dgm:linClrLst>
-      <a:schemeClr val="accent5"/>
+    <dgm:linClrLst meth="repeat">
+      <a:schemeClr val="accent1"/>
     </dgm:linClrLst>
     <dgm:effectClrLst/>
     <dgm:txLinClrLst/>
@@ -844,12 +809,12 @@
   </dgm:styleLbl>
   <dgm:styleLbl name="bgShp">
     <dgm:fillClrLst meth="repeat">
-      <a:schemeClr val="accent2">
+      <a:schemeClr val="accent1">
         <a:tint val="40000"/>
       </a:schemeClr>
     </dgm:fillClrLst>
     <dgm:linClrLst meth="repeat">
-      <a:schemeClr val="dk1"/>
+      <a:schemeClr val="accent1"/>
     </dgm:linClrLst>
     <dgm:effectClrLst/>
     <dgm:txLinClrLst/>
@@ -860,12 +825,12 @@
   </dgm:styleLbl>
   <dgm:styleLbl name="dkBgShp">
     <dgm:fillClrLst meth="repeat">
-      <a:schemeClr val="accent2">
-        <a:shade val="90000"/>
+      <a:schemeClr val="accent1">
+        <a:shade val="80000"/>
       </a:schemeClr>
     </dgm:fillClrLst>
     <dgm:linClrLst meth="repeat">
-      <a:schemeClr val="dk1"/>
+      <a:schemeClr val="accent1"/>
     </dgm:linClrLst>
     <dgm:effectClrLst/>
     <dgm:txLinClrLst/>
@@ -876,13 +841,13 @@
   </dgm:styleLbl>
   <dgm:styleLbl name="trBgShp">
     <dgm:fillClrLst meth="repeat">
-      <a:schemeClr val="accent2">
+      <a:schemeClr val="accent1">
         <a:tint val="50000"/>
         <a:alpha val="40000"/>
       </a:schemeClr>
     </dgm:fillClrLst>
     <dgm:linClrLst meth="repeat">
-      <a:schemeClr val="accent2"/>
+      <a:schemeClr val="accent1"/>
     </dgm:linClrLst>
     <dgm:effectClrLst/>
     <dgm:txLinClrLst/>
@@ -893,8 +858,8 @@
   </dgm:styleLbl>
   <dgm:styleLbl name="fgShp">
     <dgm:fillClrLst meth="repeat">
-      <a:schemeClr val="accent2">
-        <a:tint val="40000"/>
+      <a:schemeClr val="accent1">
+        <a:tint val="60000"/>
       </a:schemeClr>
     </dgm:fillClrLst>
     <dgm:linClrLst meth="repeat">
@@ -1676,753 +1641,6 @@
 </file>
 
 <file path=ppt/diagrams/colors3.xml><?xml version="1.0" encoding="utf-8"?>
-<dgm:colorsDef xmlns:dgm="http://schemas.openxmlformats.org/drawingml/2006/diagram" xmlns:a="http://schemas.openxmlformats.org/drawingml/2006/main" uniqueId="urn:microsoft.com/office/officeart/2005/8/colors/accent1_2">
-  <dgm:title val=""/>
-  <dgm:desc val=""/>
-  <dgm:catLst>
-    <dgm:cat type="accent1" pri="11200"/>
-  </dgm:catLst>
-  <dgm:styleLbl name="node0">
-    <dgm:fillClrLst meth="repeat">
-      <a:schemeClr val="accent1"/>
-    </dgm:fillClrLst>
-    <dgm:linClrLst meth="repeat">
-      <a:schemeClr val="lt1"/>
-    </dgm:linClrLst>
-    <dgm:effectClrLst/>
-    <dgm:txLinClrLst/>
-    <dgm:txFillClrLst/>
-    <dgm:txEffectClrLst/>
-  </dgm:styleLbl>
-  <dgm:styleLbl name="alignNode1">
-    <dgm:fillClrLst meth="repeat">
-      <a:schemeClr val="accent1"/>
-    </dgm:fillClrLst>
-    <dgm:linClrLst meth="repeat">
-      <a:schemeClr val="accent1"/>
-    </dgm:linClrLst>
-    <dgm:effectClrLst/>
-    <dgm:txLinClrLst/>
-    <dgm:txFillClrLst/>
-    <dgm:txEffectClrLst/>
-  </dgm:styleLbl>
-  <dgm:styleLbl name="node1">
-    <dgm:fillClrLst meth="repeat">
-      <a:schemeClr val="accent1"/>
-    </dgm:fillClrLst>
-    <dgm:linClrLst meth="repeat">
-      <a:schemeClr val="lt1"/>
-    </dgm:linClrLst>
-    <dgm:effectClrLst/>
-    <dgm:txLinClrLst/>
-    <dgm:txFillClrLst/>
-    <dgm:txEffectClrLst/>
-  </dgm:styleLbl>
-  <dgm:styleLbl name="lnNode1">
-    <dgm:fillClrLst meth="repeat">
-      <a:schemeClr val="accent1"/>
-    </dgm:fillClrLst>
-    <dgm:linClrLst meth="repeat">
-      <a:schemeClr val="lt1"/>
-    </dgm:linClrLst>
-    <dgm:effectClrLst/>
-    <dgm:txLinClrLst/>
-    <dgm:txFillClrLst/>
-    <dgm:txEffectClrLst/>
-  </dgm:styleLbl>
-  <dgm:styleLbl name="vennNode1">
-    <dgm:fillClrLst meth="repeat">
-      <a:schemeClr val="accent1">
-        <a:alpha val="50000"/>
-      </a:schemeClr>
-    </dgm:fillClrLst>
-    <dgm:linClrLst meth="repeat">
-      <a:schemeClr val="lt1"/>
-    </dgm:linClrLst>
-    <dgm:effectClrLst/>
-    <dgm:txLinClrLst/>
-    <dgm:txFillClrLst/>
-    <dgm:txEffectClrLst/>
-  </dgm:styleLbl>
-  <dgm:styleLbl name="node2">
-    <dgm:fillClrLst meth="repeat">
-      <a:schemeClr val="accent1"/>
-    </dgm:fillClrLst>
-    <dgm:linClrLst meth="repeat">
-      <a:schemeClr val="lt1"/>
-    </dgm:linClrLst>
-    <dgm:effectClrLst/>
-    <dgm:txLinClrLst/>
-    <dgm:txFillClrLst/>
-    <dgm:txEffectClrLst/>
-  </dgm:styleLbl>
-  <dgm:styleLbl name="node3">
-    <dgm:fillClrLst meth="repeat">
-      <a:schemeClr val="accent1"/>
-    </dgm:fillClrLst>
-    <dgm:linClrLst meth="repeat">
-      <a:schemeClr val="lt1"/>
-    </dgm:linClrLst>
-    <dgm:effectClrLst/>
-    <dgm:txLinClrLst/>
-    <dgm:txFillClrLst/>
-    <dgm:txEffectClrLst/>
-  </dgm:styleLbl>
-  <dgm:styleLbl name="node4">
-    <dgm:fillClrLst meth="repeat">
-      <a:schemeClr val="accent1"/>
-    </dgm:fillClrLst>
-    <dgm:linClrLst meth="repeat">
-      <a:schemeClr val="lt1"/>
-    </dgm:linClrLst>
-    <dgm:effectClrLst/>
-    <dgm:txLinClrLst/>
-    <dgm:txFillClrLst/>
-    <dgm:txEffectClrLst/>
-  </dgm:styleLbl>
-  <dgm:styleLbl name="fgImgPlace1">
-    <dgm:fillClrLst meth="repeat">
-      <a:schemeClr val="accent1">
-        <a:tint val="50000"/>
-      </a:schemeClr>
-    </dgm:fillClrLst>
-    <dgm:linClrLst meth="repeat">
-      <a:schemeClr val="lt1"/>
-    </dgm:linClrLst>
-    <dgm:effectClrLst/>
-    <dgm:txLinClrLst/>
-    <dgm:txFillClrLst meth="repeat">
-      <a:schemeClr val="lt1"/>
-    </dgm:txFillClrLst>
-    <dgm:txEffectClrLst/>
-  </dgm:styleLbl>
-  <dgm:styleLbl name="alignImgPlace1">
-    <dgm:fillClrLst meth="repeat">
-      <a:schemeClr val="accent1">
-        <a:tint val="50000"/>
-      </a:schemeClr>
-    </dgm:fillClrLst>
-    <dgm:linClrLst meth="repeat">
-      <a:schemeClr val="lt1"/>
-    </dgm:linClrLst>
-    <dgm:effectClrLst/>
-    <dgm:txLinClrLst/>
-    <dgm:txFillClrLst meth="repeat">
-      <a:schemeClr val="lt1"/>
-    </dgm:txFillClrLst>
-    <dgm:txEffectClrLst/>
-  </dgm:styleLbl>
-  <dgm:styleLbl name="bgImgPlace1">
-    <dgm:fillClrLst meth="repeat">
-      <a:schemeClr val="accent1">
-        <a:tint val="50000"/>
-      </a:schemeClr>
-    </dgm:fillClrLst>
-    <dgm:linClrLst meth="repeat">
-      <a:schemeClr val="lt1"/>
-    </dgm:linClrLst>
-    <dgm:effectClrLst/>
-    <dgm:txLinClrLst/>
-    <dgm:txFillClrLst meth="repeat">
-      <a:schemeClr val="lt1"/>
-    </dgm:txFillClrLst>
-    <dgm:txEffectClrLst/>
-  </dgm:styleLbl>
-  <dgm:styleLbl name="sibTrans2D1">
-    <dgm:fillClrLst meth="repeat">
-      <a:schemeClr val="accent1">
-        <a:tint val="60000"/>
-      </a:schemeClr>
-    </dgm:fillClrLst>
-    <dgm:linClrLst meth="repeat">
-      <a:schemeClr val="accent1">
-        <a:tint val="60000"/>
-      </a:schemeClr>
-    </dgm:linClrLst>
-    <dgm:effectClrLst/>
-    <dgm:txLinClrLst/>
-    <dgm:txFillClrLst/>
-    <dgm:txEffectClrLst/>
-  </dgm:styleLbl>
-  <dgm:styleLbl name="fgSibTrans2D1">
-    <dgm:fillClrLst meth="repeat">
-      <a:schemeClr val="accent1">
-        <a:tint val="60000"/>
-      </a:schemeClr>
-    </dgm:fillClrLst>
-    <dgm:linClrLst meth="repeat">
-      <a:schemeClr val="accent1">
-        <a:tint val="60000"/>
-      </a:schemeClr>
-    </dgm:linClrLst>
-    <dgm:effectClrLst/>
-    <dgm:txLinClrLst/>
-    <dgm:txFillClrLst/>
-    <dgm:txEffectClrLst/>
-  </dgm:styleLbl>
-  <dgm:styleLbl name="bgSibTrans2D1">
-    <dgm:fillClrLst meth="repeat">
-      <a:schemeClr val="accent1">
-        <a:tint val="60000"/>
-      </a:schemeClr>
-    </dgm:fillClrLst>
-    <dgm:linClrLst meth="repeat">
-      <a:schemeClr val="accent1">
-        <a:tint val="60000"/>
-      </a:schemeClr>
-    </dgm:linClrLst>
-    <dgm:effectClrLst/>
-    <dgm:txLinClrLst/>
-    <dgm:txFillClrLst/>
-    <dgm:txEffectClrLst/>
-  </dgm:styleLbl>
-  <dgm:styleLbl name="sibTrans1D1">
-    <dgm:fillClrLst meth="repeat">
-      <a:schemeClr val="accent1"/>
-    </dgm:fillClrLst>
-    <dgm:linClrLst meth="repeat">
-      <a:schemeClr val="accent1"/>
-    </dgm:linClrLst>
-    <dgm:effectClrLst/>
-    <dgm:txLinClrLst/>
-    <dgm:txFillClrLst meth="repeat">
-      <a:schemeClr val="tx1"/>
-    </dgm:txFillClrLst>
-    <dgm:txEffectClrLst/>
-  </dgm:styleLbl>
-  <dgm:styleLbl name="callout">
-    <dgm:fillClrLst meth="repeat">
-      <a:schemeClr val="accent1"/>
-    </dgm:fillClrLst>
-    <dgm:linClrLst meth="repeat">
-      <a:schemeClr val="accent1">
-        <a:tint val="50000"/>
-      </a:schemeClr>
-    </dgm:linClrLst>
-    <dgm:effectClrLst/>
-    <dgm:txLinClrLst/>
-    <dgm:txFillClrLst meth="repeat">
-      <a:schemeClr val="tx1"/>
-    </dgm:txFillClrLst>
-    <dgm:txEffectClrLst/>
-  </dgm:styleLbl>
-  <dgm:styleLbl name="asst0">
-    <dgm:fillClrLst meth="repeat">
-      <a:schemeClr val="accent1"/>
-    </dgm:fillClrLst>
-    <dgm:linClrLst meth="repeat">
-      <a:schemeClr val="lt1"/>
-    </dgm:linClrLst>
-    <dgm:effectClrLst/>
-    <dgm:txLinClrLst/>
-    <dgm:txFillClrLst/>
-    <dgm:txEffectClrLst/>
-  </dgm:styleLbl>
-  <dgm:styleLbl name="asst1">
-    <dgm:fillClrLst meth="repeat">
-      <a:schemeClr val="accent1"/>
-    </dgm:fillClrLst>
-    <dgm:linClrLst meth="repeat">
-      <a:schemeClr val="lt1"/>
-    </dgm:linClrLst>
-    <dgm:effectClrLst/>
-    <dgm:txLinClrLst/>
-    <dgm:txFillClrLst/>
-    <dgm:txEffectClrLst/>
-  </dgm:styleLbl>
-  <dgm:styleLbl name="asst2">
-    <dgm:fillClrLst meth="repeat">
-      <a:schemeClr val="accent1"/>
-    </dgm:fillClrLst>
-    <dgm:linClrLst meth="repeat">
-      <a:schemeClr val="lt1"/>
-    </dgm:linClrLst>
-    <dgm:effectClrLst/>
-    <dgm:txLinClrLst/>
-    <dgm:txFillClrLst/>
-    <dgm:txEffectClrLst/>
-  </dgm:styleLbl>
-  <dgm:styleLbl name="asst3">
-    <dgm:fillClrLst meth="repeat">
-      <a:schemeClr val="accent1"/>
-    </dgm:fillClrLst>
-    <dgm:linClrLst meth="repeat">
-      <a:schemeClr val="lt1"/>
-    </dgm:linClrLst>
-    <dgm:effectClrLst/>
-    <dgm:txLinClrLst/>
-    <dgm:txFillClrLst/>
-    <dgm:txEffectClrLst/>
-  </dgm:styleLbl>
-  <dgm:styleLbl name="asst4">
-    <dgm:fillClrLst meth="repeat">
-      <a:schemeClr val="accent1"/>
-    </dgm:fillClrLst>
-    <dgm:linClrLst meth="repeat">
-      <a:schemeClr val="lt1"/>
-    </dgm:linClrLst>
-    <dgm:effectClrLst/>
-    <dgm:txLinClrLst/>
-    <dgm:txFillClrLst/>
-    <dgm:txEffectClrLst/>
-  </dgm:styleLbl>
-  <dgm:styleLbl name="parChTrans2D1">
-    <dgm:fillClrLst meth="repeat">
-      <a:schemeClr val="accent1">
-        <a:tint val="60000"/>
-      </a:schemeClr>
-    </dgm:fillClrLst>
-    <dgm:linClrLst meth="repeat">
-      <a:schemeClr val="accent1">
-        <a:tint val="60000"/>
-      </a:schemeClr>
-    </dgm:linClrLst>
-    <dgm:effectClrLst/>
-    <dgm:txLinClrLst/>
-    <dgm:txFillClrLst meth="repeat">
-      <a:schemeClr val="lt1"/>
-    </dgm:txFillClrLst>
-    <dgm:txEffectClrLst/>
-  </dgm:styleLbl>
-  <dgm:styleLbl name="parChTrans2D2">
-    <dgm:fillClrLst meth="repeat">
-      <a:schemeClr val="accent1"/>
-    </dgm:fillClrLst>
-    <dgm:linClrLst meth="repeat">
-      <a:schemeClr val="accent1"/>
-    </dgm:linClrLst>
-    <dgm:effectClrLst/>
-    <dgm:txLinClrLst/>
-    <dgm:txFillClrLst meth="repeat">
-      <a:schemeClr val="lt1"/>
-    </dgm:txFillClrLst>
-    <dgm:txEffectClrLst/>
-  </dgm:styleLbl>
-  <dgm:styleLbl name="parChTrans2D3">
-    <dgm:fillClrLst meth="repeat">
-      <a:schemeClr val="accent1"/>
-    </dgm:fillClrLst>
-    <dgm:linClrLst meth="repeat">
-      <a:schemeClr val="accent1"/>
-    </dgm:linClrLst>
-    <dgm:effectClrLst/>
-    <dgm:txLinClrLst/>
-    <dgm:txFillClrLst meth="repeat">
-      <a:schemeClr val="lt1"/>
-    </dgm:txFillClrLst>
-    <dgm:txEffectClrLst/>
-  </dgm:styleLbl>
-  <dgm:styleLbl name="parChTrans2D4">
-    <dgm:fillClrLst meth="repeat">
-      <a:schemeClr val="accent1"/>
-    </dgm:fillClrLst>
-    <dgm:linClrLst meth="repeat">
-      <a:schemeClr val="accent1"/>
-    </dgm:linClrLst>
-    <dgm:effectClrLst/>
-    <dgm:txLinClrLst/>
-    <dgm:txFillClrLst meth="repeat">
-      <a:schemeClr val="lt1"/>
-    </dgm:txFillClrLst>
-    <dgm:txEffectClrLst/>
-  </dgm:styleLbl>
-  <dgm:styleLbl name="parChTrans1D1">
-    <dgm:fillClrLst meth="repeat">
-      <a:schemeClr val="accent1"/>
-    </dgm:fillClrLst>
-    <dgm:linClrLst meth="repeat">
-      <a:schemeClr val="accent1">
-        <a:shade val="60000"/>
-      </a:schemeClr>
-    </dgm:linClrLst>
-    <dgm:effectClrLst/>
-    <dgm:txLinClrLst/>
-    <dgm:txFillClrLst meth="repeat">
-      <a:schemeClr val="tx1"/>
-    </dgm:txFillClrLst>
-    <dgm:txEffectClrLst/>
-  </dgm:styleLbl>
-  <dgm:styleLbl name="parChTrans1D2">
-    <dgm:fillClrLst meth="repeat">
-      <a:schemeClr val="accent1"/>
-    </dgm:fillClrLst>
-    <dgm:linClrLst meth="repeat">
-      <a:schemeClr val="accent1">
-        <a:shade val="60000"/>
-      </a:schemeClr>
-    </dgm:linClrLst>
-    <dgm:effectClrLst/>
-    <dgm:txLinClrLst/>
-    <dgm:txFillClrLst meth="repeat">
-      <a:schemeClr val="tx1"/>
-    </dgm:txFillClrLst>
-    <dgm:txEffectClrLst/>
-  </dgm:styleLbl>
-  <dgm:styleLbl name="parChTrans1D3">
-    <dgm:fillClrLst meth="repeat">
-      <a:schemeClr val="accent1"/>
-    </dgm:fillClrLst>
-    <dgm:linClrLst meth="repeat">
-      <a:schemeClr val="accent1">
-        <a:shade val="80000"/>
-      </a:schemeClr>
-    </dgm:linClrLst>
-    <dgm:effectClrLst/>
-    <dgm:txLinClrLst/>
-    <dgm:txFillClrLst meth="repeat">
-      <a:schemeClr val="tx1"/>
-    </dgm:txFillClrLst>
-    <dgm:txEffectClrLst/>
-  </dgm:styleLbl>
-  <dgm:styleLbl name="parChTrans1D4">
-    <dgm:fillClrLst meth="repeat">
-      <a:schemeClr val="accent1"/>
-    </dgm:fillClrLst>
-    <dgm:linClrLst meth="repeat">
-      <a:schemeClr val="accent1">
-        <a:shade val="80000"/>
-      </a:schemeClr>
-    </dgm:linClrLst>
-    <dgm:effectClrLst/>
-    <dgm:txLinClrLst/>
-    <dgm:txFillClrLst meth="repeat">
-      <a:schemeClr val="tx1"/>
-    </dgm:txFillClrLst>
-    <dgm:txEffectClrLst/>
-  </dgm:styleLbl>
-  <dgm:styleLbl name="fgAcc1">
-    <dgm:fillClrLst meth="repeat">
-      <a:schemeClr val="lt1">
-        <a:alpha val="90000"/>
-      </a:schemeClr>
-    </dgm:fillClrLst>
-    <dgm:linClrLst meth="repeat">
-      <a:schemeClr val="accent1"/>
-    </dgm:linClrLst>
-    <dgm:effectClrLst/>
-    <dgm:txLinClrLst/>
-    <dgm:txFillClrLst meth="repeat">
-      <a:schemeClr val="dk1"/>
-    </dgm:txFillClrLst>
-    <dgm:txEffectClrLst/>
-  </dgm:styleLbl>
-  <dgm:styleLbl name="conFgAcc1">
-    <dgm:fillClrLst meth="repeat">
-      <a:schemeClr val="lt1">
-        <a:alpha val="90000"/>
-      </a:schemeClr>
-    </dgm:fillClrLst>
-    <dgm:linClrLst meth="repeat">
-      <a:schemeClr val="accent1"/>
-    </dgm:linClrLst>
-    <dgm:effectClrLst/>
-    <dgm:txLinClrLst/>
-    <dgm:txFillClrLst meth="repeat">
-      <a:schemeClr val="dk1"/>
-    </dgm:txFillClrLst>
-    <dgm:txEffectClrLst/>
-  </dgm:styleLbl>
-  <dgm:styleLbl name="alignAcc1">
-    <dgm:fillClrLst meth="repeat">
-      <a:schemeClr val="lt1">
-        <a:alpha val="90000"/>
-      </a:schemeClr>
-    </dgm:fillClrLst>
-    <dgm:linClrLst meth="repeat">
-      <a:schemeClr val="accent1"/>
-    </dgm:linClrLst>
-    <dgm:effectClrLst/>
-    <dgm:txLinClrLst/>
-    <dgm:txFillClrLst meth="repeat">
-      <a:schemeClr val="dk1"/>
-    </dgm:txFillClrLst>
-    <dgm:txEffectClrLst/>
-  </dgm:styleLbl>
-  <dgm:styleLbl name="trAlignAcc1">
-    <dgm:fillClrLst meth="repeat">
-      <a:schemeClr val="lt1">
-        <a:alpha val="40000"/>
-      </a:schemeClr>
-    </dgm:fillClrLst>
-    <dgm:linClrLst meth="repeat">
-      <a:schemeClr val="accent1"/>
-    </dgm:linClrLst>
-    <dgm:effectClrLst/>
-    <dgm:txLinClrLst/>
-    <dgm:txFillClrLst meth="repeat">
-      <a:schemeClr val="dk1"/>
-    </dgm:txFillClrLst>
-    <dgm:txEffectClrLst/>
-  </dgm:styleLbl>
-  <dgm:styleLbl name="bgAcc1">
-    <dgm:fillClrLst meth="repeat">
-      <a:schemeClr val="lt1">
-        <a:alpha val="90000"/>
-      </a:schemeClr>
-    </dgm:fillClrLst>
-    <dgm:linClrLst meth="repeat">
-      <a:schemeClr val="accent1"/>
-    </dgm:linClrLst>
-    <dgm:effectClrLst/>
-    <dgm:txLinClrLst/>
-    <dgm:txFillClrLst meth="repeat">
-      <a:schemeClr val="dk1"/>
-    </dgm:txFillClrLst>
-    <dgm:txEffectClrLst/>
-  </dgm:styleLbl>
-  <dgm:styleLbl name="solidFgAcc1">
-    <dgm:fillClrLst meth="repeat">
-      <a:schemeClr val="lt1"/>
-    </dgm:fillClrLst>
-    <dgm:linClrLst meth="repeat">
-      <a:schemeClr val="accent1"/>
-    </dgm:linClrLst>
-    <dgm:effectClrLst/>
-    <dgm:txLinClrLst/>
-    <dgm:txFillClrLst meth="repeat">
-      <a:schemeClr val="dk1"/>
-    </dgm:txFillClrLst>
-    <dgm:txEffectClrLst/>
-  </dgm:styleLbl>
-  <dgm:styleLbl name="solidAlignAcc1">
-    <dgm:fillClrLst meth="repeat">
-      <a:schemeClr val="lt1"/>
-    </dgm:fillClrLst>
-    <dgm:linClrLst meth="repeat">
-      <a:schemeClr val="accent1"/>
-    </dgm:linClrLst>
-    <dgm:effectClrLst/>
-    <dgm:txLinClrLst/>
-    <dgm:txFillClrLst meth="repeat">
-      <a:schemeClr val="dk1"/>
-    </dgm:txFillClrLst>
-    <dgm:txEffectClrLst/>
-  </dgm:styleLbl>
-  <dgm:styleLbl name="solidBgAcc1">
-    <dgm:fillClrLst meth="repeat">
-      <a:schemeClr val="lt1"/>
-    </dgm:fillClrLst>
-    <dgm:linClrLst meth="repeat">
-      <a:schemeClr val="accent1"/>
-    </dgm:linClrLst>
-    <dgm:effectClrLst/>
-    <dgm:txLinClrLst/>
-    <dgm:txFillClrLst meth="repeat">
-      <a:schemeClr val="dk1"/>
-    </dgm:txFillClrLst>
-    <dgm:txEffectClrLst/>
-  </dgm:styleLbl>
-  <dgm:styleLbl name="fgAccFollowNode1">
-    <dgm:fillClrLst meth="repeat">
-      <a:schemeClr val="accent1">
-        <a:alpha val="90000"/>
-        <a:tint val="40000"/>
-      </a:schemeClr>
-    </dgm:fillClrLst>
-    <dgm:linClrLst meth="repeat">
-      <a:schemeClr val="accent1">
-        <a:alpha val="90000"/>
-        <a:tint val="40000"/>
-      </a:schemeClr>
-    </dgm:linClrLst>
-    <dgm:effectClrLst/>
-    <dgm:txLinClrLst/>
-    <dgm:txFillClrLst meth="repeat">
-      <a:schemeClr val="dk1"/>
-    </dgm:txFillClrLst>
-    <dgm:txEffectClrLst/>
-  </dgm:styleLbl>
-  <dgm:styleLbl name="alignAccFollowNode1">
-    <dgm:fillClrLst meth="repeat">
-      <a:schemeClr val="accent1">
-        <a:alpha val="90000"/>
-        <a:tint val="40000"/>
-      </a:schemeClr>
-    </dgm:fillClrLst>
-    <dgm:linClrLst meth="repeat">
-      <a:schemeClr val="accent1">
-        <a:alpha val="90000"/>
-        <a:tint val="40000"/>
-      </a:schemeClr>
-    </dgm:linClrLst>
-    <dgm:effectClrLst/>
-    <dgm:txLinClrLst/>
-    <dgm:txFillClrLst meth="repeat">
-      <a:schemeClr val="dk1"/>
-    </dgm:txFillClrLst>
-    <dgm:txEffectClrLst/>
-  </dgm:styleLbl>
-  <dgm:styleLbl name="bgAccFollowNode1">
-    <dgm:fillClrLst meth="repeat">
-      <a:schemeClr val="accent1">
-        <a:alpha val="90000"/>
-        <a:tint val="40000"/>
-      </a:schemeClr>
-    </dgm:fillClrLst>
-    <dgm:linClrLst meth="repeat">
-      <a:schemeClr val="accent1">
-        <a:alpha val="90000"/>
-        <a:tint val="40000"/>
-      </a:schemeClr>
-    </dgm:linClrLst>
-    <dgm:effectClrLst/>
-    <dgm:txLinClrLst/>
-    <dgm:txFillClrLst meth="repeat">
-      <a:schemeClr val="dk1"/>
-    </dgm:txFillClrLst>
-    <dgm:txEffectClrLst/>
-  </dgm:styleLbl>
-  <dgm:styleLbl name="fgAcc0">
-    <dgm:fillClrLst meth="repeat">
-      <a:schemeClr val="lt1">
-        <a:alpha val="90000"/>
-      </a:schemeClr>
-    </dgm:fillClrLst>
-    <dgm:linClrLst meth="repeat">
-      <a:schemeClr val="accent1"/>
-    </dgm:linClrLst>
-    <dgm:effectClrLst/>
-    <dgm:txLinClrLst/>
-    <dgm:txFillClrLst meth="repeat">
-      <a:schemeClr val="dk1"/>
-    </dgm:txFillClrLst>
-    <dgm:txEffectClrLst/>
-  </dgm:styleLbl>
-  <dgm:styleLbl name="fgAcc2">
-    <dgm:fillClrLst meth="repeat">
-      <a:schemeClr val="lt1">
-        <a:alpha val="90000"/>
-      </a:schemeClr>
-    </dgm:fillClrLst>
-    <dgm:linClrLst meth="repeat">
-      <a:schemeClr val="accent1"/>
-    </dgm:linClrLst>
-    <dgm:effectClrLst/>
-    <dgm:txLinClrLst/>
-    <dgm:txFillClrLst meth="repeat">
-      <a:schemeClr val="dk1"/>
-    </dgm:txFillClrLst>
-    <dgm:txEffectClrLst/>
-  </dgm:styleLbl>
-  <dgm:styleLbl name="fgAcc3">
-    <dgm:fillClrLst meth="repeat">
-      <a:schemeClr val="lt1">
-        <a:alpha val="90000"/>
-      </a:schemeClr>
-    </dgm:fillClrLst>
-    <dgm:linClrLst meth="repeat">
-      <a:schemeClr val="accent1"/>
-    </dgm:linClrLst>
-    <dgm:effectClrLst/>
-    <dgm:txLinClrLst/>
-    <dgm:txFillClrLst meth="repeat">
-      <a:schemeClr val="dk1"/>
-    </dgm:txFillClrLst>
-    <dgm:txEffectClrLst/>
-  </dgm:styleLbl>
-  <dgm:styleLbl name="fgAcc4">
-    <dgm:fillClrLst meth="repeat">
-      <a:schemeClr val="lt1">
-        <a:alpha val="90000"/>
-      </a:schemeClr>
-    </dgm:fillClrLst>
-    <dgm:linClrLst meth="repeat">
-      <a:schemeClr val="accent1"/>
-    </dgm:linClrLst>
-    <dgm:effectClrLst/>
-    <dgm:txLinClrLst/>
-    <dgm:txFillClrLst meth="repeat">
-      <a:schemeClr val="dk1"/>
-    </dgm:txFillClrLst>
-    <dgm:txEffectClrLst/>
-  </dgm:styleLbl>
-  <dgm:styleLbl name="bgShp">
-    <dgm:fillClrLst meth="repeat">
-      <a:schemeClr val="accent1">
-        <a:tint val="40000"/>
-      </a:schemeClr>
-    </dgm:fillClrLst>
-    <dgm:linClrLst meth="repeat">
-      <a:schemeClr val="accent1"/>
-    </dgm:linClrLst>
-    <dgm:effectClrLst/>
-    <dgm:txLinClrLst/>
-    <dgm:txFillClrLst meth="repeat">
-      <a:schemeClr val="dk1"/>
-    </dgm:txFillClrLst>
-    <dgm:txEffectClrLst/>
-  </dgm:styleLbl>
-  <dgm:styleLbl name="dkBgShp">
-    <dgm:fillClrLst meth="repeat">
-      <a:schemeClr val="accent1">
-        <a:shade val="80000"/>
-      </a:schemeClr>
-    </dgm:fillClrLst>
-    <dgm:linClrLst meth="repeat">
-      <a:schemeClr val="accent1"/>
-    </dgm:linClrLst>
-    <dgm:effectClrLst/>
-    <dgm:txLinClrLst/>
-    <dgm:txFillClrLst meth="repeat">
-      <a:schemeClr val="lt1"/>
-    </dgm:txFillClrLst>
-    <dgm:txEffectClrLst/>
-  </dgm:styleLbl>
-  <dgm:styleLbl name="trBgShp">
-    <dgm:fillClrLst meth="repeat">
-      <a:schemeClr val="accent1">
-        <a:tint val="50000"/>
-        <a:alpha val="40000"/>
-      </a:schemeClr>
-    </dgm:fillClrLst>
-    <dgm:linClrLst meth="repeat">
-      <a:schemeClr val="accent1"/>
-    </dgm:linClrLst>
-    <dgm:effectClrLst/>
-    <dgm:txLinClrLst/>
-    <dgm:txFillClrLst meth="repeat">
-      <a:schemeClr val="lt1"/>
-    </dgm:txFillClrLst>
-    <dgm:txEffectClrLst/>
-  </dgm:styleLbl>
-  <dgm:styleLbl name="fgShp">
-    <dgm:fillClrLst meth="repeat">
-      <a:schemeClr val="accent1">
-        <a:tint val="60000"/>
-      </a:schemeClr>
-    </dgm:fillClrLst>
-    <dgm:linClrLst meth="repeat">
-      <a:schemeClr val="lt1"/>
-    </dgm:linClrLst>
-    <dgm:effectClrLst/>
-    <dgm:txLinClrLst/>
-    <dgm:txFillClrLst meth="repeat">
-      <a:schemeClr val="dk1"/>
-    </dgm:txFillClrLst>
-    <dgm:txEffectClrLst/>
-  </dgm:styleLbl>
-  <dgm:styleLbl name="revTx">
-    <dgm:fillClrLst meth="repeat">
-      <a:schemeClr val="lt1">
-        <a:alpha val="0"/>
-      </a:schemeClr>
-    </dgm:fillClrLst>
-    <dgm:linClrLst meth="repeat">
-      <a:schemeClr val="dk1">
-        <a:alpha val="0"/>
-      </a:schemeClr>
-    </dgm:linClrLst>
-    <dgm:effectClrLst/>
-    <dgm:txLinClrLst/>
-    <dgm:txFillClrLst meth="repeat">
-      <a:schemeClr val="tx1"/>
-    </dgm:txFillClrLst>
-    <dgm:txEffectClrLst/>
-  </dgm:styleLbl>
-</dgm:colorsDef>
-</file>
-
-<file path=ppt/diagrams/colors4.xml><?xml version="1.0" encoding="utf-8"?>
 <dgm:colorsDef xmlns:dgm="http://schemas.openxmlformats.org/drawingml/2006/diagram" xmlns:a="http://schemas.openxmlformats.org/drawingml/2006/main" uniqueId="urn:microsoft.com/office/officeart/2005/8/colors/colorful4">
   <dgm:title val=""/>
   <dgm:desc val=""/>
@@ -3205,529 +2423,6 @@
 </file>
 
 <file path=ppt/diagrams/data1.xml><?xml version="1.0" encoding="utf-8"?>
-<dgm:dataModel xmlns:dgm="http://schemas.openxmlformats.org/drawingml/2006/diagram" xmlns:a="http://schemas.openxmlformats.org/drawingml/2006/main">
-  <dgm:ptLst>
-    <dgm:pt modelId="{97566970-DD21-4F77-9DCA-C47BFD7F1E86}" type="doc">
-      <dgm:prSet loTypeId="urn:microsoft.com/office/officeart/2005/8/layout/list1" loCatId="list" qsTypeId="urn:microsoft.com/office/officeart/2005/8/quickstyle/simple1" qsCatId="simple" csTypeId="urn:microsoft.com/office/officeart/2005/8/colors/colorful2" csCatId="colorful"/>
-      <dgm:spPr/>
-      <dgm:t>
-        <a:bodyPr/>
-        <a:lstStyle/>
-        <a:p>
-          <a:endParaRPr lang="en-US"/>
-        </a:p>
-      </dgm:t>
-    </dgm:pt>
-    <dgm:pt modelId="{9E146971-2ADB-48A8-BCBB-FA7149290301}">
-      <dgm:prSet/>
-      <dgm:spPr/>
-      <dgm:t>
-        <a:bodyPr/>
-        <a:lstStyle/>
-        <a:p>
-          <a:pPr rtl="0"/>
-          <a:r>
-            <a:rPr lang="en-US" dirty="0"/>
-            <a:t>Sylvanus Jedidiah</a:t>
-          </a:r>
-          <a:r>
-            <a:rPr lang="en-US" dirty="0">
-              <a:latin typeface="Calibri"/>
-            </a:rPr>
-            <a:t> </a:t>
-          </a:r>
-          <a:r>
-            <a:rPr lang="en-US" dirty="0" err="1">
-              <a:latin typeface="Calibri"/>
-            </a:rPr>
-            <a:t>Sobomabo</a:t>
-          </a:r>
-          <a:endParaRPr lang="en-US" dirty="0" err="1"/>
-        </a:p>
-      </dgm:t>
-    </dgm:pt>
-    <dgm:pt modelId="{57DABFCF-333D-49BD-8CB8-D1F092477B42}" type="parTrans" cxnId="{3E18A9A7-A5CE-4379-A20D-B48DE2A78F4E}">
-      <dgm:prSet/>
-      <dgm:spPr/>
-      <dgm:t>
-        <a:bodyPr/>
-        <a:lstStyle/>
-        <a:p>
-          <a:endParaRPr lang="en-US"/>
-        </a:p>
-      </dgm:t>
-    </dgm:pt>
-    <dgm:pt modelId="{B3277666-987C-40DA-A328-CE86190F6F46}" type="sibTrans" cxnId="{3E18A9A7-A5CE-4379-A20D-B48DE2A78F4E}">
-      <dgm:prSet/>
-      <dgm:spPr/>
-      <dgm:t>
-        <a:bodyPr/>
-        <a:lstStyle/>
-        <a:p>
-          <a:endParaRPr lang="en-US"/>
-        </a:p>
-      </dgm:t>
-    </dgm:pt>
-    <dgm:pt modelId="{6299F1FD-51E7-4961-A43D-B63C6CD84CD6}">
-      <dgm:prSet/>
-      <dgm:spPr/>
-      <dgm:t>
-        <a:bodyPr/>
-        <a:lstStyle/>
-        <a:p>
-          <a:r>
-            <a:rPr lang="en-US" dirty="0"/>
-            <a:t>Yusuf Abdulhadi </a:t>
-          </a:r>
-        </a:p>
-      </dgm:t>
-    </dgm:pt>
-    <dgm:pt modelId="{1675562C-ED2F-400B-887A-2ED435341430}" type="parTrans" cxnId="{C7859B8D-8896-482A-84CF-495FF02CECDF}">
-      <dgm:prSet/>
-      <dgm:spPr/>
-      <dgm:t>
-        <a:bodyPr/>
-        <a:lstStyle/>
-        <a:p>
-          <a:endParaRPr lang="en-US"/>
-        </a:p>
-      </dgm:t>
-    </dgm:pt>
-    <dgm:pt modelId="{DE427CCA-786B-4C29-9D7E-4DDE61EB2A7E}" type="sibTrans" cxnId="{C7859B8D-8896-482A-84CF-495FF02CECDF}">
-      <dgm:prSet/>
-      <dgm:spPr/>
-      <dgm:t>
-        <a:bodyPr/>
-        <a:lstStyle/>
-        <a:p>
-          <a:endParaRPr lang="en-US"/>
-        </a:p>
-      </dgm:t>
-    </dgm:pt>
-    <dgm:pt modelId="{AB068E3A-28FD-408A-84E5-285B96451D1C}">
-      <dgm:prSet/>
-      <dgm:spPr/>
-      <dgm:t>
-        <a:bodyPr/>
-        <a:lstStyle/>
-        <a:p>
-          <a:r>
-            <a:rPr lang="en-US" dirty="0"/>
-            <a:t>Aisha Raji</a:t>
-          </a:r>
-        </a:p>
-      </dgm:t>
-    </dgm:pt>
-    <dgm:pt modelId="{5AD000D5-0272-4465-ADFD-1E8A4389C1CB}" type="parTrans" cxnId="{4B7902D7-C9E9-4D90-B63B-04F4AB7EA9C9}">
-      <dgm:prSet/>
-      <dgm:spPr/>
-      <dgm:t>
-        <a:bodyPr/>
-        <a:lstStyle/>
-        <a:p>
-          <a:endParaRPr lang="en-US"/>
-        </a:p>
-      </dgm:t>
-    </dgm:pt>
-    <dgm:pt modelId="{1455537B-8D0E-4C72-B909-8976B12B0429}" type="sibTrans" cxnId="{4B7902D7-C9E9-4D90-B63B-04F4AB7EA9C9}">
-      <dgm:prSet/>
-      <dgm:spPr/>
-      <dgm:t>
-        <a:bodyPr/>
-        <a:lstStyle/>
-        <a:p>
-          <a:endParaRPr lang="en-US"/>
-        </a:p>
-      </dgm:t>
-    </dgm:pt>
-    <dgm:pt modelId="{7E0560D5-91FF-4A2D-8549-7B110B84DE2A}">
-      <dgm:prSet/>
-      <dgm:spPr/>
-      <dgm:t>
-        <a:bodyPr/>
-        <a:lstStyle/>
-        <a:p>
-          <a:r>
-            <a:rPr lang="en-US" dirty="0"/>
-            <a:t>Cletus Emmanuel Alexander</a:t>
-          </a:r>
-        </a:p>
-      </dgm:t>
-    </dgm:pt>
-    <dgm:pt modelId="{C46105E1-EA3F-44F1-948F-2D8CCC079BC3}" type="parTrans" cxnId="{5319B88A-C1BD-45A8-8EF9-58155883CE93}">
-      <dgm:prSet/>
-      <dgm:spPr/>
-      <dgm:t>
-        <a:bodyPr/>
-        <a:lstStyle/>
-        <a:p>
-          <a:endParaRPr lang="en-US"/>
-        </a:p>
-      </dgm:t>
-    </dgm:pt>
-    <dgm:pt modelId="{CF80CE27-80AD-4D08-B56F-087BDC9E4227}" type="sibTrans" cxnId="{5319B88A-C1BD-45A8-8EF9-58155883CE93}">
-      <dgm:prSet/>
-      <dgm:spPr/>
-      <dgm:t>
-        <a:bodyPr/>
-        <a:lstStyle/>
-        <a:p>
-          <a:endParaRPr lang="en-US"/>
-        </a:p>
-      </dgm:t>
-    </dgm:pt>
-    <dgm:pt modelId="{B5C499DB-1F13-4FE3-B082-9715E067F4D3}">
-      <dgm:prSet/>
-      <dgm:spPr/>
-      <dgm:t>
-        <a:bodyPr/>
-        <a:lstStyle/>
-        <a:p>
-          <a:r>
-            <a:rPr lang="en-US" dirty="0"/>
-            <a:t>Aderibigbe </a:t>
-          </a:r>
-          <a:r>
-            <a:rPr lang="en-US" dirty="0" err="1"/>
-            <a:t>Musodiq</a:t>
-          </a:r>
-          <a:r>
-            <a:rPr lang="en-US" dirty="0"/>
-            <a:t> Olamide</a:t>
-          </a:r>
-        </a:p>
-      </dgm:t>
-    </dgm:pt>
-    <dgm:pt modelId="{6FE1B897-CF7E-41AC-87AC-8D1395886642}" type="parTrans" cxnId="{3010DBE5-BC4B-49B4-B1EB-2059A28C55E1}">
-      <dgm:prSet/>
-      <dgm:spPr/>
-      <dgm:t>
-        <a:bodyPr/>
-        <a:lstStyle/>
-        <a:p>
-          <a:endParaRPr lang="en-US"/>
-        </a:p>
-      </dgm:t>
-    </dgm:pt>
-    <dgm:pt modelId="{30E09515-5F48-41BE-A181-31BF28F295FA}" type="sibTrans" cxnId="{3010DBE5-BC4B-49B4-B1EB-2059A28C55E1}">
-      <dgm:prSet/>
-      <dgm:spPr/>
-      <dgm:t>
-        <a:bodyPr/>
-        <a:lstStyle/>
-        <a:p>
-          <a:endParaRPr lang="en-US"/>
-        </a:p>
-      </dgm:t>
-    </dgm:pt>
-    <dgm:pt modelId="{6174F3EA-79AB-4C40-9D3C-164A5B6E0FCE}">
-      <dgm:prSet/>
-      <dgm:spPr/>
-      <dgm:t>
-        <a:bodyPr/>
-        <a:lstStyle/>
-        <a:p>
-          <a:r>
-            <a:rPr lang="en-US" dirty="0"/>
-            <a:t>Abdullahi Sada</a:t>
-          </a:r>
-        </a:p>
-      </dgm:t>
-    </dgm:pt>
-    <dgm:pt modelId="{AEBF6CD0-B9AA-43F5-B7BA-29620B63B1F7}" type="parTrans" cxnId="{906C5A0C-D5B3-42AD-8772-5D4AD1D25BDD}">
-      <dgm:prSet/>
-      <dgm:spPr/>
-      <dgm:t>
-        <a:bodyPr/>
-        <a:lstStyle/>
-        <a:p>
-          <a:endParaRPr lang="en-US"/>
-        </a:p>
-      </dgm:t>
-    </dgm:pt>
-    <dgm:pt modelId="{078F871F-003F-43D5-AB3B-33DE84D158A2}" type="sibTrans" cxnId="{906C5A0C-D5B3-42AD-8772-5D4AD1D25BDD}">
-      <dgm:prSet/>
-      <dgm:spPr/>
-      <dgm:t>
-        <a:bodyPr/>
-        <a:lstStyle/>
-        <a:p>
-          <a:endParaRPr lang="en-US"/>
-        </a:p>
-      </dgm:t>
-    </dgm:pt>
-    <dgm:pt modelId="{CBE0A2E2-41A3-46D5-8648-6ED1B675199E}" type="pres">
-      <dgm:prSet presAssocID="{97566970-DD21-4F77-9DCA-C47BFD7F1E86}" presName="linear" presStyleCnt="0">
-        <dgm:presLayoutVars>
-          <dgm:dir/>
-          <dgm:animLvl val="lvl"/>
-          <dgm:resizeHandles val="exact"/>
-        </dgm:presLayoutVars>
-      </dgm:prSet>
-      <dgm:spPr/>
-    </dgm:pt>
-    <dgm:pt modelId="{58243320-C480-4FA2-8FE3-0CC65E06337A}" type="pres">
-      <dgm:prSet presAssocID="{9E146971-2ADB-48A8-BCBB-FA7149290301}" presName="parentLin" presStyleCnt="0"/>
-      <dgm:spPr/>
-    </dgm:pt>
-    <dgm:pt modelId="{32937E44-3E18-497F-B6E7-21E62C5AD949}" type="pres">
-      <dgm:prSet presAssocID="{9E146971-2ADB-48A8-BCBB-FA7149290301}" presName="parentLeftMargin" presStyleLbl="node1" presStyleIdx="0" presStyleCnt="6"/>
-      <dgm:spPr/>
-    </dgm:pt>
-    <dgm:pt modelId="{64828631-2DAE-4782-9567-78ABF8C092F9}" type="pres">
-      <dgm:prSet presAssocID="{9E146971-2ADB-48A8-BCBB-FA7149290301}" presName="parentText" presStyleLbl="node1" presStyleIdx="0" presStyleCnt="6">
-        <dgm:presLayoutVars>
-          <dgm:chMax val="0"/>
-          <dgm:bulletEnabled val="1"/>
-        </dgm:presLayoutVars>
-      </dgm:prSet>
-      <dgm:spPr/>
-    </dgm:pt>
-    <dgm:pt modelId="{04F678BC-AAC6-4AAC-9BA7-73DCEED78BA9}" type="pres">
-      <dgm:prSet presAssocID="{9E146971-2ADB-48A8-BCBB-FA7149290301}" presName="negativeSpace" presStyleCnt="0"/>
-      <dgm:spPr/>
-    </dgm:pt>
-    <dgm:pt modelId="{AFEE8ABF-DDA1-4617-B758-01F958405E7B}" type="pres">
-      <dgm:prSet presAssocID="{9E146971-2ADB-48A8-BCBB-FA7149290301}" presName="childText" presStyleLbl="conFgAcc1" presStyleIdx="0" presStyleCnt="6">
-        <dgm:presLayoutVars>
-          <dgm:bulletEnabled val="1"/>
-        </dgm:presLayoutVars>
-      </dgm:prSet>
-      <dgm:spPr/>
-    </dgm:pt>
-    <dgm:pt modelId="{7E91C2D5-A185-41BD-AEC6-3C0B273F4153}" type="pres">
-      <dgm:prSet presAssocID="{B3277666-987C-40DA-A328-CE86190F6F46}" presName="spaceBetweenRectangles" presStyleCnt="0"/>
-      <dgm:spPr/>
-    </dgm:pt>
-    <dgm:pt modelId="{84FD24B7-AA64-4A3E-B768-7405D109A491}" type="pres">
-      <dgm:prSet presAssocID="{6299F1FD-51E7-4961-A43D-B63C6CD84CD6}" presName="parentLin" presStyleCnt="0"/>
-      <dgm:spPr/>
-    </dgm:pt>
-    <dgm:pt modelId="{D8DB80AD-59DC-4F87-80F0-805301216C7E}" type="pres">
-      <dgm:prSet presAssocID="{6299F1FD-51E7-4961-A43D-B63C6CD84CD6}" presName="parentLeftMargin" presStyleLbl="node1" presStyleIdx="0" presStyleCnt="6"/>
-      <dgm:spPr/>
-    </dgm:pt>
-    <dgm:pt modelId="{337C3773-CD13-4830-8A29-37695928F4B4}" type="pres">
-      <dgm:prSet presAssocID="{6299F1FD-51E7-4961-A43D-B63C6CD84CD6}" presName="parentText" presStyleLbl="node1" presStyleIdx="1" presStyleCnt="6">
-        <dgm:presLayoutVars>
-          <dgm:chMax val="0"/>
-          <dgm:bulletEnabled val="1"/>
-        </dgm:presLayoutVars>
-      </dgm:prSet>
-      <dgm:spPr/>
-    </dgm:pt>
-    <dgm:pt modelId="{69D3FCEA-DB69-442F-8A75-06337B7C4BF5}" type="pres">
-      <dgm:prSet presAssocID="{6299F1FD-51E7-4961-A43D-B63C6CD84CD6}" presName="negativeSpace" presStyleCnt="0"/>
-      <dgm:spPr/>
-    </dgm:pt>
-    <dgm:pt modelId="{0889566A-2133-41C3-8774-9E28E80D9DDA}" type="pres">
-      <dgm:prSet presAssocID="{6299F1FD-51E7-4961-A43D-B63C6CD84CD6}" presName="childText" presStyleLbl="conFgAcc1" presStyleIdx="1" presStyleCnt="6">
-        <dgm:presLayoutVars>
-          <dgm:bulletEnabled val="1"/>
-        </dgm:presLayoutVars>
-      </dgm:prSet>
-      <dgm:spPr/>
-    </dgm:pt>
-    <dgm:pt modelId="{F59E08EF-136C-4469-9236-E0AB319EC06E}" type="pres">
-      <dgm:prSet presAssocID="{DE427CCA-786B-4C29-9D7E-4DDE61EB2A7E}" presName="spaceBetweenRectangles" presStyleCnt="0"/>
-      <dgm:spPr/>
-    </dgm:pt>
-    <dgm:pt modelId="{C1B5BD26-64C7-49B8-954A-538AE2D14D53}" type="pres">
-      <dgm:prSet presAssocID="{AB068E3A-28FD-408A-84E5-285B96451D1C}" presName="parentLin" presStyleCnt="0"/>
-      <dgm:spPr/>
-    </dgm:pt>
-    <dgm:pt modelId="{80334B9F-E3C3-4D0C-B64A-AE24A36FD97F}" type="pres">
-      <dgm:prSet presAssocID="{AB068E3A-28FD-408A-84E5-285B96451D1C}" presName="parentLeftMargin" presStyleLbl="node1" presStyleIdx="1" presStyleCnt="6"/>
-      <dgm:spPr/>
-    </dgm:pt>
-    <dgm:pt modelId="{C0B38668-2496-46AB-AA22-38103636FDFF}" type="pres">
-      <dgm:prSet presAssocID="{AB068E3A-28FD-408A-84E5-285B96451D1C}" presName="parentText" presStyleLbl="node1" presStyleIdx="2" presStyleCnt="6">
-        <dgm:presLayoutVars>
-          <dgm:chMax val="0"/>
-          <dgm:bulletEnabled val="1"/>
-        </dgm:presLayoutVars>
-      </dgm:prSet>
-      <dgm:spPr/>
-    </dgm:pt>
-    <dgm:pt modelId="{2D9D2BF0-60DC-4BE9-B720-4668BDD247CE}" type="pres">
-      <dgm:prSet presAssocID="{AB068E3A-28FD-408A-84E5-285B96451D1C}" presName="negativeSpace" presStyleCnt="0"/>
-      <dgm:spPr/>
-    </dgm:pt>
-    <dgm:pt modelId="{690802C0-92F3-463B-A12E-47AC23CF5D7B}" type="pres">
-      <dgm:prSet presAssocID="{AB068E3A-28FD-408A-84E5-285B96451D1C}" presName="childText" presStyleLbl="conFgAcc1" presStyleIdx="2" presStyleCnt="6">
-        <dgm:presLayoutVars>
-          <dgm:bulletEnabled val="1"/>
-        </dgm:presLayoutVars>
-      </dgm:prSet>
-      <dgm:spPr/>
-    </dgm:pt>
-    <dgm:pt modelId="{BD4D4DCA-487C-419D-AA76-EB96657833A1}" type="pres">
-      <dgm:prSet presAssocID="{1455537B-8D0E-4C72-B909-8976B12B0429}" presName="spaceBetweenRectangles" presStyleCnt="0"/>
-      <dgm:spPr/>
-    </dgm:pt>
-    <dgm:pt modelId="{67CA6E02-AC51-4721-AE3D-8529E9F6F206}" type="pres">
-      <dgm:prSet presAssocID="{7E0560D5-91FF-4A2D-8549-7B110B84DE2A}" presName="parentLin" presStyleCnt="0"/>
-      <dgm:spPr/>
-    </dgm:pt>
-    <dgm:pt modelId="{6127C217-BECC-4B91-970D-5AA1F6529F40}" type="pres">
-      <dgm:prSet presAssocID="{7E0560D5-91FF-4A2D-8549-7B110B84DE2A}" presName="parentLeftMargin" presStyleLbl="node1" presStyleIdx="2" presStyleCnt="6"/>
-      <dgm:spPr/>
-    </dgm:pt>
-    <dgm:pt modelId="{B9E99C37-418A-48D2-AF3F-4F5E2926284A}" type="pres">
-      <dgm:prSet presAssocID="{7E0560D5-91FF-4A2D-8549-7B110B84DE2A}" presName="parentText" presStyleLbl="node1" presStyleIdx="3" presStyleCnt="6">
-        <dgm:presLayoutVars>
-          <dgm:chMax val="0"/>
-          <dgm:bulletEnabled val="1"/>
-        </dgm:presLayoutVars>
-      </dgm:prSet>
-      <dgm:spPr/>
-    </dgm:pt>
-    <dgm:pt modelId="{8C039867-4905-40D5-8233-0B60AAB83B2A}" type="pres">
-      <dgm:prSet presAssocID="{7E0560D5-91FF-4A2D-8549-7B110B84DE2A}" presName="negativeSpace" presStyleCnt="0"/>
-      <dgm:spPr/>
-    </dgm:pt>
-    <dgm:pt modelId="{BEEA7E3F-DE2F-45A2-839A-C8D0965B7890}" type="pres">
-      <dgm:prSet presAssocID="{7E0560D5-91FF-4A2D-8549-7B110B84DE2A}" presName="childText" presStyleLbl="conFgAcc1" presStyleIdx="3" presStyleCnt="6">
-        <dgm:presLayoutVars>
-          <dgm:bulletEnabled val="1"/>
-        </dgm:presLayoutVars>
-      </dgm:prSet>
-      <dgm:spPr/>
-    </dgm:pt>
-    <dgm:pt modelId="{2AD052A4-5970-46DC-84F8-30F1757CEC15}" type="pres">
-      <dgm:prSet presAssocID="{CF80CE27-80AD-4D08-B56F-087BDC9E4227}" presName="spaceBetweenRectangles" presStyleCnt="0"/>
-      <dgm:spPr/>
-    </dgm:pt>
-    <dgm:pt modelId="{59260997-7714-413D-BCE5-ECD51CB188BC}" type="pres">
-      <dgm:prSet presAssocID="{B5C499DB-1F13-4FE3-B082-9715E067F4D3}" presName="parentLin" presStyleCnt="0"/>
-      <dgm:spPr/>
-    </dgm:pt>
-    <dgm:pt modelId="{592CA659-E4D3-4677-A7FF-87E7E4F64BF0}" type="pres">
-      <dgm:prSet presAssocID="{B5C499DB-1F13-4FE3-B082-9715E067F4D3}" presName="parentLeftMargin" presStyleLbl="node1" presStyleIdx="3" presStyleCnt="6"/>
-      <dgm:spPr/>
-    </dgm:pt>
-    <dgm:pt modelId="{C1994952-1A40-40D4-9600-38976D3CE0D8}" type="pres">
-      <dgm:prSet presAssocID="{B5C499DB-1F13-4FE3-B082-9715E067F4D3}" presName="parentText" presStyleLbl="node1" presStyleIdx="4" presStyleCnt="6">
-        <dgm:presLayoutVars>
-          <dgm:chMax val="0"/>
-          <dgm:bulletEnabled val="1"/>
-        </dgm:presLayoutVars>
-      </dgm:prSet>
-      <dgm:spPr/>
-    </dgm:pt>
-    <dgm:pt modelId="{7D9B722C-A1C3-4EE4-8BFF-E6900B91AD62}" type="pres">
-      <dgm:prSet presAssocID="{B5C499DB-1F13-4FE3-B082-9715E067F4D3}" presName="negativeSpace" presStyleCnt="0"/>
-      <dgm:spPr/>
-    </dgm:pt>
-    <dgm:pt modelId="{A0543256-69DD-44F4-8EDB-7E47BFDB21F5}" type="pres">
-      <dgm:prSet presAssocID="{B5C499DB-1F13-4FE3-B082-9715E067F4D3}" presName="childText" presStyleLbl="conFgAcc1" presStyleIdx="4" presStyleCnt="6">
-        <dgm:presLayoutVars>
-          <dgm:bulletEnabled val="1"/>
-        </dgm:presLayoutVars>
-      </dgm:prSet>
-      <dgm:spPr/>
-    </dgm:pt>
-    <dgm:pt modelId="{F374FDCF-4688-40F3-89A9-D0A2ADB7E26E}" type="pres">
-      <dgm:prSet presAssocID="{30E09515-5F48-41BE-A181-31BF28F295FA}" presName="spaceBetweenRectangles" presStyleCnt="0"/>
-      <dgm:spPr/>
-    </dgm:pt>
-    <dgm:pt modelId="{5583E27D-E2C8-4A3D-B220-5A40DFA6C33A}" type="pres">
-      <dgm:prSet presAssocID="{6174F3EA-79AB-4C40-9D3C-164A5B6E0FCE}" presName="parentLin" presStyleCnt="0"/>
-      <dgm:spPr/>
-    </dgm:pt>
-    <dgm:pt modelId="{A2F9601D-06D5-4C58-BC36-9F435F6020F8}" type="pres">
-      <dgm:prSet presAssocID="{6174F3EA-79AB-4C40-9D3C-164A5B6E0FCE}" presName="parentLeftMargin" presStyleLbl="node1" presStyleIdx="4" presStyleCnt="6"/>
-      <dgm:spPr/>
-    </dgm:pt>
-    <dgm:pt modelId="{C049D5F0-3447-4C83-A9BB-E1B96EE2F42B}" type="pres">
-      <dgm:prSet presAssocID="{6174F3EA-79AB-4C40-9D3C-164A5B6E0FCE}" presName="parentText" presStyleLbl="node1" presStyleIdx="5" presStyleCnt="6">
-        <dgm:presLayoutVars>
-          <dgm:chMax val="0"/>
-          <dgm:bulletEnabled val="1"/>
-        </dgm:presLayoutVars>
-      </dgm:prSet>
-      <dgm:spPr/>
-    </dgm:pt>
-    <dgm:pt modelId="{0B1F48A0-BAFC-4154-A1F4-3CABEEB10725}" type="pres">
-      <dgm:prSet presAssocID="{6174F3EA-79AB-4C40-9D3C-164A5B6E0FCE}" presName="negativeSpace" presStyleCnt="0"/>
-      <dgm:spPr/>
-    </dgm:pt>
-    <dgm:pt modelId="{3C3F916E-1D02-44BE-A0A7-0929E561FB43}" type="pres">
-      <dgm:prSet presAssocID="{6174F3EA-79AB-4C40-9D3C-164A5B6E0FCE}" presName="childText" presStyleLbl="conFgAcc1" presStyleIdx="5" presStyleCnt="6">
-        <dgm:presLayoutVars>
-          <dgm:bulletEnabled val="1"/>
-        </dgm:presLayoutVars>
-      </dgm:prSet>
-      <dgm:spPr/>
-    </dgm:pt>
-  </dgm:ptLst>
-  <dgm:cxnLst>
-    <dgm:cxn modelId="{26FE8809-A8B4-465D-BCFA-09F1BE7DF01A}" type="presOf" srcId="{7E0560D5-91FF-4A2D-8549-7B110B84DE2A}" destId="{6127C217-BECC-4B91-970D-5AA1F6529F40}" srcOrd="0" destOrd="0" presId="urn:microsoft.com/office/officeart/2005/8/layout/list1"/>
-    <dgm:cxn modelId="{906C5A0C-D5B3-42AD-8772-5D4AD1D25BDD}" srcId="{97566970-DD21-4F77-9DCA-C47BFD7F1E86}" destId="{6174F3EA-79AB-4C40-9D3C-164A5B6E0FCE}" srcOrd="5" destOrd="0" parTransId="{AEBF6CD0-B9AA-43F5-B7BA-29620B63B1F7}" sibTransId="{078F871F-003F-43D5-AB3B-33DE84D158A2}"/>
-    <dgm:cxn modelId="{2488FA15-908A-42BD-B721-4DA2A4CB82D8}" type="presOf" srcId="{6174F3EA-79AB-4C40-9D3C-164A5B6E0FCE}" destId="{A2F9601D-06D5-4C58-BC36-9F435F6020F8}" srcOrd="0" destOrd="0" presId="urn:microsoft.com/office/officeart/2005/8/layout/list1"/>
-    <dgm:cxn modelId="{65011B3D-C84F-4422-8C56-8F4EFFF59BF7}" type="presOf" srcId="{97566970-DD21-4F77-9DCA-C47BFD7F1E86}" destId="{CBE0A2E2-41A3-46D5-8648-6ED1B675199E}" srcOrd="0" destOrd="0" presId="urn:microsoft.com/office/officeart/2005/8/layout/list1"/>
-    <dgm:cxn modelId="{73CCD740-FD55-4341-AC24-47B6D6DB27BB}" type="presOf" srcId="{B5C499DB-1F13-4FE3-B082-9715E067F4D3}" destId="{C1994952-1A40-40D4-9600-38976D3CE0D8}" srcOrd="1" destOrd="0" presId="urn:microsoft.com/office/officeart/2005/8/layout/list1"/>
-    <dgm:cxn modelId="{3EF64D45-88B1-4AFC-9E22-FFACEF287D3E}" type="presOf" srcId="{6299F1FD-51E7-4961-A43D-B63C6CD84CD6}" destId="{337C3773-CD13-4830-8A29-37695928F4B4}" srcOrd="1" destOrd="0" presId="urn:microsoft.com/office/officeart/2005/8/layout/list1"/>
-    <dgm:cxn modelId="{E685BE45-8A3B-433F-83C0-2CD6A88CDC72}" type="presOf" srcId="{7E0560D5-91FF-4A2D-8549-7B110B84DE2A}" destId="{B9E99C37-418A-48D2-AF3F-4F5E2926284A}" srcOrd="1" destOrd="0" presId="urn:microsoft.com/office/officeart/2005/8/layout/list1"/>
-    <dgm:cxn modelId="{7C1C2751-540F-4383-ABB4-898FD7987662}" type="presOf" srcId="{6299F1FD-51E7-4961-A43D-B63C6CD84CD6}" destId="{D8DB80AD-59DC-4F87-80F0-805301216C7E}" srcOrd="0" destOrd="0" presId="urn:microsoft.com/office/officeart/2005/8/layout/list1"/>
-    <dgm:cxn modelId="{3B54887C-52B6-4470-B832-5BD0A5463CBA}" type="presOf" srcId="{9E146971-2ADB-48A8-BCBB-FA7149290301}" destId="{64828631-2DAE-4782-9567-78ABF8C092F9}" srcOrd="1" destOrd="0" presId="urn:microsoft.com/office/officeart/2005/8/layout/list1"/>
-    <dgm:cxn modelId="{DEA5CD89-7805-43EE-8B82-3DB3D8A33DBE}" type="presOf" srcId="{B5C499DB-1F13-4FE3-B082-9715E067F4D3}" destId="{592CA659-E4D3-4677-A7FF-87E7E4F64BF0}" srcOrd="0" destOrd="0" presId="urn:microsoft.com/office/officeart/2005/8/layout/list1"/>
-    <dgm:cxn modelId="{5319B88A-C1BD-45A8-8EF9-58155883CE93}" srcId="{97566970-DD21-4F77-9DCA-C47BFD7F1E86}" destId="{7E0560D5-91FF-4A2D-8549-7B110B84DE2A}" srcOrd="3" destOrd="0" parTransId="{C46105E1-EA3F-44F1-948F-2D8CCC079BC3}" sibTransId="{CF80CE27-80AD-4D08-B56F-087BDC9E4227}"/>
-    <dgm:cxn modelId="{C7859B8D-8896-482A-84CF-495FF02CECDF}" srcId="{97566970-DD21-4F77-9DCA-C47BFD7F1E86}" destId="{6299F1FD-51E7-4961-A43D-B63C6CD84CD6}" srcOrd="1" destOrd="0" parTransId="{1675562C-ED2F-400B-887A-2ED435341430}" sibTransId="{DE427CCA-786B-4C29-9D7E-4DDE61EB2A7E}"/>
-    <dgm:cxn modelId="{3E18A9A7-A5CE-4379-A20D-B48DE2A78F4E}" srcId="{97566970-DD21-4F77-9DCA-C47BFD7F1E86}" destId="{9E146971-2ADB-48A8-BCBB-FA7149290301}" srcOrd="0" destOrd="0" parTransId="{57DABFCF-333D-49BD-8CB8-D1F092477B42}" sibTransId="{B3277666-987C-40DA-A328-CE86190F6F46}"/>
-    <dgm:cxn modelId="{72E19FAF-C881-4FD9-B988-2091785AE0BA}" type="presOf" srcId="{AB068E3A-28FD-408A-84E5-285B96451D1C}" destId="{80334B9F-E3C3-4D0C-B64A-AE24A36FD97F}" srcOrd="0" destOrd="0" presId="urn:microsoft.com/office/officeart/2005/8/layout/list1"/>
-    <dgm:cxn modelId="{084477C1-BE84-4BFF-B799-55BEB68128DD}" type="presOf" srcId="{6174F3EA-79AB-4C40-9D3C-164A5B6E0FCE}" destId="{C049D5F0-3447-4C83-A9BB-E1B96EE2F42B}" srcOrd="1" destOrd="0" presId="urn:microsoft.com/office/officeart/2005/8/layout/list1"/>
-    <dgm:cxn modelId="{4B7902D7-C9E9-4D90-B63B-04F4AB7EA9C9}" srcId="{97566970-DD21-4F77-9DCA-C47BFD7F1E86}" destId="{AB068E3A-28FD-408A-84E5-285B96451D1C}" srcOrd="2" destOrd="0" parTransId="{5AD000D5-0272-4465-ADFD-1E8A4389C1CB}" sibTransId="{1455537B-8D0E-4C72-B909-8976B12B0429}"/>
-    <dgm:cxn modelId="{3010DBE5-BC4B-49B4-B1EB-2059A28C55E1}" srcId="{97566970-DD21-4F77-9DCA-C47BFD7F1E86}" destId="{B5C499DB-1F13-4FE3-B082-9715E067F4D3}" srcOrd="4" destOrd="0" parTransId="{6FE1B897-CF7E-41AC-87AC-8D1395886642}" sibTransId="{30E09515-5F48-41BE-A181-31BF28F295FA}"/>
-    <dgm:cxn modelId="{C783D5EA-CC6D-47B7-91B2-4BE5A29CD727}" type="presOf" srcId="{AB068E3A-28FD-408A-84E5-285B96451D1C}" destId="{C0B38668-2496-46AB-AA22-38103636FDFF}" srcOrd="1" destOrd="0" presId="urn:microsoft.com/office/officeart/2005/8/layout/list1"/>
-    <dgm:cxn modelId="{F00C6EF4-FE31-4D4B-BA1B-557685311511}" type="presOf" srcId="{9E146971-2ADB-48A8-BCBB-FA7149290301}" destId="{32937E44-3E18-497F-B6E7-21E62C5AD949}" srcOrd="0" destOrd="0" presId="urn:microsoft.com/office/officeart/2005/8/layout/list1"/>
-    <dgm:cxn modelId="{2F65BDCE-2E76-43A8-BED4-710A921E68D8}" type="presParOf" srcId="{CBE0A2E2-41A3-46D5-8648-6ED1B675199E}" destId="{58243320-C480-4FA2-8FE3-0CC65E06337A}" srcOrd="0" destOrd="0" presId="urn:microsoft.com/office/officeart/2005/8/layout/list1"/>
-    <dgm:cxn modelId="{81B55B75-DC69-4AD2-93B7-1F9118F933D2}" type="presParOf" srcId="{58243320-C480-4FA2-8FE3-0CC65E06337A}" destId="{32937E44-3E18-497F-B6E7-21E62C5AD949}" srcOrd="0" destOrd="0" presId="urn:microsoft.com/office/officeart/2005/8/layout/list1"/>
-    <dgm:cxn modelId="{991C6867-2437-435D-A8DD-593E75A3A7AE}" type="presParOf" srcId="{58243320-C480-4FA2-8FE3-0CC65E06337A}" destId="{64828631-2DAE-4782-9567-78ABF8C092F9}" srcOrd="1" destOrd="0" presId="urn:microsoft.com/office/officeart/2005/8/layout/list1"/>
-    <dgm:cxn modelId="{5FEC909E-E36A-45A6-A7FB-4C9309870130}" type="presParOf" srcId="{CBE0A2E2-41A3-46D5-8648-6ED1B675199E}" destId="{04F678BC-AAC6-4AAC-9BA7-73DCEED78BA9}" srcOrd="1" destOrd="0" presId="urn:microsoft.com/office/officeart/2005/8/layout/list1"/>
-    <dgm:cxn modelId="{183C866E-0018-41F7-B7B2-976E8D39FECF}" type="presParOf" srcId="{CBE0A2E2-41A3-46D5-8648-6ED1B675199E}" destId="{AFEE8ABF-DDA1-4617-B758-01F958405E7B}" srcOrd="2" destOrd="0" presId="urn:microsoft.com/office/officeart/2005/8/layout/list1"/>
-    <dgm:cxn modelId="{4ED0B9E7-5DCE-474C-BE20-1526920F1327}" type="presParOf" srcId="{CBE0A2E2-41A3-46D5-8648-6ED1B675199E}" destId="{7E91C2D5-A185-41BD-AEC6-3C0B273F4153}" srcOrd="3" destOrd="0" presId="urn:microsoft.com/office/officeart/2005/8/layout/list1"/>
-    <dgm:cxn modelId="{3CB68F7D-B54E-4123-9440-D732D2E6D6A9}" type="presParOf" srcId="{CBE0A2E2-41A3-46D5-8648-6ED1B675199E}" destId="{84FD24B7-AA64-4A3E-B768-7405D109A491}" srcOrd="4" destOrd="0" presId="urn:microsoft.com/office/officeart/2005/8/layout/list1"/>
-    <dgm:cxn modelId="{0F9A2B7D-01BD-4B82-BBFD-9C749BCB88DA}" type="presParOf" srcId="{84FD24B7-AA64-4A3E-B768-7405D109A491}" destId="{D8DB80AD-59DC-4F87-80F0-805301216C7E}" srcOrd="0" destOrd="0" presId="urn:microsoft.com/office/officeart/2005/8/layout/list1"/>
-    <dgm:cxn modelId="{9522FA88-DCC7-4577-AEFC-EBBCAE83BF6C}" type="presParOf" srcId="{84FD24B7-AA64-4A3E-B768-7405D109A491}" destId="{337C3773-CD13-4830-8A29-37695928F4B4}" srcOrd="1" destOrd="0" presId="urn:microsoft.com/office/officeart/2005/8/layout/list1"/>
-    <dgm:cxn modelId="{86EB95B3-5BA4-4BE5-A5EC-A72A06A5F9E6}" type="presParOf" srcId="{CBE0A2E2-41A3-46D5-8648-6ED1B675199E}" destId="{69D3FCEA-DB69-442F-8A75-06337B7C4BF5}" srcOrd="5" destOrd="0" presId="urn:microsoft.com/office/officeart/2005/8/layout/list1"/>
-    <dgm:cxn modelId="{74F58E82-06F1-4EBB-BB31-D8542B712489}" type="presParOf" srcId="{CBE0A2E2-41A3-46D5-8648-6ED1B675199E}" destId="{0889566A-2133-41C3-8774-9E28E80D9DDA}" srcOrd="6" destOrd="0" presId="urn:microsoft.com/office/officeart/2005/8/layout/list1"/>
-    <dgm:cxn modelId="{24CCD6A0-3982-4C4A-A239-ADEA32EC5069}" type="presParOf" srcId="{CBE0A2E2-41A3-46D5-8648-6ED1B675199E}" destId="{F59E08EF-136C-4469-9236-E0AB319EC06E}" srcOrd="7" destOrd="0" presId="urn:microsoft.com/office/officeart/2005/8/layout/list1"/>
-    <dgm:cxn modelId="{95745808-3B19-4DBB-85C1-67AB9618EB6D}" type="presParOf" srcId="{CBE0A2E2-41A3-46D5-8648-6ED1B675199E}" destId="{C1B5BD26-64C7-49B8-954A-538AE2D14D53}" srcOrd="8" destOrd="0" presId="urn:microsoft.com/office/officeart/2005/8/layout/list1"/>
-    <dgm:cxn modelId="{00394E56-D0EC-42F9-A3B6-26BBD0D61782}" type="presParOf" srcId="{C1B5BD26-64C7-49B8-954A-538AE2D14D53}" destId="{80334B9F-E3C3-4D0C-B64A-AE24A36FD97F}" srcOrd="0" destOrd="0" presId="urn:microsoft.com/office/officeart/2005/8/layout/list1"/>
-    <dgm:cxn modelId="{EE536086-0870-444C-8868-1A5D1E9FD0F9}" type="presParOf" srcId="{C1B5BD26-64C7-49B8-954A-538AE2D14D53}" destId="{C0B38668-2496-46AB-AA22-38103636FDFF}" srcOrd="1" destOrd="0" presId="urn:microsoft.com/office/officeart/2005/8/layout/list1"/>
-    <dgm:cxn modelId="{27F021BD-542C-4C5E-81E5-7223B7BAB3FA}" type="presParOf" srcId="{CBE0A2E2-41A3-46D5-8648-6ED1B675199E}" destId="{2D9D2BF0-60DC-4BE9-B720-4668BDD247CE}" srcOrd="9" destOrd="0" presId="urn:microsoft.com/office/officeart/2005/8/layout/list1"/>
-    <dgm:cxn modelId="{A8E12E6F-2DA4-4226-A73C-0E90C6DEEA14}" type="presParOf" srcId="{CBE0A2E2-41A3-46D5-8648-6ED1B675199E}" destId="{690802C0-92F3-463B-A12E-47AC23CF5D7B}" srcOrd="10" destOrd="0" presId="urn:microsoft.com/office/officeart/2005/8/layout/list1"/>
-    <dgm:cxn modelId="{781C66AB-653B-41B3-85A6-6FF5F1DB68AE}" type="presParOf" srcId="{CBE0A2E2-41A3-46D5-8648-6ED1B675199E}" destId="{BD4D4DCA-487C-419D-AA76-EB96657833A1}" srcOrd="11" destOrd="0" presId="urn:microsoft.com/office/officeart/2005/8/layout/list1"/>
-    <dgm:cxn modelId="{B02F076B-D100-4369-97DF-E307F3C93737}" type="presParOf" srcId="{CBE0A2E2-41A3-46D5-8648-6ED1B675199E}" destId="{67CA6E02-AC51-4721-AE3D-8529E9F6F206}" srcOrd="12" destOrd="0" presId="urn:microsoft.com/office/officeart/2005/8/layout/list1"/>
-    <dgm:cxn modelId="{9E849332-5606-424F-84A1-91DC6E087A3C}" type="presParOf" srcId="{67CA6E02-AC51-4721-AE3D-8529E9F6F206}" destId="{6127C217-BECC-4B91-970D-5AA1F6529F40}" srcOrd="0" destOrd="0" presId="urn:microsoft.com/office/officeart/2005/8/layout/list1"/>
-    <dgm:cxn modelId="{8332BF68-862C-4412-9FA7-90F96CF9F924}" type="presParOf" srcId="{67CA6E02-AC51-4721-AE3D-8529E9F6F206}" destId="{B9E99C37-418A-48D2-AF3F-4F5E2926284A}" srcOrd="1" destOrd="0" presId="urn:microsoft.com/office/officeart/2005/8/layout/list1"/>
-    <dgm:cxn modelId="{C916DCD0-2D63-40C2-8A84-5DCC09F404DF}" type="presParOf" srcId="{CBE0A2E2-41A3-46D5-8648-6ED1B675199E}" destId="{8C039867-4905-40D5-8233-0B60AAB83B2A}" srcOrd="13" destOrd="0" presId="urn:microsoft.com/office/officeart/2005/8/layout/list1"/>
-    <dgm:cxn modelId="{67F0B557-BC25-425C-8BAB-6169B4F823C3}" type="presParOf" srcId="{CBE0A2E2-41A3-46D5-8648-6ED1B675199E}" destId="{BEEA7E3F-DE2F-45A2-839A-C8D0965B7890}" srcOrd="14" destOrd="0" presId="urn:microsoft.com/office/officeart/2005/8/layout/list1"/>
-    <dgm:cxn modelId="{58683E96-D90B-417C-A5B8-4AD160A99C1F}" type="presParOf" srcId="{CBE0A2E2-41A3-46D5-8648-6ED1B675199E}" destId="{2AD052A4-5970-46DC-84F8-30F1757CEC15}" srcOrd="15" destOrd="0" presId="urn:microsoft.com/office/officeart/2005/8/layout/list1"/>
-    <dgm:cxn modelId="{EC36D200-73E8-4DD8-B28D-DF29E968CF09}" type="presParOf" srcId="{CBE0A2E2-41A3-46D5-8648-6ED1B675199E}" destId="{59260997-7714-413D-BCE5-ECD51CB188BC}" srcOrd="16" destOrd="0" presId="urn:microsoft.com/office/officeart/2005/8/layout/list1"/>
-    <dgm:cxn modelId="{5222723A-B2CF-4417-8D39-5A7AD7AE0ACA}" type="presParOf" srcId="{59260997-7714-413D-BCE5-ECD51CB188BC}" destId="{592CA659-E4D3-4677-A7FF-87E7E4F64BF0}" srcOrd="0" destOrd="0" presId="urn:microsoft.com/office/officeart/2005/8/layout/list1"/>
-    <dgm:cxn modelId="{389BC722-D794-45DB-9625-E553F9D1610A}" type="presParOf" srcId="{59260997-7714-413D-BCE5-ECD51CB188BC}" destId="{C1994952-1A40-40D4-9600-38976D3CE0D8}" srcOrd="1" destOrd="0" presId="urn:microsoft.com/office/officeart/2005/8/layout/list1"/>
-    <dgm:cxn modelId="{24F24F8B-812E-4AD5-A464-67B8A4FECD72}" type="presParOf" srcId="{CBE0A2E2-41A3-46D5-8648-6ED1B675199E}" destId="{7D9B722C-A1C3-4EE4-8BFF-E6900B91AD62}" srcOrd="17" destOrd="0" presId="urn:microsoft.com/office/officeart/2005/8/layout/list1"/>
-    <dgm:cxn modelId="{F348A2AC-D940-403C-AD69-BE1650019EB6}" type="presParOf" srcId="{CBE0A2E2-41A3-46D5-8648-6ED1B675199E}" destId="{A0543256-69DD-44F4-8EDB-7E47BFDB21F5}" srcOrd="18" destOrd="0" presId="urn:microsoft.com/office/officeart/2005/8/layout/list1"/>
-    <dgm:cxn modelId="{C5EC8790-87CB-460B-A76E-EF41BB81035F}" type="presParOf" srcId="{CBE0A2E2-41A3-46D5-8648-6ED1B675199E}" destId="{F374FDCF-4688-40F3-89A9-D0A2ADB7E26E}" srcOrd="19" destOrd="0" presId="urn:microsoft.com/office/officeart/2005/8/layout/list1"/>
-    <dgm:cxn modelId="{BFA675A8-8F86-4C2A-A433-09973930B919}" type="presParOf" srcId="{CBE0A2E2-41A3-46D5-8648-6ED1B675199E}" destId="{5583E27D-E2C8-4A3D-B220-5A40DFA6C33A}" srcOrd="20" destOrd="0" presId="urn:microsoft.com/office/officeart/2005/8/layout/list1"/>
-    <dgm:cxn modelId="{F22220CC-8D73-478E-915F-7F6A63221E31}" type="presParOf" srcId="{5583E27D-E2C8-4A3D-B220-5A40DFA6C33A}" destId="{A2F9601D-06D5-4C58-BC36-9F435F6020F8}" srcOrd="0" destOrd="0" presId="urn:microsoft.com/office/officeart/2005/8/layout/list1"/>
-    <dgm:cxn modelId="{94A78623-FCDE-44A6-BC7F-857EE3E53B34}" type="presParOf" srcId="{5583E27D-E2C8-4A3D-B220-5A40DFA6C33A}" destId="{C049D5F0-3447-4C83-A9BB-E1B96EE2F42B}" srcOrd="1" destOrd="0" presId="urn:microsoft.com/office/officeart/2005/8/layout/list1"/>
-    <dgm:cxn modelId="{19984CF9-ED4A-4788-944E-BE19B4929F30}" type="presParOf" srcId="{CBE0A2E2-41A3-46D5-8648-6ED1B675199E}" destId="{0B1F48A0-BAFC-4154-A1F4-3CABEEB10725}" srcOrd="21" destOrd="0" presId="urn:microsoft.com/office/officeart/2005/8/layout/list1"/>
-    <dgm:cxn modelId="{BB9CD2CC-54F8-43E2-A427-B7545E6E1ECF}" type="presParOf" srcId="{CBE0A2E2-41A3-46D5-8648-6ED1B675199E}" destId="{3C3F916E-1D02-44BE-A0A7-0929E561FB43}" srcOrd="22" destOrd="0" presId="urn:microsoft.com/office/officeart/2005/8/layout/list1"/>
-  </dgm:cxnLst>
-  <dgm:bg/>
-  <dgm:whole/>
-  <dgm:extLst>
-    <a:ext uri="http://schemas.microsoft.com/office/drawing/2008/diagram">
-      <dsp:dataModelExt xmlns:dsp="http://schemas.microsoft.com/office/drawing/2008/diagram" relId="rId6" minVer="http://schemas.openxmlformats.org/drawingml/2006/diagram"/>
-    </a:ext>
-  </dgm:extLst>
-</dgm:dataModel>
-</file>
-
-<file path=ppt/diagrams/data2.xml><?xml version="1.0" encoding="utf-8"?>
 <dgm:dataModel xmlns:dgm="http://schemas.openxmlformats.org/drawingml/2006/diagram" xmlns:a="http://schemas.openxmlformats.org/drawingml/2006/main">
   <dgm:ptLst>
     <dgm:pt modelId="{4951DA98-8EE9-4A31-8A4F-B3DAECAB4270}" type="doc">
@@ -4370,86 +3065,86 @@
     </dgm:pt>
   </dgm:ptLst>
   <dgm:cxnLst>
-    <dgm:cxn modelId="{B5B7D720-4D6E-403C-B334-6AECBAF9601D}" type="presOf" srcId="{1E59B096-046D-411E-99F9-458111E0363B}" destId="{22205F5C-9165-40B8-A9B2-A25F9A0E041C}" srcOrd="0" destOrd="0" presId="urn:microsoft.com/office/officeart/2008/layout/LinedList"/>
     <dgm:cxn modelId="{CECBD724-1047-45EC-895C-A07E6DC4971D}" type="presOf" srcId="{4951DA98-8EE9-4A31-8A4F-B3DAECAB4270}" destId="{6A2DD082-4106-40BE-B88E-5F6C27158AE9}" srcOrd="0" destOrd="0" presId="urn:microsoft.com/office/officeart/2008/layout/LinedList"/>
-    <dgm:cxn modelId="{1A3A452A-026B-451C-B7A8-34C6282C2800}" type="presOf" srcId="{90B882D0-4FD9-4ADA-823B-BE8DC90FA571}" destId="{7C8B32AC-9AD2-4A4B-B7F0-0FD827F1C164}" srcOrd="0" destOrd="0" presId="urn:microsoft.com/office/officeart/2008/layout/LinedList"/>
+    <dgm:cxn modelId="{2D33392A-E401-4F3E-B450-B2E8D64EB23F}" type="presOf" srcId="{267A1CE3-0E5D-43ED-9C4A-1C60FA9771DF}" destId="{5F2A2ABB-6790-4759-8785-EA57CECB3C65}" srcOrd="0" destOrd="0" presId="urn:microsoft.com/office/officeart/2008/layout/LinedList"/>
     <dgm:cxn modelId="{D0927131-8C4F-4418-B1C1-0BB675982833}" srcId="{2EBA128B-29C4-431E-B3CB-E0326FC232CD}" destId="{8E4A15B3-3316-4FFB-A83C-0D9DF0D9D591}" srcOrd="1" destOrd="0" parTransId="{0C5560CF-7B09-4191-A25C-FACD372170CB}" sibTransId="{4F6DFAA6-B692-4886-A91F-3D2C98B4E8D4}"/>
     <dgm:cxn modelId="{CDA51A34-8772-4AAC-B3E0-8C1461D273AF}" srcId="{4951DA98-8EE9-4A31-8A4F-B3DAECAB4270}" destId="{2EBA128B-29C4-431E-B3CB-E0326FC232CD}" srcOrd="0" destOrd="0" parTransId="{52689075-B21C-451F-89C0-213699D45995}" sibTransId="{A3C4B771-E1E9-467A-BE97-93A479791ED4}"/>
     <dgm:cxn modelId="{E26F8A5C-AFD3-4002-810D-8845767E9883}" srcId="{2EBA128B-29C4-431E-B3CB-E0326FC232CD}" destId="{FA1E2C6F-5892-43EA-BAD9-7A95F3EF0EB0}" srcOrd="6" destOrd="0" parTransId="{26EFC489-757C-499C-A919-FBCF37B1300F}" sibTransId="{5AEC242F-F2AA-4449-AE7E-26298173FFB8}"/>
-    <dgm:cxn modelId="{413CE16D-6E5D-431D-84DE-98D1A5095E69}" type="presOf" srcId="{F8027ED3-7D37-4C40-AE3D-7EC32C03CE80}" destId="{D3D740F1-5D07-4705-A1B2-01D0E801A2A9}" srcOrd="0" destOrd="0" presId="urn:microsoft.com/office/officeart/2008/layout/LinedList"/>
     <dgm:cxn modelId="{F5377B50-2BAC-499B-8EB6-6DD3051B973B}" srcId="{2EBA128B-29C4-431E-B3CB-E0326FC232CD}" destId="{04918A9D-F12B-43C2-8E50-145897DF672F}" srcOrd="8" destOrd="0" parTransId="{205A0D59-3B16-4FF1-A72C-F7D494E65A2C}" sibTransId="{6DE3DE7B-1C30-42B9-9FE2-14D9BE5FA272}"/>
+    <dgm:cxn modelId="{68056971-6C8D-4CD2-AE60-BC8F91BAC877}" type="presOf" srcId="{1E59B096-046D-411E-99F9-458111E0363B}" destId="{22205F5C-9165-40B8-A9B2-A25F9A0E041C}" srcOrd="0" destOrd="0" presId="urn:microsoft.com/office/officeart/2008/layout/LinedList"/>
     <dgm:cxn modelId="{7BBA5051-B7AF-4E74-AAB9-3CFEE0E144C0}" srcId="{2EBA128B-29C4-431E-B3CB-E0326FC232CD}" destId="{1E59B096-046D-411E-99F9-458111E0363B}" srcOrd="0" destOrd="0" parTransId="{67360BFB-BECA-4320-83CA-D91B4F2631B3}" sibTransId="{0B66E94D-B243-47FB-A0CD-942ED4E5B368}"/>
     <dgm:cxn modelId="{706FB451-45DF-4BC1-A3AD-8A5597EE101A}" srcId="{2EBA128B-29C4-431E-B3CB-E0326FC232CD}" destId="{267A1CE3-0E5D-43ED-9C4A-1C60FA9771DF}" srcOrd="3" destOrd="0" parTransId="{8556B60C-45B2-4972-94FE-3F39CAD073A3}" sibTransId="{5CD17C36-A34F-41D4-92F7-32089D7C59F5}"/>
-    <dgm:cxn modelId="{B3060E73-EFCD-4B27-90A7-AB52AB5EB20C}" type="presOf" srcId="{8E4A15B3-3316-4FFB-A83C-0D9DF0D9D591}" destId="{C8313F8F-2DB5-4FFF-890E-CE31A78248A0}" srcOrd="0" destOrd="0" presId="urn:microsoft.com/office/officeart/2008/layout/LinedList"/>
+    <dgm:cxn modelId="{7BCC7F53-49DA-4E20-AEF5-EC0041FF42B8}" type="presOf" srcId="{04918A9D-F12B-43C2-8E50-145897DF672F}" destId="{106C7E19-67CA-4D91-926A-65BFC93BDF72}" srcOrd="0" destOrd="0" presId="urn:microsoft.com/office/officeart/2008/layout/LinedList"/>
     <dgm:cxn modelId="{F6C9168D-B4CB-4924-AEFF-6EFDED872825}" srcId="{2EBA128B-29C4-431E-B3CB-E0326FC232CD}" destId="{D58C98A7-BE7D-4E86-8D85-F771D5EB9026}" srcOrd="2" destOrd="0" parTransId="{9A6CDD79-C197-4FEB-8B84-F7E989F47615}" sibTransId="{200FD458-A42D-4244-A776-8500E56A7241}"/>
-    <dgm:cxn modelId="{1C448D98-BC1D-4C9A-A94A-B8C26E073E84}" type="presOf" srcId="{FA1E2C6F-5892-43EA-BAD9-7A95F3EF0EB0}" destId="{44C3FE10-F8A1-4468-B8E9-1E1CF951DDF4}" srcOrd="0" destOrd="0" presId="urn:microsoft.com/office/officeart/2008/layout/LinedList"/>
-    <dgm:cxn modelId="{D554F1A0-C11E-4F64-AB43-6DBDDA189EF0}" type="presOf" srcId="{267A1CE3-0E5D-43ED-9C4A-1C60FA9771DF}" destId="{5F2A2ABB-6790-4759-8785-EA57CECB3C65}" srcOrd="0" destOrd="0" presId="urn:microsoft.com/office/officeart/2008/layout/LinedList"/>
+    <dgm:cxn modelId="{928285AA-69C6-40C4-A5FC-01A1429E32F3}" type="presOf" srcId="{FA1E2C6F-5892-43EA-BAD9-7A95F3EF0EB0}" destId="{44C3FE10-F8A1-4468-B8E9-1E1CF951DDF4}" srcOrd="0" destOrd="0" presId="urn:microsoft.com/office/officeart/2008/layout/LinedList"/>
+    <dgm:cxn modelId="{7F476EB8-6909-486C-A41A-ED67C4A30C60}" type="presOf" srcId="{8E4A15B3-3316-4FFB-A83C-0D9DF0D9D591}" destId="{C8313F8F-2DB5-4FFF-890E-CE31A78248A0}" srcOrd="0" destOrd="0" presId="urn:microsoft.com/office/officeart/2008/layout/LinedList"/>
     <dgm:cxn modelId="{3F3D99B9-AD3B-4C8C-885A-4A7662A053A3}" srcId="{2EBA128B-29C4-431E-B3CB-E0326FC232CD}" destId="{90B882D0-4FD9-4ADA-823B-BE8DC90FA571}" srcOrd="4" destOrd="0" parTransId="{7C7F847F-663B-443E-A9D2-F18D320109AA}" sibTransId="{81C62F4D-1EDC-4752-A594-0FAEE8467E1F}"/>
-    <dgm:cxn modelId="{190C32D4-F64A-4785-B3D0-FFC9CBE2FE29}" type="presOf" srcId="{734941FF-AB01-417D-8663-2A5B6EA59657}" destId="{837016B3-1026-4AFB-866E-6995D278B1A4}" srcOrd="0" destOrd="0" presId="urn:microsoft.com/office/officeart/2008/layout/LinedList"/>
-    <dgm:cxn modelId="{B4805DE2-F425-488B-AF5E-471EAA906BCD}" type="presOf" srcId="{D58C98A7-BE7D-4E86-8D85-F771D5EB9026}" destId="{E254E987-AE24-4042-B1AB-07C195B2C9BC}" srcOrd="0" destOrd="0" presId="urn:microsoft.com/office/officeart/2008/layout/LinedList"/>
+    <dgm:cxn modelId="{178C0CD3-C7D5-4A7C-8068-4FCE0E65D0BC}" type="presOf" srcId="{90B882D0-4FD9-4ADA-823B-BE8DC90FA571}" destId="{7C8B32AC-9AD2-4A4B-B7F0-0FD827F1C164}" srcOrd="0" destOrd="0" presId="urn:microsoft.com/office/officeart/2008/layout/LinedList"/>
+    <dgm:cxn modelId="{EDE925D6-EA28-4C1F-A601-B61BB96EA101}" type="presOf" srcId="{F8027ED3-7D37-4C40-AE3D-7EC32C03CE80}" destId="{D3D740F1-5D07-4705-A1B2-01D0E801A2A9}" srcOrd="0" destOrd="0" presId="urn:microsoft.com/office/officeart/2008/layout/LinedList"/>
+    <dgm:cxn modelId="{14B9B0DE-3416-4119-A0CE-660BE913AA9F}" type="presOf" srcId="{734941FF-AB01-417D-8663-2A5B6EA59657}" destId="{837016B3-1026-4AFB-866E-6995D278B1A4}" srcOrd="0" destOrd="0" presId="urn:microsoft.com/office/officeart/2008/layout/LinedList"/>
+    <dgm:cxn modelId="{477666E1-F6AF-4460-9CEC-AC096046A112}" type="presOf" srcId="{D58C98A7-BE7D-4E86-8D85-F771D5EB9026}" destId="{E254E987-AE24-4042-B1AB-07C195B2C9BC}" srcOrd="0" destOrd="0" presId="urn:microsoft.com/office/officeart/2008/layout/LinedList"/>
     <dgm:cxn modelId="{5074F7F0-6244-45B1-AE31-1FC460541CE2}" srcId="{2EBA128B-29C4-431E-B3CB-E0326FC232CD}" destId="{F8027ED3-7D37-4C40-AE3D-7EC32C03CE80}" srcOrd="5" destOrd="0" parTransId="{15A05A2F-EBFF-4692-B7A0-4AD9EB5C9A92}" sibTransId="{091034B7-0FC5-4B73-BD33-5D44EA46A9F2}"/>
-    <dgm:cxn modelId="{8DFAE4F2-528D-46F3-ABFD-E29EB3431B3C}" type="presOf" srcId="{04918A9D-F12B-43C2-8E50-145897DF672F}" destId="{106C7E19-67CA-4D91-926A-65BFC93BDF72}" srcOrd="0" destOrd="0" presId="urn:microsoft.com/office/officeart/2008/layout/LinedList"/>
     <dgm:cxn modelId="{19C823FE-9C96-4EFB-A213-3A2D3387EC3C}" srcId="{2EBA128B-29C4-431E-B3CB-E0326FC232CD}" destId="{734941FF-AB01-417D-8663-2A5B6EA59657}" srcOrd="7" destOrd="0" parTransId="{3E62574A-84D8-4EC7-9504-AE829FFD95C6}" sibTransId="{D2CA43BF-C108-4F0B-8F32-74194789DC8C}"/>
     <dgm:cxn modelId="{C79989FF-385A-4E5B-8667-189652B4C3BE}" type="presOf" srcId="{2EBA128B-29C4-431E-B3CB-E0326FC232CD}" destId="{2D5AA132-2F8D-4516-9B5A-EB54A4565D6D}" srcOrd="0" destOrd="0" presId="urn:microsoft.com/office/officeart/2008/layout/LinedList"/>
     <dgm:cxn modelId="{3A65EBB6-4091-4921-8382-EC78E5F1E372}" type="presParOf" srcId="{6A2DD082-4106-40BE-B88E-5F6C27158AE9}" destId="{19E1A4A6-6361-4AA2-91A5-C966EF7044C6}" srcOrd="0" destOrd="0" presId="urn:microsoft.com/office/officeart/2008/layout/LinedList"/>
     <dgm:cxn modelId="{F07CF43A-19EF-45F1-BE1B-DD632885530E}" type="presParOf" srcId="{6A2DD082-4106-40BE-B88E-5F6C27158AE9}" destId="{6F5D7268-FE6E-47AD-8544-35671D70923B}" srcOrd="1" destOrd="0" presId="urn:microsoft.com/office/officeart/2008/layout/LinedList"/>
     <dgm:cxn modelId="{80C038FE-F873-48CD-B5AF-9675E609777A}" type="presParOf" srcId="{6F5D7268-FE6E-47AD-8544-35671D70923B}" destId="{2D5AA132-2F8D-4516-9B5A-EB54A4565D6D}" srcOrd="0" destOrd="0" presId="urn:microsoft.com/office/officeart/2008/layout/LinedList"/>
     <dgm:cxn modelId="{1543886B-DF4B-4DA5-BEEE-2646114F549D}" type="presParOf" srcId="{6F5D7268-FE6E-47AD-8544-35671D70923B}" destId="{372F2071-0590-49C8-8DB3-AC4469FA6D8E}" srcOrd="1" destOrd="0" presId="urn:microsoft.com/office/officeart/2008/layout/LinedList"/>
-    <dgm:cxn modelId="{7FFB6CA6-17DA-4217-B424-878FB8540CA4}" type="presParOf" srcId="{372F2071-0590-49C8-8DB3-AC4469FA6D8E}" destId="{7D3D43ED-55C5-411B-973D-191D32BDBC6F}" srcOrd="0" destOrd="0" presId="urn:microsoft.com/office/officeart/2008/layout/LinedList"/>
-    <dgm:cxn modelId="{A3A66F63-E148-43F5-A578-8597D92E5C35}" type="presParOf" srcId="{372F2071-0590-49C8-8DB3-AC4469FA6D8E}" destId="{5EF67C11-B0BB-4EF3-BCEE-C99917558602}" srcOrd="1" destOrd="0" presId="urn:microsoft.com/office/officeart/2008/layout/LinedList"/>
-    <dgm:cxn modelId="{3E00D726-23F1-4377-9865-49460CB0EAA5}" type="presParOf" srcId="{5EF67C11-B0BB-4EF3-BCEE-C99917558602}" destId="{C4A8030C-BD63-4001-8BBE-2CC9C7A1CF5B}" srcOrd="0" destOrd="0" presId="urn:microsoft.com/office/officeart/2008/layout/LinedList"/>
-    <dgm:cxn modelId="{766E2598-12B2-42D5-99C4-2EC4ABE46508}" type="presParOf" srcId="{5EF67C11-B0BB-4EF3-BCEE-C99917558602}" destId="{22205F5C-9165-40B8-A9B2-A25F9A0E041C}" srcOrd="1" destOrd="0" presId="urn:microsoft.com/office/officeart/2008/layout/LinedList"/>
-    <dgm:cxn modelId="{39F8BADF-96F8-4410-9AE3-999F2B322C75}" type="presParOf" srcId="{5EF67C11-B0BB-4EF3-BCEE-C99917558602}" destId="{6F23060F-2533-4FCB-BB59-E8E0746AF763}" srcOrd="2" destOrd="0" presId="urn:microsoft.com/office/officeart/2008/layout/LinedList"/>
-    <dgm:cxn modelId="{BC4855B3-31F5-442C-8A5B-A3C2C9195AEF}" type="presParOf" srcId="{372F2071-0590-49C8-8DB3-AC4469FA6D8E}" destId="{33199996-D89F-4853-9974-58AEB27FC4AD}" srcOrd="2" destOrd="0" presId="urn:microsoft.com/office/officeart/2008/layout/LinedList"/>
-    <dgm:cxn modelId="{4EB0BB5B-AE72-4201-B633-16E91C5EED0B}" type="presParOf" srcId="{372F2071-0590-49C8-8DB3-AC4469FA6D8E}" destId="{536DB119-9001-4CDB-90DF-C6B9A77D0C77}" srcOrd="3" destOrd="0" presId="urn:microsoft.com/office/officeart/2008/layout/LinedList"/>
-    <dgm:cxn modelId="{A029C192-1428-4D81-9271-A7476B96B796}" type="presParOf" srcId="{372F2071-0590-49C8-8DB3-AC4469FA6D8E}" destId="{122DAB6F-D9D2-42AA-A8AD-C69808ADB500}" srcOrd="4" destOrd="0" presId="urn:microsoft.com/office/officeart/2008/layout/LinedList"/>
-    <dgm:cxn modelId="{F480F0AF-D3BC-4BEC-AEBA-DF5F61F5EB5A}" type="presParOf" srcId="{122DAB6F-D9D2-42AA-A8AD-C69808ADB500}" destId="{379A80CD-86CF-43EF-B8E5-68C77C6B2A98}" srcOrd="0" destOrd="0" presId="urn:microsoft.com/office/officeart/2008/layout/LinedList"/>
-    <dgm:cxn modelId="{3FCE4F03-E30A-4DFD-BE76-C38934474C07}" type="presParOf" srcId="{122DAB6F-D9D2-42AA-A8AD-C69808ADB500}" destId="{C8313F8F-2DB5-4FFF-890E-CE31A78248A0}" srcOrd="1" destOrd="0" presId="urn:microsoft.com/office/officeart/2008/layout/LinedList"/>
-    <dgm:cxn modelId="{C86C4E39-D2E4-463C-85EE-9D731290BA8C}" type="presParOf" srcId="{122DAB6F-D9D2-42AA-A8AD-C69808ADB500}" destId="{1D7D4EE0-8ADF-434C-B1AA-254E57F8AFE7}" srcOrd="2" destOrd="0" presId="urn:microsoft.com/office/officeart/2008/layout/LinedList"/>
-    <dgm:cxn modelId="{14488E6F-C80A-4B13-BD79-8B84E385F8FD}" type="presParOf" srcId="{372F2071-0590-49C8-8DB3-AC4469FA6D8E}" destId="{7F5ED483-2DF3-4FD9-AD56-0A24396CCCC0}" srcOrd="5" destOrd="0" presId="urn:microsoft.com/office/officeart/2008/layout/LinedList"/>
-    <dgm:cxn modelId="{7B651864-A41B-4AC1-919A-892FF2DF0E61}" type="presParOf" srcId="{372F2071-0590-49C8-8DB3-AC4469FA6D8E}" destId="{A420D2CE-C0D9-4183-813F-60BA8C9700B0}" srcOrd="6" destOrd="0" presId="urn:microsoft.com/office/officeart/2008/layout/LinedList"/>
-    <dgm:cxn modelId="{8725B991-ADC4-4736-A035-E64181E04F6E}" type="presParOf" srcId="{372F2071-0590-49C8-8DB3-AC4469FA6D8E}" destId="{0294850C-4F33-48AE-BD17-2509B82897FE}" srcOrd="7" destOrd="0" presId="urn:microsoft.com/office/officeart/2008/layout/LinedList"/>
-    <dgm:cxn modelId="{8D12CB91-34D9-457C-BEC9-DCA0FCE0864D}" type="presParOf" srcId="{0294850C-4F33-48AE-BD17-2509B82897FE}" destId="{632B7450-0253-4852-8154-9EB66DE1D040}" srcOrd="0" destOrd="0" presId="urn:microsoft.com/office/officeart/2008/layout/LinedList"/>
-    <dgm:cxn modelId="{578A1408-A5C1-4E61-A7B8-524410A3C363}" type="presParOf" srcId="{0294850C-4F33-48AE-BD17-2509B82897FE}" destId="{E254E987-AE24-4042-B1AB-07C195B2C9BC}" srcOrd="1" destOrd="0" presId="urn:microsoft.com/office/officeart/2008/layout/LinedList"/>
-    <dgm:cxn modelId="{2ACD9BEF-1F63-4F3C-9C10-986890C6E847}" type="presParOf" srcId="{0294850C-4F33-48AE-BD17-2509B82897FE}" destId="{1C648BE2-8F72-4763-BE03-6C1DD23CF5DE}" srcOrd="2" destOrd="0" presId="urn:microsoft.com/office/officeart/2008/layout/LinedList"/>
-    <dgm:cxn modelId="{09E37260-E6A2-4E18-9590-BA48D86A2129}" type="presParOf" srcId="{372F2071-0590-49C8-8DB3-AC4469FA6D8E}" destId="{E6A09FB3-F5F7-4571-8286-DFAD1A5CBFF8}" srcOrd="8" destOrd="0" presId="urn:microsoft.com/office/officeart/2008/layout/LinedList"/>
-    <dgm:cxn modelId="{D4846D93-29C1-474F-8A60-12F19072ADED}" type="presParOf" srcId="{372F2071-0590-49C8-8DB3-AC4469FA6D8E}" destId="{BD4F953A-369A-4ECC-AE5D-40D665905E0E}" srcOrd="9" destOrd="0" presId="urn:microsoft.com/office/officeart/2008/layout/LinedList"/>
-    <dgm:cxn modelId="{1ECEB719-60B3-4F73-8F4C-65471F5EECBF}" type="presParOf" srcId="{372F2071-0590-49C8-8DB3-AC4469FA6D8E}" destId="{93ADFC74-255A-4553-AAD6-3C35CE0C5DC6}" srcOrd="10" destOrd="0" presId="urn:microsoft.com/office/officeart/2008/layout/LinedList"/>
-    <dgm:cxn modelId="{12A903F2-3EE4-4FF4-9AA0-BAE6477EDEAE}" type="presParOf" srcId="{93ADFC74-255A-4553-AAD6-3C35CE0C5DC6}" destId="{1D0E86EE-953F-4285-BDAF-612F36A3FAE2}" srcOrd="0" destOrd="0" presId="urn:microsoft.com/office/officeart/2008/layout/LinedList"/>
-    <dgm:cxn modelId="{63C28A93-58B7-4A2A-9C14-A606D5C0AB3C}" type="presParOf" srcId="{93ADFC74-255A-4553-AAD6-3C35CE0C5DC6}" destId="{5F2A2ABB-6790-4759-8785-EA57CECB3C65}" srcOrd="1" destOrd="0" presId="urn:microsoft.com/office/officeart/2008/layout/LinedList"/>
-    <dgm:cxn modelId="{868838C3-794D-4DF7-805B-11763FA8D9B5}" type="presParOf" srcId="{93ADFC74-255A-4553-AAD6-3C35CE0C5DC6}" destId="{76521FE4-ED88-4EF1-8C07-24BF71E0DA59}" srcOrd="2" destOrd="0" presId="urn:microsoft.com/office/officeart/2008/layout/LinedList"/>
-    <dgm:cxn modelId="{6AAE95BB-EE48-4445-B650-FE6E0D47AE96}" type="presParOf" srcId="{372F2071-0590-49C8-8DB3-AC4469FA6D8E}" destId="{D19571A0-F548-4657-9D2F-3AAD04710F24}" srcOrd="11" destOrd="0" presId="urn:microsoft.com/office/officeart/2008/layout/LinedList"/>
-    <dgm:cxn modelId="{1C517990-A450-411D-9DD2-2CCD6FED847C}" type="presParOf" srcId="{372F2071-0590-49C8-8DB3-AC4469FA6D8E}" destId="{4A994A20-4BBB-4597-81D6-E3AAB0B8DED6}" srcOrd="12" destOrd="0" presId="urn:microsoft.com/office/officeart/2008/layout/LinedList"/>
-    <dgm:cxn modelId="{7543C3E5-DDDC-443A-9C11-3EED8D3ED139}" type="presParOf" srcId="{372F2071-0590-49C8-8DB3-AC4469FA6D8E}" destId="{8A1C9A0F-4536-4CF6-8D50-903647842550}" srcOrd="13" destOrd="0" presId="urn:microsoft.com/office/officeart/2008/layout/LinedList"/>
-    <dgm:cxn modelId="{78C1A16E-A219-4EED-A5AD-F08E1A0D599E}" type="presParOf" srcId="{8A1C9A0F-4536-4CF6-8D50-903647842550}" destId="{F7A3E1E3-85ED-40AD-9B11-D5B13CB15146}" srcOrd="0" destOrd="0" presId="urn:microsoft.com/office/officeart/2008/layout/LinedList"/>
-    <dgm:cxn modelId="{C266DAF5-B937-4FDD-9E0F-99DF88C06D98}" type="presParOf" srcId="{8A1C9A0F-4536-4CF6-8D50-903647842550}" destId="{7C8B32AC-9AD2-4A4B-B7F0-0FD827F1C164}" srcOrd="1" destOrd="0" presId="urn:microsoft.com/office/officeart/2008/layout/LinedList"/>
-    <dgm:cxn modelId="{F19285D7-DC23-447E-98D5-BBB90C8C1E67}" type="presParOf" srcId="{8A1C9A0F-4536-4CF6-8D50-903647842550}" destId="{ABCB62EA-7DFC-4050-9C20-FEA511264BA6}" srcOrd="2" destOrd="0" presId="urn:microsoft.com/office/officeart/2008/layout/LinedList"/>
-    <dgm:cxn modelId="{CE5E060C-6CC3-48BD-9C38-E599E5BBEA4D}" type="presParOf" srcId="{372F2071-0590-49C8-8DB3-AC4469FA6D8E}" destId="{A6A96DD3-CA53-4E34-B4FD-C0838257687A}" srcOrd="14" destOrd="0" presId="urn:microsoft.com/office/officeart/2008/layout/LinedList"/>
-    <dgm:cxn modelId="{F01177D5-D254-4147-9FA4-C5A6F87C250E}" type="presParOf" srcId="{372F2071-0590-49C8-8DB3-AC4469FA6D8E}" destId="{C49BE313-F66A-42C0-9FC5-899945022597}" srcOrd="15" destOrd="0" presId="urn:microsoft.com/office/officeart/2008/layout/LinedList"/>
-    <dgm:cxn modelId="{7B9C0EC8-B0D4-46E0-9C71-BDB367512F74}" type="presParOf" srcId="{372F2071-0590-49C8-8DB3-AC4469FA6D8E}" destId="{0A4277B1-1C59-4D23-AADD-3B808B5C0FBF}" srcOrd="16" destOrd="0" presId="urn:microsoft.com/office/officeart/2008/layout/LinedList"/>
-    <dgm:cxn modelId="{FA252BC3-5828-4997-B0E0-0FC9FF67ECD0}" type="presParOf" srcId="{0A4277B1-1C59-4D23-AADD-3B808B5C0FBF}" destId="{B5295D38-E6C3-4212-BBB4-53B7684ADB0B}" srcOrd="0" destOrd="0" presId="urn:microsoft.com/office/officeart/2008/layout/LinedList"/>
-    <dgm:cxn modelId="{279C2359-D0DA-40C1-B5DA-2009673EC8DD}" type="presParOf" srcId="{0A4277B1-1C59-4D23-AADD-3B808B5C0FBF}" destId="{D3D740F1-5D07-4705-A1B2-01D0E801A2A9}" srcOrd="1" destOrd="0" presId="urn:microsoft.com/office/officeart/2008/layout/LinedList"/>
-    <dgm:cxn modelId="{EF2944D7-80C5-48B7-A236-5CF7D3BFF735}" type="presParOf" srcId="{0A4277B1-1C59-4D23-AADD-3B808B5C0FBF}" destId="{2BC11608-D5ED-4548-87EA-1680FE1D91F4}" srcOrd="2" destOrd="0" presId="urn:microsoft.com/office/officeart/2008/layout/LinedList"/>
-    <dgm:cxn modelId="{14C6F233-D1BC-463D-A3E1-F9D58E26D2CB}" type="presParOf" srcId="{372F2071-0590-49C8-8DB3-AC4469FA6D8E}" destId="{EC33200B-C557-4DD7-86BC-A697236600AB}" srcOrd="17" destOrd="0" presId="urn:microsoft.com/office/officeart/2008/layout/LinedList"/>
-    <dgm:cxn modelId="{657C9E84-713F-4EBE-A791-D2975AB47128}" type="presParOf" srcId="{372F2071-0590-49C8-8DB3-AC4469FA6D8E}" destId="{4912A34E-DD95-4330-961E-209447B79CD3}" srcOrd="18" destOrd="0" presId="urn:microsoft.com/office/officeart/2008/layout/LinedList"/>
-    <dgm:cxn modelId="{755AECD7-08CD-4D43-8495-098ED519200C}" type="presParOf" srcId="{372F2071-0590-49C8-8DB3-AC4469FA6D8E}" destId="{1CD4C4E6-CBE0-44F7-B769-01416C67AD47}" srcOrd="19" destOrd="0" presId="urn:microsoft.com/office/officeart/2008/layout/LinedList"/>
-    <dgm:cxn modelId="{62F0B085-32B1-457D-AC62-8DB9F5FD553F}" type="presParOf" srcId="{1CD4C4E6-CBE0-44F7-B769-01416C67AD47}" destId="{3E453483-109E-4D13-AFD6-9322F7CE416D}" srcOrd="0" destOrd="0" presId="urn:microsoft.com/office/officeart/2008/layout/LinedList"/>
-    <dgm:cxn modelId="{CAE410A4-E73C-4FBA-8778-F2EAA6F94FD8}" type="presParOf" srcId="{1CD4C4E6-CBE0-44F7-B769-01416C67AD47}" destId="{44C3FE10-F8A1-4468-B8E9-1E1CF951DDF4}" srcOrd="1" destOrd="0" presId="urn:microsoft.com/office/officeart/2008/layout/LinedList"/>
-    <dgm:cxn modelId="{01985E3F-8629-447F-B284-D6F8CB798D64}" type="presParOf" srcId="{1CD4C4E6-CBE0-44F7-B769-01416C67AD47}" destId="{596DFCFB-E3A5-4485-9451-55DCA302FB61}" srcOrd="2" destOrd="0" presId="urn:microsoft.com/office/officeart/2008/layout/LinedList"/>
-    <dgm:cxn modelId="{02D37E42-8C3C-4533-83F9-14138E88113F}" type="presParOf" srcId="{372F2071-0590-49C8-8DB3-AC4469FA6D8E}" destId="{5C1CC8F6-A253-462F-A41E-7770C16852C3}" srcOrd="20" destOrd="0" presId="urn:microsoft.com/office/officeart/2008/layout/LinedList"/>
-    <dgm:cxn modelId="{16E0BDCA-FBD5-48FD-81E9-CC8642548F7F}" type="presParOf" srcId="{372F2071-0590-49C8-8DB3-AC4469FA6D8E}" destId="{B0ECC027-BB73-4B97-833E-D9FE484E0C2E}" srcOrd="21" destOrd="0" presId="urn:microsoft.com/office/officeart/2008/layout/LinedList"/>
-    <dgm:cxn modelId="{3A352EE2-2CFA-4FC2-AF17-5C6B078CAA2F}" type="presParOf" srcId="{372F2071-0590-49C8-8DB3-AC4469FA6D8E}" destId="{2F835CC6-C3FF-4F63-A8A2-DCDCE0DE3F0B}" srcOrd="22" destOrd="0" presId="urn:microsoft.com/office/officeart/2008/layout/LinedList"/>
-    <dgm:cxn modelId="{2F7F088F-620E-42DF-86C9-9D9978177624}" type="presParOf" srcId="{2F835CC6-C3FF-4F63-A8A2-DCDCE0DE3F0B}" destId="{A028B4B4-FC93-4F0B-9C1D-AAD6BFAAEB4A}" srcOrd="0" destOrd="0" presId="urn:microsoft.com/office/officeart/2008/layout/LinedList"/>
-    <dgm:cxn modelId="{A6420B22-B54E-4F29-94C1-2094EA9A8BCC}" type="presParOf" srcId="{2F835CC6-C3FF-4F63-A8A2-DCDCE0DE3F0B}" destId="{837016B3-1026-4AFB-866E-6995D278B1A4}" srcOrd="1" destOrd="0" presId="urn:microsoft.com/office/officeart/2008/layout/LinedList"/>
-    <dgm:cxn modelId="{9E633A28-A80D-4AAE-BB49-1C6F572EB9A3}" type="presParOf" srcId="{2F835CC6-C3FF-4F63-A8A2-DCDCE0DE3F0B}" destId="{D2223C9E-3535-44F2-B248-A224764A6CE5}" srcOrd="2" destOrd="0" presId="urn:microsoft.com/office/officeart/2008/layout/LinedList"/>
-    <dgm:cxn modelId="{108E6325-53BC-4B46-A9AE-4B0D25F31EE8}" type="presParOf" srcId="{372F2071-0590-49C8-8DB3-AC4469FA6D8E}" destId="{224BF24D-C722-4C6E-9148-7DB4015B6BAA}" srcOrd="23" destOrd="0" presId="urn:microsoft.com/office/officeart/2008/layout/LinedList"/>
-    <dgm:cxn modelId="{0AE6A26C-5207-4B3E-B7DA-166700540EF3}" type="presParOf" srcId="{372F2071-0590-49C8-8DB3-AC4469FA6D8E}" destId="{F5499B7F-76D5-4727-9833-B8A8D1535669}" srcOrd="24" destOrd="0" presId="urn:microsoft.com/office/officeart/2008/layout/LinedList"/>
-    <dgm:cxn modelId="{CFB43834-B678-4ACF-9899-95BFBAC4B0AF}" type="presParOf" srcId="{372F2071-0590-49C8-8DB3-AC4469FA6D8E}" destId="{82AF48C9-7DC6-4A7C-A295-D84AEF0D4BB2}" srcOrd="25" destOrd="0" presId="urn:microsoft.com/office/officeart/2008/layout/LinedList"/>
-    <dgm:cxn modelId="{9EBBE50F-BFBD-4C98-BBC6-4143495535C9}" type="presParOf" srcId="{82AF48C9-7DC6-4A7C-A295-D84AEF0D4BB2}" destId="{B7882F01-EDA7-4CC4-88AA-E8B79F1FB33B}" srcOrd="0" destOrd="0" presId="urn:microsoft.com/office/officeart/2008/layout/LinedList"/>
-    <dgm:cxn modelId="{9F8CF9A7-52B6-445F-84FB-319EA3A0F2BE}" type="presParOf" srcId="{82AF48C9-7DC6-4A7C-A295-D84AEF0D4BB2}" destId="{106C7E19-67CA-4D91-926A-65BFC93BDF72}" srcOrd="1" destOrd="0" presId="urn:microsoft.com/office/officeart/2008/layout/LinedList"/>
-    <dgm:cxn modelId="{11A6DFF6-C3B7-44BD-81F7-21DBDB6C8199}" type="presParOf" srcId="{82AF48C9-7DC6-4A7C-A295-D84AEF0D4BB2}" destId="{C9B71708-6D2C-42F2-AA56-D51855B6FA6A}" srcOrd="2" destOrd="0" presId="urn:microsoft.com/office/officeart/2008/layout/LinedList"/>
-    <dgm:cxn modelId="{9DCD19CF-0297-4BC4-A74B-66E03FA2DAE0}" type="presParOf" srcId="{372F2071-0590-49C8-8DB3-AC4469FA6D8E}" destId="{AA6CC308-8A4F-4654-964D-8EAC30A17B04}" srcOrd="26" destOrd="0" presId="urn:microsoft.com/office/officeart/2008/layout/LinedList"/>
-    <dgm:cxn modelId="{6BFD1448-0BCC-4477-8F20-6422723C3D7A}" type="presParOf" srcId="{372F2071-0590-49C8-8DB3-AC4469FA6D8E}" destId="{3B584D1C-BF65-497E-8EFD-A9DAF0D383B9}" srcOrd="27" destOrd="0" presId="urn:microsoft.com/office/officeart/2008/layout/LinedList"/>
+    <dgm:cxn modelId="{BC05992B-1A60-41A2-8A42-E8C2DAD4FE12}" type="presParOf" srcId="{372F2071-0590-49C8-8DB3-AC4469FA6D8E}" destId="{7D3D43ED-55C5-411B-973D-191D32BDBC6F}" srcOrd="0" destOrd="0" presId="urn:microsoft.com/office/officeart/2008/layout/LinedList"/>
+    <dgm:cxn modelId="{30C84175-5A0D-4188-97D6-357F07CF7FDE}" type="presParOf" srcId="{372F2071-0590-49C8-8DB3-AC4469FA6D8E}" destId="{5EF67C11-B0BB-4EF3-BCEE-C99917558602}" srcOrd="1" destOrd="0" presId="urn:microsoft.com/office/officeart/2008/layout/LinedList"/>
+    <dgm:cxn modelId="{F561EEC0-3CC6-482B-924F-E43D80539B90}" type="presParOf" srcId="{5EF67C11-B0BB-4EF3-BCEE-C99917558602}" destId="{C4A8030C-BD63-4001-8BBE-2CC9C7A1CF5B}" srcOrd="0" destOrd="0" presId="urn:microsoft.com/office/officeart/2008/layout/LinedList"/>
+    <dgm:cxn modelId="{2785F195-4DF7-490E-AE01-0E9B77D7504E}" type="presParOf" srcId="{5EF67C11-B0BB-4EF3-BCEE-C99917558602}" destId="{22205F5C-9165-40B8-A9B2-A25F9A0E041C}" srcOrd="1" destOrd="0" presId="urn:microsoft.com/office/officeart/2008/layout/LinedList"/>
+    <dgm:cxn modelId="{7ED187AF-8450-4594-B358-1C6467D8D5EC}" type="presParOf" srcId="{5EF67C11-B0BB-4EF3-BCEE-C99917558602}" destId="{6F23060F-2533-4FCB-BB59-E8E0746AF763}" srcOrd="2" destOrd="0" presId="urn:microsoft.com/office/officeart/2008/layout/LinedList"/>
+    <dgm:cxn modelId="{55C6E56D-85F0-42A8-9C93-5F0E298E190C}" type="presParOf" srcId="{372F2071-0590-49C8-8DB3-AC4469FA6D8E}" destId="{33199996-D89F-4853-9974-58AEB27FC4AD}" srcOrd="2" destOrd="0" presId="urn:microsoft.com/office/officeart/2008/layout/LinedList"/>
+    <dgm:cxn modelId="{CC0BAE69-B172-431E-9653-A1292E3514BF}" type="presParOf" srcId="{372F2071-0590-49C8-8DB3-AC4469FA6D8E}" destId="{536DB119-9001-4CDB-90DF-C6B9A77D0C77}" srcOrd="3" destOrd="0" presId="urn:microsoft.com/office/officeart/2008/layout/LinedList"/>
+    <dgm:cxn modelId="{F4C598CD-FF2E-45FA-B324-44387B9EE48F}" type="presParOf" srcId="{372F2071-0590-49C8-8DB3-AC4469FA6D8E}" destId="{122DAB6F-D9D2-42AA-A8AD-C69808ADB500}" srcOrd="4" destOrd="0" presId="urn:microsoft.com/office/officeart/2008/layout/LinedList"/>
+    <dgm:cxn modelId="{3CE13DF8-B82C-43C4-9B53-02FFFE80850A}" type="presParOf" srcId="{122DAB6F-D9D2-42AA-A8AD-C69808ADB500}" destId="{379A80CD-86CF-43EF-B8E5-68C77C6B2A98}" srcOrd="0" destOrd="0" presId="urn:microsoft.com/office/officeart/2008/layout/LinedList"/>
+    <dgm:cxn modelId="{C187BF2F-585F-4251-81F7-FC4B094A5E29}" type="presParOf" srcId="{122DAB6F-D9D2-42AA-A8AD-C69808ADB500}" destId="{C8313F8F-2DB5-4FFF-890E-CE31A78248A0}" srcOrd="1" destOrd="0" presId="urn:microsoft.com/office/officeart/2008/layout/LinedList"/>
+    <dgm:cxn modelId="{6BA9B213-7E6A-41C7-BF1B-4C5441223FC8}" type="presParOf" srcId="{122DAB6F-D9D2-42AA-A8AD-C69808ADB500}" destId="{1D7D4EE0-8ADF-434C-B1AA-254E57F8AFE7}" srcOrd="2" destOrd="0" presId="urn:microsoft.com/office/officeart/2008/layout/LinedList"/>
+    <dgm:cxn modelId="{DA4A430E-74F0-4F1C-966A-5A043550FD30}" type="presParOf" srcId="{372F2071-0590-49C8-8DB3-AC4469FA6D8E}" destId="{7F5ED483-2DF3-4FD9-AD56-0A24396CCCC0}" srcOrd="5" destOrd="0" presId="urn:microsoft.com/office/officeart/2008/layout/LinedList"/>
+    <dgm:cxn modelId="{748B0B5B-057D-4937-AE1A-6688A194EE94}" type="presParOf" srcId="{372F2071-0590-49C8-8DB3-AC4469FA6D8E}" destId="{A420D2CE-C0D9-4183-813F-60BA8C9700B0}" srcOrd="6" destOrd="0" presId="urn:microsoft.com/office/officeart/2008/layout/LinedList"/>
+    <dgm:cxn modelId="{D2F4C658-F5CA-4D55-802E-AE25EE510055}" type="presParOf" srcId="{372F2071-0590-49C8-8DB3-AC4469FA6D8E}" destId="{0294850C-4F33-48AE-BD17-2509B82897FE}" srcOrd="7" destOrd="0" presId="urn:microsoft.com/office/officeart/2008/layout/LinedList"/>
+    <dgm:cxn modelId="{D15CEDF6-FF7F-48D1-8327-12815ABFB25C}" type="presParOf" srcId="{0294850C-4F33-48AE-BD17-2509B82897FE}" destId="{632B7450-0253-4852-8154-9EB66DE1D040}" srcOrd="0" destOrd="0" presId="urn:microsoft.com/office/officeart/2008/layout/LinedList"/>
+    <dgm:cxn modelId="{216083F9-9207-4A3A-B56C-D2B977F73ABF}" type="presParOf" srcId="{0294850C-4F33-48AE-BD17-2509B82897FE}" destId="{E254E987-AE24-4042-B1AB-07C195B2C9BC}" srcOrd="1" destOrd="0" presId="urn:microsoft.com/office/officeart/2008/layout/LinedList"/>
+    <dgm:cxn modelId="{B4FB9F1E-A937-4345-8606-2AD194BB0F79}" type="presParOf" srcId="{0294850C-4F33-48AE-BD17-2509B82897FE}" destId="{1C648BE2-8F72-4763-BE03-6C1DD23CF5DE}" srcOrd="2" destOrd="0" presId="urn:microsoft.com/office/officeart/2008/layout/LinedList"/>
+    <dgm:cxn modelId="{74E3C974-8E8F-40CC-9417-F0F03ED12B36}" type="presParOf" srcId="{372F2071-0590-49C8-8DB3-AC4469FA6D8E}" destId="{E6A09FB3-F5F7-4571-8286-DFAD1A5CBFF8}" srcOrd="8" destOrd="0" presId="urn:microsoft.com/office/officeart/2008/layout/LinedList"/>
+    <dgm:cxn modelId="{489BBB56-40EF-443C-B4E2-740DC66D01E2}" type="presParOf" srcId="{372F2071-0590-49C8-8DB3-AC4469FA6D8E}" destId="{BD4F953A-369A-4ECC-AE5D-40D665905E0E}" srcOrd="9" destOrd="0" presId="urn:microsoft.com/office/officeart/2008/layout/LinedList"/>
+    <dgm:cxn modelId="{56459F88-3966-41C3-A16E-3F6AF856E5E9}" type="presParOf" srcId="{372F2071-0590-49C8-8DB3-AC4469FA6D8E}" destId="{93ADFC74-255A-4553-AAD6-3C35CE0C5DC6}" srcOrd="10" destOrd="0" presId="urn:microsoft.com/office/officeart/2008/layout/LinedList"/>
+    <dgm:cxn modelId="{957A4EBB-C008-4982-AEBE-B1825E08B12D}" type="presParOf" srcId="{93ADFC74-255A-4553-AAD6-3C35CE0C5DC6}" destId="{1D0E86EE-953F-4285-BDAF-612F36A3FAE2}" srcOrd="0" destOrd="0" presId="urn:microsoft.com/office/officeart/2008/layout/LinedList"/>
+    <dgm:cxn modelId="{7E0B2A65-EB6E-49C6-A556-D2885FDDFE19}" type="presParOf" srcId="{93ADFC74-255A-4553-AAD6-3C35CE0C5DC6}" destId="{5F2A2ABB-6790-4759-8785-EA57CECB3C65}" srcOrd="1" destOrd="0" presId="urn:microsoft.com/office/officeart/2008/layout/LinedList"/>
+    <dgm:cxn modelId="{3054D4EF-AEEC-4FA0-9001-3BDFA14C8EB1}" type="presParOf" srcId="{93ADFC74-255A-4553-AAD6-3C35CE0C5DC6}" destId="{76521FE4-ED88-4EF1-8C07-24BF71E0DA59}" srcOrd="2" destOrd="0" presId="urn:microsoft.com/office/officeart/2008/layout/LinedList"/>
+    <dgm:cxn modelId="{08A28463-95CC-4DE4-8BA4-55FA94A4B1F8}" type="presParOf" srcId="{372F2071-0590-49C8-8DB3-AC4469FA6D8E}" destId="{D19571A0-F548-4657-9D2F-3AAD04710F24}" srcOrd="11" destOrd="0" presId="urn:microsoft.com/office/officeart/2008/layout/LinedList"/>
+    <dgm:cxn modelId="{8FBC293B-7FD7-4474-AD94-153A1DBE294E}" type="presParOf" srcId="{372F2071-0590-49C8-8DB3-AC4469FA6D8E}" destId="{4A994A20-4BBB-4597-81D6-E3AAB0B8DED6}" srcOrd="12" destOrd="0" presId="urn:microsoft.com/office/officeart/2008/layout/LinedList"/>
+    <dgm:cxn modelId="{1DE1AC1F-6613-47D0-B0BE-495BF1721E0B}" type="presParOf" srcId="{372F2071-0590-49C8-8DB3-AC4469FA6D8E}" destId="{8A1C9A0F-4536-4CF6-8D50-903647842550}" srcOrd="13" destOrd="0" presId="urn:microsoft.com/office/officeart/2008/layout/LinedList"/>
+    <dgm:cxn modelId="{CB291B18-2032-409E-B0C6-E3B70E62C87C}" type="presParOf" srcId="{8A1C9A0F-4536-4CF6-8D50-903647842550}" destId="{F7A3E1E3-85ED-40AD-9B11-D5B13CB15146}" srcOrd="0" destOrd="0" presId="urn:microsoft.com/office/officeart/2008/layout/LinedList"/>
+    <dgm:cxn modelId="{F1D637B0-B03D-43E3-9917-80B0EB410ABA}" type="presParOf" srcId="{8A1C9A0F-4536-4CF6-8D50-903647842550}" destId="{7C8B32AC-9AD2-4A4B-B7F0-0FD827F1C164}" srcOrd="1" destOrd="0" presId="urn:microsoft.com/office/officeart/2008/layout/LinedList"/>
+    <dgm:cxn modelId="{5414FA4D-4CAC-4CA1-AA86-18920A203F8B}" type="presParOf" srcId="{8A1C9A0F-4536-4CF6-8D50-903647842550}" destId="{ABCB62EA-7DFC-4050-9C20-FEA511264BA6}" srcOrd="2" destOrd="0" presId="urn:microsoft.com/office/officeart/2008/layout/LinedList"/>
+    <dgm:cxn modelId="{40C1AA95-81BC-492F-B28D-7D0A55251DCD}" type="presParOf" srcId="{372F2071-0590-49C8-8DB3-AC4469FA6D8E}" destId="{A6A96DD3-CA53-4E34-B4FD-C0838257687A}" srcOrd="14" destOrd="0" presId="urn:microsoft.com/office/officeart/2008/layout/LinedList"/>
+    <dgm:cxn modelId="{3CABF761-EC87-4CE1-9098-8EC77A9BD03D}" type="presParOf" srcId="{372F2071-0590-49C8-8DB3-AC4469FA6D8E}" destId="{C49BE313-F66A-42C0-9FC5-899945022597}" srcOrd="15" destOrd="0" presId="urn:microsoft.com/office/officeart/2008/layout/LinedList"/>
+    <dgm:cxn modelId="{BDE0CEDE-5977-49C3-8796-D0DA08F02AD0}" type="presParOf" srcId="{372F2071-0590-49C8-8DB3-AC4469FA6D8E}" destId="{0A4277B1-1C59-4D23-AADD-3B808B5C0FBF}" srcOrd="16" destOrd="0" presId="urn:microsoft.com/office/officeart/2008/layout/LinedList"/>
+    <dgm:cxn modelId="{100BE902-E2A5-4DBB-B3C6-584D8A98FC4E}" type="presParOf" srcId="{0A4277B1-1C59-4D23-AADD-3B808B5C0FBF}" destId="{B5295D38-E6C3-4212-BBB4-53B7684ADB0B}" srcOrd="0" destOrd="0" presId="urn:microsoft.com/office/officeart/2008/layout/LinedList"/>
+    <dgm:cxn modelId="{0E56C204-35EC-458A-B9AD-D47C33417B31}" type="presParOf" srcId="{0A4277B1-1C59-4D23-AADD-3B808B5C0FBF}" destId="{D3D740F1-5D07-4705-A1B2-01D0E801A2A9}" srcOrd="1" destOrd="0" presId="urn:microsoft.com/office/officeart/2008/layout/LinedList"/>
+    <dgm:cxn modelId="{8C277E1C-8674-4E0D-BB2A-674FE8A0A183}" type="presParOf" srcId="{0A4277B1-1C59-4D23-AADD-3B808B5C0FBF}" destId="{2BC11608-D5ED-4548-87EA-1680FE1D91F4}" srcOrd="2" destOrd="0" presId="urn:microsoft.com/office/officeart/2008/layout/LinedList"/>
+    <dgm:cxn modelId="{F7D68EAF-DC27-4278-A101-B82EECE9434B}" type="presParOf" srcId="{372F2071-0590-49C8-8DB3-AC4469FA6D8E}" destId="{EC33200B-C557-4DD7-86BC-A697236600AB}" srcOrd="17" destOrd="0" presId="urn:microsoft.com/office/officeart/2008/layout/LinedList"/>
+    <dgm:cxn modelId="{F16991A9-75F4-4AC4-A6F8-27F72ACFAF3D}" type="presParOf" srcId="{372F2071-0590-49C8-8DB3-AC4469FA6D8E}" destId="{4912A34E-DD95-4330-961E-209447B79CD3}" srcOrd="18" destOrd="0" presId="urn:microsoft.com/office/officeart/2008/layout/LinedList"/>
+    <dgm:cxn modelId="{DC068927-C861-4714-8E77-13F06ED15D3A}" type="presParOf" srcId="{372F2071-0590-49C8-8DB3-AC4469FA6D8E}" destId="{1CD4C4E6-CBE0-44F7-B769-01416C67AD47}" srcOrd="19" destOrd="0" presId="urn:microsoft.com/office/officeart/2008/layout/LinedList"/>
+    <dgm:cxn modelId="{8DEC3467-13DD-4675-8D77-30C01ADCBE5E}" type="presParOf" srcId="{1CD4C4E6-CBE0-44F7-B769-01416C67AD47}" destId="{3E453483-109E-4D13-AFD6-9322F7CE416D}" srcOrd="0" destOrd="0" presId="urn:microsoft.com/office/officeart/2008/layout/LinedList"/>
+    <dgm:cxn modelId="{1E9BD7C7-D060-43F5-9F1F-7DBE0DE0DF92}" type="presParOf" srcId="{1CD4C4E6-CBE0-44F7-B769-01416C67AD47}" destId="{44C3FE10-F8A1-4468-B8E9-1E1CF951DDF4}" srcOrd="1" destOrd="0" presId="urn:microsoft.com/office/officeart/2008/layout/LinedList"/>
+    <dgm:cxn modelId="{527E4175-520B-4C18-97C8-025C02A9C644}" type="presParOf" srcId="{1CD4C4E6-CBE0-44F7-B769-01416C67AD47}" destId="{596DFCFB-E3A5-4485-9451-55DCA302FB61}" srcOrd="2" destOrd="0" presId="urn:microsoft.com/office/officeart/2008/layout/LinedList"/>
+    <dgm:cxn modelId="{ED0AF469-EF60-4F58-B120-CD733E351A33}" type="presParOf" srcId="{372F2071-0590-49C8-8DB3-AC4469FA6D8E}" destId="{5C1CC8F6-A253-462F-A41E-7770C16852C3}" srcOrd="20" destOrd="0" presId="urn:microsoft.com/office/officeart/2008/layout/LinedList"/>
+    <dgm:cxn modelId="{3B2675FB-D5DE-4075-A090-7CA05164262E}" type="presParOf" srcId="{372F2071-0590-49C8-8DB3-AC4469FA6D8E}" destId="{B0ECC027-BB73-4B97-833E-D9FE484E0C2E}" srcOrd="21" destOrd="0" presId="urn:microsoft.com/office/officeart/2008/layout/LinedList"/>
+    <dgm:cxn modelId="{23D76A5B-351F-4FF4-8941-8751B7693190}" type="presParOf" srcId="{372F2071-0590-49C8-8DB3-AC4469FA6D8E}" destId="{2F835CC6-C3FF-4F63-A8A2-DCDCE0DE3F0B}" srcOrd="22" destOrd="0" presId="urn:microsoft.com/office/officeart/2008/layout/LinedList"/>
+    <dgm:cxn modelId="{FA574CA3-26F1-472E-AE6F-FFCF20ABE739}" type="presParOf" srcId="{2F835CC6-C3FF-4F63-A8A2-DCDCE0DE3F0B}" destId="{A028B4B4-FC93-4F0B-9C1D-AAD6BFAAEB4A}" srcOrd="0" destOrd="0" presId="urn:microsoft.com/office/officeart/2008/layout/LinedList"/>
+    <dgm:cxn modelId="{C5544D6C-8A16-4BB1-BB7B-7EBBAFDAC306}" type="presParOf" srcId="{2F835CC6-C3FF-4F63-A8A2-DCDCE0DE3F0B}" destId="{837016B3-1026-4AFB-866E-6995D278B1A4}" srcOrd="1" destOrd="0" presId="urn:microsoft.com/office/officeart/2008/layout/LinedList"/>
+    <dgm:cxn modelId="{E39EB156-F77E-4258-B09E-498331D15607}" type="presParOf" srcId="{2F835CC6-C3FF-4F63-A8A2-DCDCE0DE3F0B}" destId="{D2223C9E-3535-44F2-B248-A224764A6CE5}" srcOrd="2" destOrd="0" presId="urn:microsoft.com/office/officeart/2008/layout/LinedList"/>
+    <dgm:cxn modelId="{E9E81B3A-F3F5-4106-9852-8FAE4C4DFDD0}" type="presParOf" srcId="{372F2071-0590-49C8-8DB3-AC4469FA6D8E}" destId="{224BF24D-C722-4C6E-9148-7DB4015B6BAA}" srcOrd="23" destOrd="0" presId="urn:microsoft.com/office/officeart/2008/layout/LinedList"/>
+    <dgm:cxn modelId="{86F80438-EDBD-4DF9-83BC-427A7C285D43}" type="presParOf" srcId="{372F2071-0590-49C8-8DB3-AC4469FA6D8E}" destId="{F5499B7F-76D5-4727-9833-B8A8D1535669}" srcOrd="24" destOrd="0" presId="urn:microsoft.com/office/officeart/2008/layout/LinedList"/>
+    <dgm:cxn modelId="{D4241674-4094-4A50-A4D2-9E21764164EA}" type="presParOf" srcId="{372F2071-0590-49C8-8DB3-AC4469FA6D8E}" destId="{82AF48C9-7DC6-4A7C-A295-D84AEF0D4BB2}" srcOrd="25" destOrd="0" presId="urn:microsoft.com/office/officeart/2008/layout/LinedList"/>
+    <dgm:cxn modelId="{F31DBAAF-4082-443B-AA7D-FBCB30449C22}" type="presParOf" srcId="{82AF48C9-7DC6-4A7C-A295-D84AEF0D4BB2}" destId="{B7882F01-EDA7-4CC4-88AA-E8B79F1FB33B}" srcOrd="0" destOrd="0" presId="urn:microsoft.com/office/officeart/2008/layout/LinedList"/>
+    <dgm:cxn modelId="{9D293B4E-0AB1-4EF8-A132-F0EF77416B9E}" type="presParOf" srcId="{82AF48C9-7DC6-4A7C-A295-D84AEF0D4BB2}" destId="{106C7E19-67CA-4D91-926A-65BFC93BDF72}" srcOrd="1" destOrd="0" presId="urn:microsoft.com/office/officeart/2008/layout/LinedList"/>
+    <dgm:cxn modelId="{2B7231A3-AA8A-44DD-9426-9A59785C8C6D}" type="presParOf" srcId="{82AF48C9-7DC6-4A7C-A295-D84AEF0D4BB2}" destId="{C9B71708-6D2C-42F2-AA56-D51855B6FA6A}" srcOrd="2" destOrd="0" presId="urn:microsoft.com/office/officeart/2008/layout/LinedList"/>
+    <dgm:cxn modelId="{9135A748-107A-45B3-B547-7763B5214D6A}" type="presParOf" srcId="{372F2071-0590-49C8-8DB3-AC4469FA6D8E}" destId="{AA6CC308-8A4F-4654-964D-8EAC30A17B04}" srcOrd="26" destOrd="0" presId="urn:microsoft.com/office/officeart/2008/layout/LinedList"/>
+    <dgm:cxn modelId="{65F58C1B-3BEB-4AF2-81D8-C4776EECCBBB}" type="presParOf" srcId="{372F2071-0590-49C8-8DB3-AC4469FA6D8E}" destId="{3B584D1C-BF65-497E-8EFD-A9DAF0D383B9}" srcOrd="27" destOrd="0" presId="urn:microsoft.com/office/officeart/2008/layout/LinedList"/>
   </dgm:cxnLst>
   <dgm:bg/>
   <dgm:whole/>
@@ -4461,7 +3156,7 @@
 </dgm:dataModel>
 </file>
 
-<file path=ppt/diagrams/data3.xml><?xml version="1.0" encoding="utf-8"?>
+<file path=ppt/diagrams/data2.xml><?xml version="1.0" encoding="utf-8"?>
 <dgm:dataModel xmlns:dgm="http://schemas.openxmlformats.org/drawingml/2006/diagram" xmlns:a="http://schemas.openxmlformats.org/drawingml/2006/main">
   <dgm:ptLst>
     <dgm:pt modelId="{4951DA98-8EE9-4A31-8A4F-B3DAECAB4270}" type="doc">
@@ -4698,7 +3393,7 @@
 </dgm:dataModel>
 </file>
 
-<file path=ppt/diagrams/data4.xml><?xml version="1.0" encoding="utf-8"?>
+<file path=ppt/diagrams/data3.xml><?xml version="1.0" encoding="utf-8"?>
 <dgm:dataModel xmlns:dgm="http://schemas.openxmlformats.org/drawingml/2006/diagram" xmlns:a="http://schemas.openxmlformats.org/drawingml/2006/main">
   <dgm:ptLst>
     <dgm:pt modelId="{0BAEF476-5661-4D26-8CE1-487E9F39C369}" type="doc">
@@ -4961,789 +3656,6 @@
 </file>
 
 <file path=ppt/diagrams/drawing1.xml><?xml version="1.0" encoding="utf-8"?>
-<dsp:drawing xmlns:dgm="http://schemas.openxmlformats.org/drawingml/2006/diagram" xmlns:dsp="http://schemas.microsoft.com/office/drawing/2008/diagram" xmlns:a="http://schemas.openxmlformats.org/drawingml/2006/main">
-  <dsp:spTree>
-    <dsp:nvGrpSpPr>
-      <dsp:cNvPr id="0" name=""/>
-      <dsp:cNvGrpSpPr/>
-    </dsp:nvGrpSpPr>
-    <dsp:grpSpPr/>
-    <dsp:sp modelId="{AFEE8ABF-DDA1-4617-B758-01F958405E7B}">
-      <dsp:nvSpPr>
-        <dsp:cNvPr id="0" name=""/>
-        <dsp:cNvSpPr/>
-      </dsp:nvSpPr>
-      <dsp:spPr>
-        <a:xfrm>
-          <a:off x="0" y="379174"/>
-          <a:ext cx="5861090" cy="504000"/>
-        </a:xfrm>
-        <a:prstGeom prst="rect">
-          <a:avLst/>
-        </a:prstGeom>
-        <a:solidFill>
-          <a:schemeClr val="lt1">
-            <a:alpha val="90000"/>
-            <a:hueOff val="0"/>
-            <a:satOff val="0"/>
-            <a:lumOff val="0"/>
-            <a:alphaOff val="0"/>
-          </a:schemeClr>
-        </a:solidFill>
-        <a:ln w="25400" cap="flat" cmpd="sng" algn="ctr">
-          <a:solidFill>
-            <a:schemeClr val="accent2">
-              <a:hueOff val="0"/>
-              <a:satOff val="0"/>
-              <a:lumOff val="0"/>
-              <a:alphaOff val="0"/>
-            </a:schemeClr>
-          </a:solidFill>
-          <a:prstDash val="solid"/>
-        </a:ln>
-        <a:effectLst/>
-      </dsp:spPr>
-      <dsp:style>
-        <a:lnRef idx="2">
-          <a:scrgbClr r="0" g="0" b="0"/>
-        </a:lnRef>
-        <a:fillRef idx="1">
-          <a:scrgbClr r="0" g="0" b="0"/>
-        </a:fillRef>
-        <a:effectRef idx="0">
-          <a:scrgbClr r="0" g="0" b="0"/>
-        </a:effectRef>
-        <a:fontRef idx="minor"/>
-      </dsp:style>
-    </dsp:sp>
-    <dsp:sp modelId="{64828631-2DAE-4782-9567-78ABF8C092F9}">
-      <dsp:nvSpPr>
-        <dsp:cNvPr id="0" name=""/>
-        <dsp:cNvSpPr/>
-      </dsp:nvSpPr>
-      <dsp:spPr>
-        <a:xfrm>
-          <a:off x="293054" y="83974"/>
-          <a:ext cx="4102763" cy="590400"/>
-        </a:xfrm>
-        <a:prstGeom prst="roundRect">
-          <a:avLst/>
-        </a:prstGeom>
-        <a:solidFill>
-          <a:schemeClr val="accent2">
-            <a:hueOff val="0"/>
-            <a:satOff val="0"/>
-            <a:lumOff val="0"/>
-            <a:alphaOff val="0"/>
-          </a:schemeClr>
-        </a:solidFill>
-        <a:ln w="25400" cap="flat" cmpd="sng" algn="ctr">
-          <a:solidFill>
-            <a:schemeClr val="lt1">
-              <a:hueOff val="0"/>
-              <a:satOff val="0"/>
-              <a:lumOff val="0"/>
-              <a:alphaOff val="0"/>
-            </a:schemeClr>
-          </a:solidFill>
-          <a:prstDash val="solid"/>
-        </a:ln>
-        <a:effectLst/>
-      </dsp:spPr>
-      <dsp:style>
-        <a:lnRef idx="2">
-          <a:scrgbClr r="0" g="0" b="0"/>
-        </a:lnRef>
-        <a:fillRef idx="1">
-          <a:scrgbClr r="0" g="0" b="0"/>
-        </a:fillRef>
-        <a:effectRef idx="0">
-          <a:scrgbClr r="0" g="0" b="0"/>
-        </a:effectRef>
-        <a:fontRef idx="minor">
-          <a:schemeClr val="lt1"/>
-        </a:fontRef>
-      </dsp:style>
-      <dsp:txBody>
-        <a:bodyPr spcFirstLastPara="0" vert="horz" wrap="square" lIns="155075" tIns="0" rIns="155075" bIns="0" numCol="1" spcCol="1270" anchor="ctr" anchorCtr="0">
-          <a:noAutofit/>
-        </a:bodyPr>
-        <a:lstStyle/>
-        <a:p>
-          <a:pPr marL="0" lvl="0" indent="0" algn="l" defTabSz="889000" rtl="0">
-            <a:lnSpc>
-              <a:spcPct val="90000"/>
-            </a:lnSpc>
-            <a:spcBef>
-              <a:spcPct val="0"/>
-            </a:spcBef>
-            <a:spcAft>
-              <a:spcPct val="35000"/>
-            </a:spcAft>
-            <a:buNone/>
-          </a:pPr>
-          <a:r>
-            <a:rPr lang="en-US" sz="2000" kern="1200" dirty="0"/>
-            <a:t>Sylvanus Jedidiah</a:t>
-          </a:r>
-          <a:r>
-            <a:rPr lang="en-US" sz="2000" kern="1200" dirty="0">
-              <a:latin typeface="Calibri"/>
-            </a:rPr>
-            <a:t> </a:t>
-          </a:r>
-          <a:r>
-            <a:rPr lang="en-US" sz="2000" kern="1200" dirty="0" err="1">
-              <a:latin typeface="Calibri"/>
-            </a:rPr>
-            <a:t>Sobomabo</a:t>
-          </a:r>
-          <a:endParaRPr lang="en-US" sz="2000" kern="1200" dirty="0" err="1"/>
-        </a:p>
-      </dsp:txBody>
-      <dsp:txXfrm>
-        <a:off x="321875" y="112795"/>
-        <a:ext cx="4045121" cy="532758"/>
-      </dsp:txXfrm>
-    </dsp:sp>
-    <dsp:sp modelId="{0889566A-2133-41C3-8774-9E28E80D9DDA}">
-      <dsp:nvSpPr>
-        <dsp:cNvPr id="0" name=""/>
-        <dsp:cNvSpPr/>
-      </dsp:nvSpPr>
-      <dsp:spPr>
-        <a:xfrm>
-          <a:off x="0" y="1286374"/>
-          <a:ext cx="5861090" cy="504000"/>
-        </a:xfrm>
-        <a:prstGeom prst="rect">
-          <a:avLst/>
-        </a:prstGeom>
-        <a:solidFill>
-          <a:schemeClr val="lt1">
-            <a:alpha val="90000"/>
-            <a:hueOff val="0"/>
-            <a:satOff val="0"/>
-            <a:lumOff val="0"/>
-            <a:alphaOff val="0"/>
-          </a:schemeClr>
-        </a:solidFill>
-        <a:ln w="25400" cap="flat" cmpd="sng" algn="ctr">
-          <a:solidFill>
-            <a:schemeClr val="accent2">
-              <a:hueOff val="936304"/>
-              <a:satOff val="-1168"/>
-              <a:lumOff val="275"/>
-              <a:alphaOff val="0"/>
-            </a:schemeClr>
-          </a:solidFill>
-          <a:prstDash val="solid"/>
-        </a:ln>
-        <a:effectLst/>
-      </dsp:spPr>
-      <dsp:style>
-        <a:lnRef idx="2">
-          <a:scrgbClr r="0" g="0" b="0"/>
-        </a:lnRef>
-        <a:fillRef idx="1">
-          <a:scrgbClr r="0" g="0" b="0"/>
-        </a:fillRef>
-        <a:effectRef idx="0">
-          <a:scrgbClr r="0" g="0" b="0"/>
-        </a:effectRef>
-        <a:fontRef idx="minor"/>
-      </dsp:style>
-    </dsp:sp>
-    <dsp:sp modelId="{337C3773-CD13-4830-8A29-37695928F4B4}">
-      <dsp:nvSpPr>
-        <dsp:cNvPr id="0" name=""/>
-        <dsp:cNvSpPr/>
-      </dsp:nvSpPr>
-      <dsp:spPr>
-        <a:xfrm>
-          <a:off x="293054" y="991175"/>
-          <a:ext cx="4102763" cy="590400"/>
-        </a:xfrm>
-        <a:prstGeom prst="roundRect">
-          <a:avLst/>
-        </a:prstGeom>
-        <a:solidFill>
-          <a:schemeClr val="accent2">
-            <a:hueOff val="936304"/>
-            <a:satOff val="-1168"/>
-            <a:lumOff val="275"/>
-            <a:alphaOff val="0"/>
-          </a:schemeClr>
-        </a:solidFill>
-        <a:ln w="25400" cap="flat" cmpd="sng" algn="ctr">
-          <a:solidFill>
-            <a:schemeClr val="lt1">
-              <a:hueOff val="0"/>
-              <a:satOff val="0"/>
-              <a:lumOff val="0"/>
-              <a:alphaOff val="0"/>
-            </a:schemeClr>
-          </a:solidFill>
-          <a:prstDash val="solid"/>
-        </a:ln>
-        <a:effectLst/>
-      </dsp:spPr>
-      <dsp:style>
-        <a:lnRef idx="2">
-          <a:scrgbClr r="0" g="0" b="0"/>
-        </a:lnRef>
-        <a:fillRef idx="1">
-          <a:scrgbClr r="0" g="0" b="0"/>
-        </a:fillRef>
-        <a:effectRef idx="0">
-          <a:scrgbClr r="0" g="0" b="0"/>
-        </a:effectRef>
-        <a:fontRef idx="minor">
-          <a:schemeClr val="lt1"/>
-        </a:fontRef>
-      </dsp:style>
-      <dsp:txBody>
-        <a:bodyPr spcFirstLastPara="0" vert="horz" wrap="square" lIns="155075" tIns="0" rIns="155075" bIns="0" numCol="1" spcCol="1270" anchor="ctr" anchorCtr="0">
-          <a:noAutofit/>
-        </a:bodyPr>
-        <a:lstStyle/>
-        <a:p>
-          <a:pPr marL="0" lvl="0" indent="0" algn="l" defTabSz="889000">
-            <a:lnSpc>
-              <a:spcPct val="90000"/>
-            </a:lnSpc>
-            <a:spcBef>
-              <a:spcPct val="0"/>
-            </a:spcBef>
-            <a:spcAft>
-              <a:spcPct val="35000"/>
-            </a:spcAft>
-            <a:buNone/>
-          </a:pPr>
-          <a:r>
-            <a:rPr lang="en-US" sz="2000" kern="1200" dirty="0"/>
-            <a:t>Yusuf Abdulhadi </a:t>
-          </a:r>
-        </a:p>
-      </dsp:txBody>
-      <dsp:txXfrm>
-        <a:off x="321875" y="1019996"/>
-        <a:ext cx="4045121" cy="532758"/>
-      </dsp:txXfrm>
-    </dsp:sp>
-    <dsp:sp modelId="{690802C0-92F3-463B-A12E-47AC23CF5D7B}">
-      <dsp:nvSpPr>
-        <dsp:cNvPr id="0" name=""/>
-        <dsp:cNvSpPr/>
-      </dsp:nvSpPr>
-      <dsp:spPr>
-        <a:xfrm>
-          <a:off x="0" y="2193575"/>
-          <a:ext cx="5861090" cy="504000"/>
-        </a:xfrm>
-        <a:prstGeom prst="rect">
-          <a:avLst/>
-        </a:prstGeom>
-        <a:solidFill>
-          <a:schemeClr val="lt1">
-            <a:alpha val="90000"/>
-            <a:hueOff val="0"/>
-            <a:satOff val="0"/>
-            <a:lumOff val="0"/>
-            <a:alphaOff val="0"/>
-          </a:schemeClr>
-        </a:solidFill>
-        <a:ln w="25400" cap="flat" cmpd="sng" algn="ctr">
-          <a:solidFill>
-            <a:schemeClr val="accent2">
-              <a:hueOff val="1872608"/>
-              <a:satOff val="-2336"/>
-              <a:lumOff val="549"/>
-              <a:alphaOff val="0"/>
-            </a:schemeClr>
-          </a:solidFill>
-          <a:prstDash val="solid"/>
-        </a:ln>
-        <a:effectLst/>
-      </dsp:spPr>
-      <dsp:style>
-        <a:lnRef idx="2">
-          <a:scrgbClr r="0" g="0" b="0"/>
-        </a:lnRef>
-        <a:fillRef idx="1">
-          <a:scrgbClr r="0" g="0" b="0"/>
-        </a:fillRef>
-        <a:effectRef idx="0">
-          <a:scrgbClr r="0" g="0" b="0"/>
-        </a:effectRef>
-        <a:fontRef idx="minor"/>
-      </dsp:style>
-    </dsp:sp>
-    <dsp:sp modelId="{C0B38668-2496-46AB-AA22-38103636FDFF}">
-      <dsp:nvSpPr>
-        <dsp:cNvPr id="0" name=""/>
-        <dsp:cNvSpPr/>
-      </dsp:nvSpPr>
-      <dsp:spPr>
-        <a:xfrm>
-          <a:off x="293054" y="1898375"/>
-          <a:ext cx="4102763" cy="590400"/>
-        </a:xfrm>
-        <a:prstGeom prst="roundRect">
-          <a:avLst/>
-        </a:prstGeom>
-        <a:solidFill>
-          <a:schemeClr val="accent2">
-            <a:hueOff val="1872608"/>
-            <a:satOff val="-2336"/>
-            <a:lumOff val="549"/>
-            <a:alphaOff val="0"/>
-          </a:schemeClr>
-        </a:solidFill>
-        <a:ln w="25400" cap="flat" cmpd="sng" algn="ctr">
-          <a:solidFill>
-            <a:schemeClr val="lt1">
-              <a:hueOff val="0"/>
-              <a:satOff val="0"/>
-              <a:lumOff val="0"/>
-              <a:alphaOff val="0"/>
-            </a:schemeClr>
-          </a:solidFill>
-          <a:prstDash val="solid"/>
-        </a:ln>
-        <a:effectLst/>
-      </dsp:spPr>
-      <dsp:style>
-        <a:lnRef idx="2">
-          <a:scrgbClr r="0" g="0" b="0"/>
-        </a:lnRef>
-        <a:fillRef idx="1">
-          <a:scrgbClr r="0" g="0" b="0"/>
-        </a:fillRef>
-        <a:effectRef idx="0">
-          <a:scrgbClr r="0" g="0" b="0"/>
-        </a:effectRef>
-        <a:fontRef idx="minor">
-          <a:schemeClr val="lt1"/>
-        </a:fontRef>
-      </dsp:style>
-      <dsp:txBody>
-        <a:bodyPr spcFirstLastPara="0" vert="horz" wrap="square" lIns="155075" tIns="0" rIns="155075" bIns="0" numCol="1" spcCol="1270" anchor="ctr" anchorCtr="0">
-          <a:noAutofit/>
-        </a:bodyPr>
-        <a:lstStyle/>
-        <a:p>
-          <a:pPr marL="0" lvl="0" indent="0" algn="l" defTabSz="889000">
-            <a:lnSpc>
-              <a:spcPct val="90000"/>
-            </a:lnSpc>
-            <a:spcBef>
-              <a:spcPct val="0"/>
-            </a:spcBef>
-            <a:spcAft>
-              <a:spcPct val="35000"/>
-            </a:spcAft>
-            <a:buNone/>
-          </a:pPr>
-          <a:r>
-            <a:rPr lang="en-US" sz="2000" kern="1200" dirty="0"/>
-            <a:t>Aisha Raji</a:t>
-          </a:r>
-        </a:p>
-      </dsp:txBody>
-      <dsp:txXfrm>
-        <a:off x="321875" y="1927196"/>
-        <a:ext cx="4045121" cy="532758"/>
-      </dsp:txXfrm>
-    </dsp:sp>
-    <dsp:sp modelId="{BEEA7E3F-DE2F-45A2-839A-C8D0965B7890}">
-      <dsp:nvSpPr>
-        <dsp:cNvPr id="0" name=""/>
-        <dsp:cNvSpPr/>
-      </dsp:nvSpPr>
-      <dsp:spPr>
-        <a:xfrm>
-          <a:off x="0" y="3100775"/>
-          <a:ext cx="5861090" cy="504000"/>
-        </a:xfrm>
-        <a:prstGeom prst="rect">
-          <a:avLst/>
-        </a:prstGeom>
-        <a:solidFill>
-          <a:schemeClr val="lt1">
-            <a:alpha val="90000"/>
-            <a:hueOff val="0"/>
-            <a:satOff val="0"/>
-            <a:lumOff val="0"/>
-            <a:alphaOff val="0"/>
-          </a:schemeClr>
-        </a:solidFill>
-        <a:ln w="25400" cap="flat" cmpd="sng" algn="ctr">
-          <a:solidFill>
-            <a:schemeClr val="accent2">
-              <a:hueOff val="2808911"/>
-              <a:satOff val="-3503"/>
-              <a:lumOff val="824"/>
-              <a:alphaOff val="0"/>
-            </a:schemeClr>
-          </a:solidFill>
-          <a:prstDash val="solid"/>
-        </a:ln>
-        <a:effectLst/>
-      </dsp:spPr>
-      <dsp:style>
-        <a:lnRef idx="2">
-          <a:scrgbClr r="0" g="0" b="0"/>
-        </a:lnRef>
-        <a:fillRef idx="1">
-          <a:scrgbClr r="0" g="0" b="0"/>
-        </a:fillRef>
-        <a:effectRef idx="0">
-          <a:scrgbClr r="0" g="0" b="0"/>
-        </a:effectRef>
-        <a:fontRef idx="minor"/>
-      </dsp:style>
-    </dsp:sp>
-    <dsp:sp modelId="{B9E99C37-418A-48D2-AF3F-4F5E2926284A}">
-      <dsp:nvSpPr>
-        <dsp:cNvPr id="0" name=""/>
-        <dsp:cNvSpPr/>
-      </dsp:nvSpPr>
-      <dsp:spPr>
-        <a:xfrm>
-          <a:off x="293054" y="2805575"/>
-          <a:ext cx="4102763" cy="590400"/>
-        </a:xfrm>
-        <a:prstGeom prst="roundRect">
-          <a:avLst/>
-        </a:prstGeom>
-        <a:solidFill>
-          <a:schemeClr val="accent2">
-            <a:hueOff val="2808911"/>
-            <a:satOff val="-3503"/>
-            <a:lumOff val="824"/>
-            <a:alphaOff val="0"/>
-          </a:schemeClr>
-        </a:solidFill>
-        <a:ln w="25400" cap="flat" cmpd="sng" algn="ctr">
-          <a:solidFill>
-            <a:schemeClr val="lt1">
-              <a:hueOff val="0"/>
-              <a:satOff val="0"/>
-              <a:lumOff val="0"/>
-              <a:alphaOff val="0"/>
-            </a:schemeClr>
-          </a:solidFill>
-          <a:prstDash val="solid"/>
-        </a:ln>
-        <a:effectLst/>
-      </dsp:spPr>
-      <dsp:style>
-        <a:lnRef idx="2">
-          <a:scrgbClr r="0" g="0" b="0"/>
-        </a:lnRef>
-        <a:fillRef idx="1">
-          <a:scrgbClr r="0" g="0" b="0"/>
-        </a:fillRef>
-        <a:effectRef idx="0">
-          <a:scrgbClr r="0" g="0" b="0"/>
-        </a:effectRef>
-        <a:fontRef idx="minor">
-          <a:schemeClr val="lt1"/>
-        </a:fontRef>
-      </dsp:style>
-      <dsp:txBody>
-        <a:bodyPr spcFirstLastPara="0" vert="horz" wrap="square" lIns="155075" tIns="0" rIns="155075" bIns="0" numCol="1" spcCol="1270" anchor="ctr" anchorCtr="0">
-          <a:noAutofit/>
-        </a:bodyPr>
-        <a:lstStyle/>
-        <a:p>
-          <a:pPr marL="0" lvl="0" indent="0" algn="l" defTabSz="889000">
-            <a:lnSpc>
-              <a:spcPct val="90000"/>
-            </a:lnSpc>
-            <a:spcBef>
-              <a:spcPct val="0"/>
-            </a:spcBef>
-            <a:spcAft>
-              <a:spcPct val="35000"/>
-            </a:spcAft>
-            <a:buNone/>
-          </a:pPr>
-          <a:r>
-            <a:rPr lang="en-US" sz="2000" kern="1200" dirty="0"/>
-            <a:t>Cletus Emmanuel Alexander</a:t>
-          </a:r>
-        </a:p>
-      </dsp:txBody>
-      <dsp:txXfrm>
-        <a:off x="321875" y="2834396"/>
-        <a:ext cx="4045121" cy="532758"/>
-      </dsp:txXfrm>
-    </dsp:sp>
-    <dsp:sp modelId="{A0543256-69DD-44F4-8EDB-7E47BFDB21F5}">
-      <dsp:nvSpPr>
-        <dsp:cNvPr id="0" name=""/>
-        <dsp:cNvSpPr/>
-      </dsp:nvSpPr>
-      <dsp:spPr>
-        <a:xfrm>
-          <a:off x="0" y="4007975"/>
-          <a:ext cx="5861090" cy="504000"/>
-        </a:xfrm>
-        <a:prstGeom prst="rect">
-          <a:avLst/>
-        </a:prstGeom>
-        <a:solidFill>
-          <a:schemeClr val="lt1">
-            <a:alpha val="90000"/>
-            <a:hueOff val="0"/>
-            <a:satOff val="0"/>
-            <a:lumOff val="0"/>
-            <a:alphaOff val="0"/>
-          </a:schemeClr>
-        </a:solidFill>
-        <a:ln w="25400" cap="flat" cmpd="sng" algn="ctr">
-          <a:solidFill>
-            <a:schemeClr val="accent2">
-              <a:hueOff val="3745215"/>
-              <a:satOff val="-4671"/>
-              <a:lumOff val="1098"/>
-              <a:alphaOff val="0"/>
-            </a:schemeClr>
-          </a:solidFill>
-          <a:prstDash val="solid"/>
-        </a:ln>
-        <a:effectLst/>
-      </dsp:spPr>
-      <dsp:style>
-        <a:lnRef idx="2">
-          <a:scrgbClr r="0" g="0" b="0"/>
-        </a:lnRef>
-        <a:fillRef idx="1">
-          <a:scrgbClr r="0" g="0" b="0"/>
-        </a:fillRef>
-        <a:effectRef idx="0">
-          <a:scrgbClr r="0" g="0" b="0"/>
-        </a:effectRef>
-        <a:fontRef idx="minor"/>
-      </dsp:style>
-    </dsp:sp>
-    <dsp:sp modelId="{C1994952-1A40-40D4-9600-38976D3CE0D8}">
-      <dsp:nvSpPr>
-        <dsp:cNvPr id="0" name=""/>
-        <dsp:cNvSpPr/>
-      </dsp:nvSpPr>
-      <dsp:spPr>
-        <a:xfrm>
-          <a:off x="293054" y="3712775"/>
-          <a:ext cx="4102763" cy="590400"/>
-        </a:xfrm>
-        <a:prstGeom prst="roundRect">
-          <a:avLst/>
-        </a:prstGeom>
-        <a:solidFill>
-          <a:schemeClr val="accent2">
-            <a:hueOff val="3745215"/>
-            <a:satOff val="-4671"/>
-            <a:lumOff val="1098"/>
-            <a:alphaOff val="0"/>
-          </a:schemeClr>
-        </a:solidFill>
-        <a:ln w="25400" cap="flat" cmpd="sng" algn="ctr">
-          <a:solidFill>
-            <a:schemeClr val="lt1">
-              <a:hueOff val="0"/>
-              <a:satOff val="0"/>
-              <a:lumOff val="0"/>
-              <a:alphaOff val="0"/>
-            </a:schemeClr>
-          </a:solidFill>
-          <a:prstDash val="solid"/>
-        </a:ln>
-        <a:effectLst/>
-      </dsp:spPr>
-      <dsp:style>
-        <a:lnRef idx="2">
-          <a:scrgbClr r="0" g="0" b="0"/>
-        </a:lnRef>
-        <a:fillRef idx="1">
-          <a:scrgbClr r="0" g="0" b="0"/>
-        </a:fillRef>
-        <a:effectRef idx="0">
-          <a:scrgbClr r="0" g="0" b="0"/>
-        </a:effectRef>
-        <a:fontRef idx="minor">
-          <a:schemeClr val="lt1"/>
-        </a:fontRef>
-      </dsp:style>
-      <dsp:txBody>
-        <a:bodyPr spcFirstLastPara="0" vert="horz" wrap="square" lIns="155075" tIns="0" rIns="155075" bIns="0" numCol="1" spcCol="1270" anchor="ctr" anchorCtr="0">
-          <a:noAutofit/>
-        </a:bodyPr>
-        <a:lstStyle/>
-        <a:p>
-          <a:pPr marL="0" lvl="0" indent="0" algn="l" defTabSz="889000">
-            <a:lnSpc>
-              <a:spcPct val="90000"/>
-            </a:lnSpc>
-            <a:spcBef>
-              <a:spcPct val="0"/>
-            </a:spcBef>
-            <a:spcAft>
-              <a:spcPct val="35000"/>
-            </a:spcAft>
-            <a:buNone/>
-          </a:pPr>
-          <a:r>
-            <a:rPr lang="en-US" sz="2000" kern="1200" dirty="0"/>
-            <a:t>Aderibigbe </a:t>
-          </a:r>
-          <a:r>
-            <a:rPr lang="en-US" sz="2000" kern="1200" dirty="0" err="1"/>
-            <a:t>Musodiq</a:t>
-          </a:r>
-          <a:r>
-            <a:rPr lang="en-US" sz="2000" kern="1200" dirty="0"/>
-            <a:t> Olamide</a:t>
-          </a:r>
-        </a:p>
-      </dsp:txBody>
-      <dsp:txXfrm>
-        <a:off x="321875" y="3741596"/>
-        <a:ext cx="4045121" cy="532758"/>
-      </dsp:txXfrm>
-    </dsp:sp>
-    <dsp:sp modelId="{3C3F916E-1D02-44BE-A0A7-0929E561FB43}">
-      <dsp:nvSpPr>
-        <dsp:cNvPr id="0" name=""/>
-        <dsp:cNvSpPr/>
-      </dsp:nvSpPr>
-      <dsp:spPr>
-        <a:xfrm>
-          <a:off x="0" y="4915175"/>
-          <a:ext cx="5861090" cy="504000"/>
-        </a:xfrm>
-        <a:prstGeom prst="rect">
-          <a:avLst/>
-        </a:prstGeom>
-        <a:solidFill>
-          <a:schemeClr val="lt1">
-            <a:alpha val="90000"/>
-            <a:hueOff val="0"/>
-            <a:satOff val="0"/>
-            <a:lumOff val="0"/>
-            <a:alphaOff val="0"/>
-          </a:schemeClr>
-        </a:solidFill>
-        <a:ln w="25400" cap="flat" cmpd="sng" algn="ctr">
-          <a:solidFill>
-            <a:schemeClr val="accent2">
-              <a:hueOff val="4681519"/>
-              <a:satOff val="-5839"/>
-              <a:lumOff val="1373"/>
-              <a:alphaOff val="0"/>
-            </a:schemeClr>
-          </a:solidFill>
-          <a:prstDash val="solid"/>
-        </a:ln>
-        <a:effectLst/>
-      </dsp:spPr>
-      <dsp:style>
-        <a:lnRef idx="2">
-          <a:scrgbClr r="0" g="0" b="0"/>
-        </a:lnRef>
-        <a:fillRef idx="1">
-          <a:scrgbClr r="0" g="0" b="0"/>
-        </a:fillRef>
-        <a:effectRef idx="0">
-          <a:scrgbClr r="0" g="0" b="0"/>
-        </a:effectRef>
-        <a:fontRef idx="minor"/>
-      </dsp:style>
-    </dsp:sp>
-    <dsp:sp modelId="{C049D5F0-3447-4C83-A9BB-E1B96EE2F42B}">
-      <dsp:nvSpPr>
-        <dsp:cNvPr id="0" name=""/>
-        <dsp:cNvSpPr/>
-      </dsp:nvSpPr>
-      <dsp:spPr>
-        <a:xfrm>
-          <a:off x="293054" y="4619975"/>
-          <a:ext cx="4102763" cy="590400"/>
-        </a:xfrm>
-        <a:prstGeom prst="roundRect">
-          <a:avLst/>
-        </a:prstGeom>
-        <a:solidFill>
-          <a:schemeClr val="accent2">
-            <a:hueOff val="4681519"/>
-            <a:satOff val="-5839"/>
-            <a:lumOff val="1373"/>
-            <a:alphaOff val="0"/>
-          </a:schemeClr>
-        </a:solidFill>
-        <a:ln w="25400" cap="flat" cmpd="sng" algn="ctr">
-          <a:solidFill>
-            <a:schemeClr val="lt1">
-              <a:hueOff val="0"/>
-              <a:satOff val="0"/>
-              <a:lumOff val="0"/>
-              <a:alphaOff val="0"/>
-            </a:schemeClr>
-          </a:solidFill>
-          <a:prstDash val="solid"/>
-        </a:ln>
-        <a:effectLst/>
-      </dsp:spPr>
-      <dsp:style>
-        <a:lnRef idx="2">
-          <a:scrgbClr r="0" g="0" b="0"/>
-        </a:lnRef>
-        <a:fillRef idx="1">
-          <a:scrgbClr r="0" g="0" b="0"/>
-        </a:fillRef>
-        <a:effectRef idx="0">
-          <a:scrgbClr r="0" g="0" b="0"/>
-        </a:effectRef>
-        <a:fontRef idx="minor">
-          <a:schemeClr val="lt1"/>
-        </a:fontRef>
-      </dsp:style>
-      <dsp:txBody>
-        <a:bodyPr spcFirstLastPara="0" vert="horz" wrap="square" lIns="155075" tIns="0" rIns="155075" bIns="0" numCol="1" spcCol="1270" anchor="ctr" anchorCtr="0">
-          <a:noAutofit/>
-        </a:bodyPr>
-        <a:lstStyle/>
-        <a:p>
-          <a:pPr marL="0" lvl="0" indent="0" algn="l" defTabSz="889000">
-            <a:lnSpc>
-              <a:spcPct val="90000"/>
-            </a:lnSpc>
-            <a:spcBef>
-              <a:spcPct val="0"/>
-            </a:spcBef>
-            <a:spcAft>
-              <a:spcPct val="35000"/>
-            </a:spcAft>
-            <a:buNone/>
-          </a:pPr>
-          <a:r>
-            <a:rPr lang="en-US" sz="2000" kern="1200" dirty="0"/>
-            <a:t>Abdullahi Sada</a:t>
-          </a:r>
-        </a:p>
-      </dsp:txBody>
-      <dsp:txXfrm>
-        <a:off x="321875" y="4648796"/>
-        <a:ext cx="4045121" cy="532758"/>
-      </dsp:txXfrm>
-    </dsp:sp>
-  </dsp:spTree>
-</dsp:drawing>
-</file>
-
-<file path=ppt/diagrams/drawing2.xml><?xml version="1.0" encoding="utf-8"?>
 <dsp:drawing xmlns:dgm="http://schemas.openxmlformats.org/drawingml/2006/diagram" xmlns:dsp="http://schemas.microsoft.com/office/drawing/2008/diagram" xmlns:a="http://schemas.openxmlformats.org/drawingml/2006/main">
   <dsp:spTree>
     <dsp:nvGrpSpPr>
@@ -6855,7 +4767,7 @@
 </dsp:drawing>
 </file>
 
-<file path=ppt/diagrams/drawing3.xml><?xml version="1.0" encoding="utf-8"?>
+<file path=ppt/diagrams/drawing2.xml><?xml version="1.0" encoding="utf-8"?>
 <dsp:drawing xmlns:dgm="http://schemas.openxmlformats.org/drawingml/2006/diagram" xmlns:dsp="http://schemas.microsoft.com/office/drawing/2008/diagram" xmlns:a="http://schemas.openxmlformats.org/drawingml/2006/main">
   <dsp:spTree>
     <dsp:nvGrpSpPr>
@@ -7192,7 +5104,7 @@
 </dsp:drawing>
 </file>
 
-<file path=ppt/diagrams/drawing4.xml><?xml version="1.0" encoding="utf-8"?>
+<file path=ppt/diagrams/drawing3.xml><?xml version="1.0" encoding="utf-8"?>
 <dsp:drawing xmlns:dgm="http://schemas.openxmlformats.org/drawingml/2006/diagram" xmlns:dsp="http://schemas.microsoft.com/office/drawing/2008/diagram" xmlns:a="http://schemas.openxmlformats.org/drawingml/2006/main">
   <dsp:spTree>
     <dsp:nvGrpSpPr>
@@ -7760,11 +5672,12 @@
 </file>
 
 <file path=ppt/diagrams/layout1.xml><?xml version="1.0" encoding="utf-8"?>
-<dgm:layoutDef xmlns:dgm="http://schemas.openxmlformats.org/drawingml/2006/diagram" xmlns:a="http://schemas.openxmlformats.org/drawingml/2006/main" uniqueId="urn:microsoft.com/office/officeart/2005/8/layout/list1">
+<dgm:layoutDef xmlns:dgm="http://schemas.openxmlformats.org/drawingml/2006/diagram" xmlns:a="http://schemas.openxmlformats.org/drawingml/2006/main" uniqueId="urn:microsoft.com/office/officeart/2008/layout/LinedList">
   <dgm:title val=""/>
   <dgm:desc val=""/>
   <dgm:catLst>
-    <dgm:cat type="list" pri="4000"/>
+    <dgm:cat type="hierarchy" pri="8000"/>
+    <dgm:cat type="list" pri="2500"/>
   </dgm:catLst>
   <dgm:sampData>
     <dgm:dataModel>
@@ -7773,17 +5686,21 @@
         <dgm:pt modelId="1">
           <dgm:prSet phldr="1"/>
         </dgm:pt>
-        <dgm:pt modelId="2">
+        <dgm:pt modelId="11">
           <dgm:prSet phldr="1"/>
         </dgm:pt>
-        <dgm:pt modelId="3">
+        <dgm:pt modelId="12">
+          <dgm:prSet phldr="1"/>
+        </dgm:pt>
+        <dgm:pt modelId="13">
           <dgm:prSet phldr="1"/>
         </dgm:pt>
       </dgm:ptLst>
       <dgm:cxnLst>
-        <dgm:cxn modelId="4" srcId="0" destId="1" srcOrd="0" destOrd="0"/>
-        <dgm:cxn modelId="5" srcId="0" destId="2" srcOrd="1" destOrd="0"/>
-        <dgm:cxn modelId="6" srcId="0" destId="3" srcOrd="2" destOrd="0"/>
+        <dgm:cxn modelId="2" srcId="0" destId="1" srcOrd="0" destOrd="0"/>
+        <dgm:cxn modelId="3" srcId="1" destId="11" srcOrd="0" destOrd="0"/>
+        <dgm:cxn modelId="4" srcId="1" destId="12" srcOrd="1" destOrd="0"/>
+        <dgm:cxn modelId="5" srcId="1" destId="13" srcOrd="2" destOrd="0"/>
       </dgm:cxnLst>
       <dgm:bg/>
       <dgm:whole/>
@@ -7793,12 +5710,20 @@
     <dgm:dataModel>
       <dgm:ptLst>
         <dgm:pt modelId="0" type="doc"/>
-        <dgm:pt modelId="1"/>
-        <dgm:pt modelId="2"/>
+        <dgm:pt modelId="1">
+          <dgm:prSet phldr="1"/>
+        </dgm:pt>
+        <dgm:pt modelId="11">
+          <dgm:prSet phldr="1"/>
+        </dgm:pt>
+        <dgm:pt modelId="12">
+          <dgm:prSet phldr="1"/>
+        </dgm:pt>
       </dgm:ptLst>
       <dgm:cxnLst>
-        <dgm:cxn modelId="4" srcId="0" destId="1" srcOrd="0" destOrd="0"/>
-        <dgm:cxn modelId="5" srcId="0" destId="2" srcOrd="1" destOrd="0"/>
+        <dgm:cxn modelId="2" srcId="0" destId="1" srcOrd="0" destOrd="0"/>
+        <dgm:cxn modelId="3" srcId="1" destId="11" srcOrd="0" destOrd="0"/>
+        <dgm:cxn modelId="4" srcId="1" destId="12" srcOrd="1" destOrd="0"/>
       </dgm:cxnLst>
       <dgm:bg/>
       <dgm:whole/>
@@ -7808,41 +5733,41 @@
     <dgm:dataModel>
       <dgm:ptLst>
         <dgm:pt modelId="0" type="doc"/>
-        <dgm:pt modelId="1"/>
-        <dgm:pt modelId="2"/>
-        <dgm:pt modelId="3"/>
-        <dgm:pt modelId="4"/>
+        <dgm:pt modelId="1">
+          <dgm:prSet phldr="1"/>
+        </dgm:pt>
+        <dgm:pt modelId="11">
+          <dgm:prSet phldr="1"/>
+        </dgm:pt>
+        <dgm:pt modelId="12">
+          <dgm:prSet phldr="1"/>
+        </dgm:pt>
       </dgm:ptLst>
       <dgm:cxnLst>
-        <dgm:cxn modelId="5" srcId="0" destId="1" srcOrd="0" destOrd="0"/>
-        <dgm:cxn modelId="6" srcId="0" destId="2" srcOrd="1" destOrd="0"/>
-        <dgm:cxn modelId="7" srcId="0" destId="3" srcOrd="2" destOrd="0"/>
-        <dgm:cxn modelId="8" srcId="0" destId="4" srcOrd="3" destOrd="0"/>
+        <dgm:cxn modelId="2" srcId="0" destId="1" srcOrd="0" destOrd="0"/>
+        <dgm:cxn modelId="3" srcId="1" destId="11" srcOrd="0" destOrd="0"/>
+        <dgm:cxn modelId="4" srcId="1" destId="12" srcOrd="1" destOrd="0"/>
       </dgm:cxnLst>
       <dgm:bg/>
       <dgm:whole/>
     </dgm:dataModel>
   </dgm:clrData>
-  <dgm:layoutNode name="linear">
+  <dgm:layoutNode name="vert0">
     <dgm:varLst>
       <dgm:dir/>
+      <dgm:animOne val="branch"/>
       <dgm:animLvl val="lvl"/>
-      <dgm:resizeHandles val="exact"/>
     </dgm:varLst>
     <dgm:choose name="Name0">
       <dgm:if name="Name1" func="var" arg="dir" op="equ" val="norm">
         <dgm:alg type="lin">
           <dgm:param type="linDir" val="fromT"/>
-          <dgm:param type="vertAlign" val="mid"/>
-          <dgm:param type="horzAlign" val="l"/>
           <dgm:param type="nodeHorzAlign" val="l"/>
         </dgm:alg>
       </dgm:if>
       <dgm:else name="Name2">
         <dgm:alg type="lin">
           <dgm:param type="linDir" val="fromT"/>
-          <dgm:param type="vertAlign" val="mid"/>
-          <dgm:param type="horzAlign" val="r"/>
           <dgm:param type="nodeHorzAlign" val="r"/>
         </dgm:alg>
       </dgm:else>
@@ -7852,45 +5777,48 @@
     </dgm:shape>
     <dgm:presOf/>
     <dgm:constrLst>
-      <dgm:constr type="w" for="ch" forName="parentLin" refType="w"/>
-      <dgm:constr type="h" for="ch" forName="parentLin" val="INF"/>
-      <dgm:constr type="w" for="des" forName="parentLeftMargin" refType="w" fact="0.05"/>
-      <dgm:constr type="w" for="des" forName="parentText" refType="w" fact="0.7"/>
-      <dgm:constr type="h" for="des" forName="parentText" refType="primFontSz" refFor="des" refForName="parentText" fact="0.82"/>
-      <dgm:constr type="h" for="ch" forName="negativeSpace" refType="primFontSz" refFor="des" refForName="parentText" fact="-0.41"/>
-      <dgm:constr type="h" for="ch" forName="negativeSpace" refType="h" refFor="des" refForName="parentText" op="lte" fact="-0.82"/>
-      <dgm:constr type="h" for="ch" forName="negativeSpace" refType="h" refFor="des" refForName="parentText" op="gte" fact="-0.82"/>
-      <dgm:constr type="w" for="ch" forName="childText" refType="w"/>
-      <dgm:constr type="h" for="ch" forName="childText" refType="primFontSz" refFor="des" refForName="parentText" fact="0.7"/>
-      <dgm:constr type="primFontSz" for="des" forName="parentText" val="65"/>
-      <dgm:constr type="primFontSz" for="ch" forName="childText" refType="primFontSz" refFor="des" refForName="parentText"/>
-      <dgm:constr type="tMarg" for="ch" forName="childText" refType="primFontSz" refFor="des" refForName="parentText" fact="1.64"/>
-      <dgm:constr type="tMarg" for="ch" forName="childText" refType="h" refFor="des" refForName="parentText" op="lte" fact="3.28"/>
-      <dgm:constr type="tMarg" for="ch" forName="childText" refType="h" refFor="des" refForName="parentText" op="gte" fact="3.28"/>
-      <dgm:constr type="lMarg" for="ch" forName="childText" refType="w" fact="0.22"/>
-      <dgm:constr type="rMarg" for="ch" forName="childText" refType="lMarg" refFor="ch" refForName="childText"/>
-      <dgm:constr type="lMarg" for="des" forName="parentText" refType="w" fact="0.075"/>
-      <dgm:constr type="rMarg" for="des" forName="parentText" refType="lMarg" refFor="des" refForName="parentText"/>
-      <dgm:constr type="h" for="ch" forName="spaceBetweenRectangles" refType="primFontSz" refFor="des" refForName="parentText" fact="0.15"/>
+      <dgm:constr type="w" for="ch" forName="horz1" refType="w"/>
+      <dgm:constr type="h" for="ch" forName="horz1" refType="h"/>
+      <dgm:constr type="h" for="des" forName="vert1" refType="h"/>
+      <dgm:constr type="h" for="des" forName="tx1" refType="h"/>
+      <dgm:constr type="h" for="des" forName="horz2" refType="h"/>
+      <dgm:constr type="h" for="des" forName="vert2" refType="h"/>
+      <dgm:constr type="h" for="des" forName="horz3" refType="h"/>
+      <dgm:constr type="h" for="des" forName="vert3" refType="h"/>
+      <dgm:constr type="h" for="des" forName="horz4" refType="h"/>
+      <dgm:constr type="h" for="des" ptType="node" refType="h"/>
+      <dgm:constr type="primFontSz" for="des" forName="tx1" op="equ" val="65"/>
+      <dgm:constr type="primFontSz" for="des" forName="tx2" op="equ" val="65"/>
+      <dgm:constr type="primFontSz" for="des" forName="tx3" op="equ" val="65"/>
+      <dgm:constr type="primFontSz" for="des" forName="tx4" op="equ" val="65"/>
+      <dgm:constr type="w" for="des" forName="thickLine" refType="w"/>
+      <dgm:constr type="h" for="des" forName="thickLine"/>
+      <dgm:constr type="h" for="des" forName="thinLine1"/>
+      <dgm:constr type="h" for="des" forName="thinLine2b"/>
+      <dgm:constr type="h" for="des" forName="thinLine3"/>
+      <dgm:constr type="h" for="des" forName="vertSpace2a" refType="h" fact="0.05"/>
+      <dgm:constr type="h" for="des" forName="vertSpace2b" refType="h" refFor="des" refForName="vertSpace2a"/>
     </dgm:constrLst>
-    <dgm:ruleLst>
-      <dgm:rule type="primFontSz" for="des" forName="parentText" val="5" fact="NaN" max="NaN"/>
-    </dgm:ruleLst>
     <dgm:forEach name="Name3" axis="ch" ptType="node">
-      <dgm:layoutNode name="parentLin">
+      <dgm:layoutNode name="thickLine" styleLbl="alignNode1">
+        <dgm:alg type="sp"/>
+        <dgm:shape xmlns:r="http://schemas.openxmlformats.org/officeDocument/2006/relationships" type="line" r:blip="">
+          <dgm:adjLst/>
+        </dgm:shape>
+        <dgm:presOf/>
+      </dgm:layoutNode>
+      <dgm:layoutNode name="horz1">
         <dgm:choose name="Name4">
           <dgm:if name="Name5" func="var" arg="dir" op="equ" val="norm">
             <dgm:alg type="lin">
               <dgm:param type="linDir" val="fromL"/>
-              <dgm:param type="horzAlign" val="l"/>
-              <dgm:param type="nodeHorzAlign" val="l"/>
+              <dgm:param type="nodeVertAlign" val="t"/>
             </dgm:alg>
           </dgm:if>
           <dgm:else name="Name6">
             <dgm:alg type="lin">
               <dgm:param type="linDir" val="fromR"/>
-              <dgm:param type="horzAlign" val="r"/>
-              <dgm:param type="nodeHorzAlign" val="r"/>
+              <dgm:param type="nodeVertAlign" val="t"/>
             </dgm:alg>
           </dgm:else>
         </dgm:choose>
@@ -7898,87 +5826,312 @@
           <dgm:adjLst/>
         </dgm:shape>
         <dgm:presOf/>
-        <dgm:constrLst/>
-        <dgm:ruleLst/>
-        <dgm:layoutNode name="parentLeftMargin">
-          <dgm:alg type="sp"/>
-          <dgm:shape xmlns:r="http://schemas.openxmlformats.org/officeDocument/2006/relationships" type="rect" r:blip="" hideGeom="1">
+        <dgm:choose name="Name7">
+          <dgm:if name="Name8" axis="root des" func="maxDepth" op="equ" val="1">
+            <dgm:constrLst>
+              <dgm:constr type="w" for="ch" forName="tx1" refType="w"/>
+            </dgm:constrLst>
+          </dgm:if>
+          <dgm:if name="Name9" axis="root des" func="maxDepth" op="equ" val="2">
+            <dgm:constrLst>
+              <dgm:constr type="w" for="ch" forName="tx1" refType="w" fact="0.2"/>
+              <dgm:constr type="w" for="des" forName="tx2" refType="w" fact="0.785"/>
+              <dgm:constr type="w" for="des" forName="horzSpace2" refType="w" fact="0.015"/>
+              <dgm:constr type="w" for="des" forName="thinLine2b" refType="w" fact="0.8"/>
+            </dgm:constrLst>
+          </dgm:if>
+          <dgm:if name="Name10" axis="root des" func="maxDepth" op="equ" val="3">
+            <dgm:constrLst>
+              <dgm:constr type="w" for="ch" forName="tx1" refType="w" fact="0.2"/>
+              <dgm:constr type="w" for="des" forName="tx2" refType="w" fact="0.385"/>
+              <dgm:constr type="w" for="des" forName="tx3" refType="w" fact="0.385"/>
+              <dgm:constr type="w" for="des" forName="horzSpace2" refType="w" fact="0.015"/>
+              <dgm:constr type="w" for="des" forName="horzSpace3" refType="w" fact="0.015"/>
+              <dgm:constr type="w" for="des" forName="thinLine2b" refType="w" fact="0.8"/>
+              <dgm:constr type="w" for="des" forName="thinLine3" refType="w" fact="0.385"/>
+            </dgm:constrLst>
+          </dgm:if>
+          <dgm:if name="Name11" axis="root des" func="maxDepth" op="gte" val="4">
+            <dgm:constrLst>
+              <dgm:constr type="w" for="ch" forName="tx1" refType="w" fact="0.2"/>
+              <dgm:constr type="w" for="des" forName="tx2" refType="w" fact="0.2516"/>
+              <dgm:constr type="w" for="des" forName="tx3" refType="w" fact="0.2516"/>
+              <dgm:constr type="w" for="des" forName="tx4" refType="w" fact="0.2516"/>
+              <dgm:constr type="w" for="des" forName="horzSpace2" refType="w" fact="0.015"/>
+              <dgm:constr type="w" for="des" forName="horzSpace3" refType="w" fact="0.015"/>
+              <dgm:constr type="w" for="des" forName="horzSpace4" refType="w" fact="0.015"/>
+              <dgm:constr type="w" for="des" forName="thinLine2b" refType="w" fact="0.8"/>
+              <dgm:constr type="w" for="des" forName="thinLine3" refType="w" fact="0.5332"/>
+            </dgm:constrLst>
+          </dgm:if>
+          <dgm:else name="Name12"/>
+        </dgm:choose>
+        <dgm:layoutNode name="tx1" styleLbl="revTx">
+          <dgm:alg type="tx">
+            <dgm:param type="parTxLTRAlign" val="l"/>
+            <dgm:param type="parTxRTLAlign" val="r"/>
+            <dgm:param type="txAnchorVert" val="t"/>
+          </dgm:alg>
+          <dgm:shape xmlns:r="http://schemas.openxmlformats.org/officeDocument/2006/relationships" type="rect" r:blip="">
             <dgm:adjLst/>
           </dgm:shape>
           <dgm:presOf axis="self"/>
           <dgm:constrLst>
-            <dgm:constr type="h"/>
+            <dgm:constr type="tMarg" refType="primFontSz" fact="0.3"/>
+            <dgm:constr type="bMarg" refType="primFontSz" fact="0.3"/>
+            <dgm:constr type="lMarg" refType="primFontSz" fact="0.3"/>
+            <dgm:constr type="rMarg" refType="primFontSz" fact="0.3"/>
           </dgm:constrLst>
-          <dgm:ruleLst/>
+          <dgm:ruleLst>
+            <dgm:rule type="primFontSz" val="5" fact="NaN" max="NaN"/>
+          </dgm:ruleLst>
         </dgm:layoutNode>
-        <dgm:layoutNode name="parentText" styleLbl="node1">
-          <dgm:varLst>
-            <dgm:chMax val="0"/>
-            <dgm:bulletEnabled val="1"/>
-          </dgm:varLst>
-          <dgm:choose name="Name7">
-            <dgm:if name="Name8" func="var" arg="dir" op="equ" val="norm">
-              <dgm:alg type="tx">
-                <dgm:param type="parTxLTRAlign" val="l"/>
-                <dgm:param type="parTxRTLAlign" val="l"/>
+        <dgm:layoutNode name="vert1">
+          <dgm:choose name="Name13">
+            <dgm:if name="Name14" func="var" arg="dir" op="equ" val="norm">
+              <dgm:alg type="lin">
+                <dgm:param type="linDir" val="fromT"/>
+                <dgm:param type="nodeHorzAlign" val="l"/>
               </dgm:alg>
             </dgm:if>
-            <dgm:else name="Name9">
-              <dgm:alg type="tx">
-                <dgm:param type="parTxLTRAlign" val="r"/>
-                <dgm:param type="parTxRTLAlign" val="r"/>
+            <dgm:else name="Name15">
+              <dgm:alg type="lin">
+                <dgm:param type="linDir" val="fromT"/>
+                <dgm:param type="nodeHorzAlign" val="r"/>
               </dgm:alg>
             </dgm:else>
           </dgm:choose>
-          <dgm:shape xmlns:r="http://schemas.openxmlformats.org/officeDocument/2006/relationships" type="roundRect" r:blip="">
-            <dgm:adjLst/>
-          </dgm:shape>
-          <dgm:presOf axis="self" ptType="node"/>
-          <dgm:constrLst>
-            <dgm:constr type="tMarg"/>
-            <dgm:constr type="bMarg"/>
-          </dgm:constrLst>
-          <dgm:ruleLst/>
-        </dgm:layoutNode>
-      </dgm:layoutNode>
-      <dgm:layoutNode name="negativeSpace">
-        <dgm:alg type="sp"/>
-        <dgm:shape xmlns:r="http://schemas.openxmlformats.org/officeDocument/2006/relationships" r:blip="">
-          <dgm:adjLst/>
-        </dgm:shape>
-        <dgm:presOf/>
-        <dgm:constrLst/>
-        <dgm:ruleLst/>
-      </dgm:layoutNode>
-      <dgm:layoutNode name="childText" styleLbl="conFgAcc1">
-        <dgm:varLst>
-          <dgm:bulletEnabled val="1"/>
-        </dgm:varLst>
-        <dgm:alg type="tx">
-          <dgm:param type="stBulletLvl" val="1"/>
-        </dgm:alg>
-        <dgm:shape xmlns:r="http://schemas.openxmlformats.org/officeDocument/2006/relationships" type="rect" r:blip="" zOrderOff="-2">
-          <dgm:adjLst/>
-        </dgm:shape>
-        <dgm:presOf axis="des" ptType="node"/>
-        <dgm:constrLst>
-          <dgm:constr type="secFontSz" refType="primFontSz"/>
-        </dgm:constrLst>
-        <dgm:ruleLst>
-          <dgm:rule type="h" val="INF" fact="NaN" max="NaN"/>
-        </dgm:ruleLst>
-      </dgm:layoutNode>
-      <dgm:forEach name="Name10" axis="followSib" ptType="sibTrans" cnt="1">
-        <dgm:layoutNode name="spaceBetweenRectangles">
-          <dgm:alg type="sp"/>
           <dgm:shape xmlns:r="http://schemas.openxmlformats.org/officeDocument/2006/relationships" r:blip="">
             <dgm:adjLst/>
           </dgm:shape>
           <dgm:presOf/>
-          <dgm:constrLst/>
-          <dgm:ruleLst/>
+          <dgm:forEach name="Name16" axis="ch" ptType="node">
+            <dgm:choose name="Name17">
+              <dgm:if name="Name18" axis="self" ptType="node" func="pos" op="equ" val="1">
+                <dgm:layoutNode name="vertSpace2a">
+                  <dgm:alg type="sp"/>
+                  <dgm:shape xmlns:r="http://schemas.openxmlformats.org/officeDocument/2006/relationships" r:blip="">
+                    <dgm:adjLst/>
+                  </dgm:shape>
+                  <dgm:presOf/>
+                </dgm:layoutNode>
+              </dgm:if>
+              <dgm:else name="Name19"/>
+            </dgm:choose>
+            <dgm:layoutNode name="horz2">
+              <dgm:choose name="Name20">
+                <dgm:if name="Name21" func="var" arg="dir" op="equ" val="norm">
+                  <dgm:alg type="lin">
+                    <dgm:param type="linDir" val="fromL"/>
+                    <dgm:param type="nodeVertAlign" val="t"/>
+                  </dgm:alg>
+                </dgm:if>
+                <dgm:else name="Name22">
+                  <dgm:alg type="lin">
+                    <dgm:param type="linDir" val="fromR"/>
+                    <dgm:param type="nodeVertAlign" val="t"/>
+                  </dgm:alg>
+                </dgm:else>
+              </dgm:choose>
+              <dgm:shape xmlns:r="http://schemas.openxmlformats.org/officeDocument/2006/relationships" r:blip="">
+                <dgm:adjLst/>
+              </dgm:shape>
+              <dgm:presOf/>
+              <dgm:layoutNode name="horzSpace2">
+                <dgm:alg type="sp"/>
+                <dgm:shape xmlns:r="http://schemas.openxmlformats.org/officeDocument/2006/relationships" r:blip="">
+                  <dgm:adjLst/>
+                </dgm:shape>
+                <dgm:presOf/>
+              </dgm:layoutNode>
+              <dgm:layoutNode name="tx2" styleLbl="revTx">
+                <dgm:alg type="tx">
+                  <dgm:param type="parTxLTRAlign" val="l"/>
+                  <dgm:param type="parTxRTLAlign" val="r"/>
+                  <dgm:param type="txAnchorVert" val="t"/>
+                </dgm:alg>
+                <dgm:shape xmlns:r="http://schemas.openxmlformats.org/officeDocument/2006/relationships" type="rect" r:blip="">
+                  <dgm:adjLst/>
+                </dgm:shape>
+                <dgm:presOf axis="self"/>
+                <dgm:constrLst>
+                  <dgm:constr type="tMarg" refType="primFontSz" fact="0.3"/>
+                  <dgm:constr type="bMarg" refType="primFontSz" fact="0.3"/>
+                  <dgm:constr type="lMarg" refType="primFontSz" fact="0.3"/>
+                  <dgm:constr type="rMarg" refType="primFontSz" fact="0.3"/>
+                </dgm:constrLst>
+                <dgm:ruleLst>
+                  <dgm:rule type="primFontSz" val="5" fact="NaN" max="NaN"/>
+                </dgm:ruleLst>
+              </dgm:layoutNode>
+              <dgm:layoutNode name="vert2">
+                <dgm:choose name="Name23">
+                  <dgm:if name="Name24" func="var" arg="dir" op="equ" val="norm">
+                    <dgm:alg type="lin">
+                      <dgm:param type="linDir" val="fromT"/>
+                      <dgm:param type="nodeHorzAlign" val="l"/>
+                    </dgm:alg>
+                  </dgm:if>
+                  <dgm:else name="Name25">
+                    <dgm:alg type="lin">
+                      <dgm:param type="linDir" val="fromT"/>
+                      <dgm:param type="nodeHorzAlign" val="r"/>
+                    </dgm:alg>
+                  </dgm:else>
+                </dgm:choose>
+                <dgm:shape xmlns:r="http://schemas.openxmlformats.org/officeDocument/2006/relationships" r:blip="">
+                  <dgm:adjLst/>
+                </dgm:shape>
+                <dgm:presOf/>
+                <dgm:forEach name="Name26" axis="ch" ptType="node">
+                  <dgm:layoutNode name="horz3">
+                    <dgm:choose name="Name27">
+                      <dgm:if name="Name28" func="var" arg="dir" op="equ" val="norm">
+                        <dgm:alg type="lin">
+                          <dgm:param type="linDir" val="fromL"/>
+                          <dgm:param type="nodeVertAlign" val="t"/>
+                        </dgm:alg>
+                      </dgm:if>
+                      <dgm:else name="Name29">
+                        <dgm:alg type="lin">
+                          <dgm:param type="linDir" val="fromR"/>
+                          <dgm:param type="nodeVertAlign" val="t"/>
+                        </dgm:alg>
+                      </dgm:else>
+                    </dgm:choose>
+                    <dgm:shape xmlns:r="http://schemas.openxmlformats.org/officeDocument/2006/relationships" r:blip="">
+                      <dgm:adjLst/>
+                    </dgm:shape>
+                    <dgm:presOf/>
+                    <dgm:layoutNode name="horzSpace3">
+                      <dgm:alg type="sp"/>
+                      <dgm:shape xmlns:r="http://schemas.openxmlformats.org/officeDocument/2006/relationships" r:blip="">
+                        <dgm:adjLst/>
+                      </dgm:shape>
+                      <dgm:presOf/>
+                    </dgm:layoutNode>
+                    <dgm:layoutNode name="tx3" styleLbl="revTx">
+                      <dgm:alg type="tx">
+                        <dgm:param type="parTxLTRAlign" val="l"/>
+                        <dgm:param type="parTxRTLAlign" val="r"/>
+                        <dgm:param type="txAnchorVert" val="t"/>
+                      </dgm:alg>
+                      <dgm:shape xmlns:r="http://schemas.openxmlformats.org/officeDocument/2006/relationships" type="rect" r:blip="">
+                        <dgm:adjLst/>
+                      </dgm:shape>
+                      <dgm:presOf axis="self"/>
+                      <dgm:constrLst>
+                        <dgm:constr type="tMarg" refType="primFontSz" fact="0.3"/>
+                        <dgm:constr type="bMarg" refType="primFontSz" fact="0.3"/>
+                        <dgm:constr type="lMarg" refType="primFontSz" fact="0.3"/>
+                        <dgm:constr type="rMarg" refType="primFontSz" fact="0.3"/>
+                      </dgm:constrLst>
+                      <dgm:ruleLst>
+                        <dgm:rule type="primFontSz" val="5" fact="NaN" max="NaN"/>
+                      </dgm:ruleLst>
+                    </dgm:layoutNode>
+                    <dgm:layoutNode name="vert3">
+                      <dgm:choose name="Name30">
+                        <dgm:if name="Name31" func="var" arg="dir" op="equ" val="norm">
+                          <dgm:alg type="lin">
+                            <dgm:param type="linDir" val="fromT"/>
+                            <dgm:param type="nodeHorzAlign" val="l"/>
+                          </dgm:alg>
+                        </dgm:if>
+                        <dgm:else name="Name32">
+                          <dgm:alg type="lin">
+                            <dgm:param type="linDir" val="fromT"/>
+                            <dgm:param type="nodeHorzAlign" val="r"/>
+                          </dgm:alg>
+                        </dgm:else>
+                      </dgm:choose>
+                      <dgm:shape xmlns:r="http://schemas.openxmlformats.org/officeDocument/2006/relationships" r:blip="">
+                        <dgm:adjLst/>
+                      </dgm:shape>
+                      <dgm:presOf/>
+                      <dgm:forEach name="Name33" axis="ch" ptType="node">
+                        <dgm:layoutNode name="horz4">
+                          <dgm:choose name="Name34">
+                            <dgm:if name="Name35" func="var" arg="dir" op="equ" val="norm">
+                              <dgm:alg type="lin">
+                                <dgm:param type="linDir" val="fromL"/>
+                                <dgm:param type="nodeVertAlign" val="t"/>
+                              </dgm:alg>
+                            </dgm:if>
+                            <dgm:else name="Name36">
+                              <dgm:alg type="lin">
+                                <dgm:param type="linDir" val="fromR"/>
+                                <dgm:param type="nodeVertAlign" val="t"/>
+                              </dgm:alg>
+                            </dgm:else>
+                          </dgm:choose>
+                          <dgm:shape xmlns:r="http://schemas.openxmlformats.org/officeDocument/2006/relationships" r:blip="">
+                            <dgm:adjLst/>
+                          </dgm:shape>
+                          <dgm:presOf/>
+                          <dgm:layoutNode name="horzSpace4">
+                            <dgm:alg type="sp"/>
+                            <dgm:shape xmlns:r="http://schemas.openxmlformats.org/officeDocument/2006/relationships" r:blip="">
+                              <dgm:adjLst/>
+                            </dgm:shape>
+                            <dgm:presOf/>
+                          </dgm:layoutNode>
+                          <dgm:layoutNode name="tx4" styleLbl="revTx">
+                            <dgm:varLst>
+                              <dgm:bulletEnabled val="1"/>
+                            </dgm:varLst>
+                            <dgm:alg type="tx">
+                              <dgm:param type="parTxLTRAlign" val="l"/>
+                              <dgm:param type="parTxRTLAlign" val="r"/>
+                              <dgm:param type="txAnchorVert" val="t"/>
+                            </dgm:alg>
+                            <dgm:shape xmlns:r="http://schemas.openxmlformats.org/officeDocument/2006/relationships" type="rect" r:blip="">
+                              <dgm:adjLst/>
+                            </dgm:shape>
+                            <dgm:presOf axis="desOrSelf" ptType="node"/>
+                            <dgm:constrLst>
+                              <dgm:constr type="tMarg" refType="primFontSz" fact="0.3"/>
+                              <dgm:constr type="bMarg" refType="primFontSz" fact="0.3"/>
+                              <dgm:constr type="lMarg" refType="primFontSz" fact="0.3"/>
+                              <dgm:constr type="rMarg" refType="primFontSz" fact="0.3"/>
+                            </dgm:constrLst>
+                            <dgm:ruleLst>
+                              <dgm:rule type="primFontSz" val="5" fact="NaN" max="NaN"/>
+                            </dgm:ruleLst>
+                          </dgm:layoutNode>
+                        </dgm:layoutNode>
+                      </dgm:forEach>
+                    </dgm:layoutNode>
+                  </dgm:layoutNode>
+                  <dgm:forEach name="Name37" axis="followSib" ptType="sibTrans" cnt="1">
+                    <dgm:layoutNode name="thinLine3" styleLbl="callout">
+                      <dgm:alg type="sp"/>
+                      <dgm:shape xmlns:r="http://schemas.openxmlformats.org/officeDocument/2006/relationships" type="line" r:blip="">
+                        <dgm:adjLst/>
+                      </dgm:shape>
+                      <dgm:presOf/>
+                    </dgm:layoutNode>
+                  </dgm:forEach>
+                </dgm:forEach>
+              </dgm:layoutNode>
+            </dgm:layoutNode>
+            <dgm:layoutNode name="thinLine2b" styleLbl="callout">
+              <dgm:alg type="sp"/>
+              <dgm:shape xmlns:r="http://schemas.openxmlformats.org/officeDocument/2006/relationships" type="line" r:blip="">
+                <dgm:adjLst/>
+              </dgm:shape>
+              <dgm:presOf/>
+            </dgm:layoutNode>
+            <dgm:layoutNode name="vertSpace2b">
+              <dgm:alg type="sp"/>
+              <dgm:shape xmlns:r="http://schemas.openxmlformats.org/officeDocument/2006/relationships" r:blip="">
+                <dgm:adjLst/>
+              </dgm:shape>
+              <dgm:presOf/>
+            </dgm:layoutNode>
+          </dgm:forEach>
         </dgm:layoutNode>
-      </dgm:forEach>
+      </dgm:layoutNode>
     </dgm:forEach>
   </dgm:layoutNode>
 </dgm:layoutDef>
@@ -8451,472 +6604,6 @@
 </file>
 
 <file path=ppt/diagrams/layout3.xml><?xml version="1.0" encoding="utf-8"?>
-<dgm:layoutDef xmlns:dgm="http://schemas.openxmlformats.org/drawingml/2006/diagram" xmlns:a="http://schemas.openxmlformats.org/drawingml/2006/main" uniqueId="urn:microsoft.com/office/officeart/2008/layout/LinedList">
-  <dgm:title val=""/>
-  <dgm:desc val=""/>
-  <dgm:catLst>
-    <dgm:cat type="hierarchy" pri="8000"/>
-    <dgm:cat type="list" pri="2500"/>
-  </dgm:catLst>
-  <dgm:sampData>
-    <dgm:dataModel>
-      <dgm:ptLst>
-        <dgm:pt modelId="0" type="doc"/>
-        <dgm:pt modelId="1">
-          <dgm:prSet phldr="1"/>
-        </dgm:pt>
-        <dgm:pt modelId="11">
-          <dgm:prSet phldr="1"/>
-        </dgm:pt>
-        <dgm:pt modelId="12">
-          <dgm:prSet phldr="1"/>
-        </dgm:pt>
-        <dgm:pt modelId="13">
-          <dgm:prSet phldr="1"/>
-        </dgm:pt>
-      </dgm:ptLst>
-      <dgm:cxnLst>
-        <dgm:cxn modelId="2" srcId="0" destId="1" srcOrd="0" destOrd="0"/>
-        <dgm:cxn modelId="3" srcId="1" destId="11" srcOrd="0" destOrd="0"/>
-        <dgm:cxn modelId="4" srcId="1" destId="12" srcOrd="1" destOrd="0"/>
-        <dgm:cxn modelId="5" srcId="1" destId="13" srcOrd="2" destOrd="0"/>
-      </dgm:cxnLst>
-      <dgm:bg/>
-      <dgm:whole/>
-    </dgm:dataModel>
-  </dgm:sampData>
-  <dgm:styleData>
-    <dgm:dataModel>
-      <dgm:ptLst>
-        <dgm:pt modelId="0" type="doc"/>
-        <dgm:pt modelId="1">
-          <dgm:prSet phldr="1"/>
-        </dgm:pt>
-        <dgm:pt modelId="11">
-          <dgm:prSet phldr="1"/>
-        </dgm:pt>
-        <dgm:pt modelId="12">
-          <dgm:prSet phldr="1"/>
-        </dgm:pt>
-      </dgm:ptLst>
-      <dgm:cxnLst>
-        <dgm:cxn modelId="2" srcId="0" destId="1" srcOrd="0" destOrd="0"/>
-        <dgm:cxn modelId="3" srcId="1" destId="11" srcOrd="0" destOrd="0"/>
-        <dgm:cxn modelId="4" srcId="1" destId="12" srcOrd="1" destOrd="0"/>
-      </dgm:cxnLst>
-      <dgm:bg/>
-      <dgm:whole/>
-    </dgm:dataModel>
-  </dgm:styleData>
-  <dgm:clrData>
-    <dgm:dataModel>
-      <dgm:ptLst>
-        <dgm:pt modelId="0" type="doc"/>
-        <dgm:pt modelId="1">
-          <dgm:prSet phldr="1"/>
-        </dgm:pt>
-        <dgm:pt modelId="11">
-          <dgm:prSet phldr="1"/>
-        </dgm:pt>
-        <dgm:pt modelId="12">
-          <dgm:prSet phldr="1"/>
-        </dgm:pt>
-      </dgm:ptLst>
-      <dgm:cxnLst>
-        <dgm:cxn modelId="2" srcId="0" destId="1" srcOrd="0" destOrd="0"/>
-        <dgm:cxn modelId="3" srcId="1" destId="11" srcOrd="0" destOrd="0"/>
-        <dgm:cxn modelId="4" srcId="1" destId="12" srcOrd="1" destOrd="0"/>
-      </dgm:cxnLst>
-      <dgm:bg/>
-      <dgm:whole/>
-    </dgm:dataModel>
-  </dgm:clrData>
-  <dgm:layoutNode name="vert0">
-    <dgm:varLst>
-      <dgm:dir/>
-      <dgm:animOne val="branch"/>
-      <dgm:animLvl val="lvl"/>
-    </dgm:varLst>
-    <dgm:choose name="Name0">
-      <dgm:if name="Name1" func="var" arg="dir" op="equ" val="norm">
-        <dgm:alg type="lin">
-          <dgm:param type="linDir" val="fromT"/>
-          <dgm:param type="nodeHorzAlign" val="l"/>
-        </dgm:alg>
-      </dgm:if>
-      <dgm:else name="Name2">
-        <dgm:alg type="lin">
-          <dgm:param type="linDir" val="fromT"/>
-          <dgm:param type="nodeHorzAlign" val="r"/>
-        </dgm:alg>
-      </dgm:else>
-    </dgm:choose>
-    <dgm:shape xmlns:r="http://schemas.openxmlformats.org/officeDocument/2006/relationships" r:blip="">
-      <dgm:adjLst/>
-    </dgm:shape>
-    <dgm:presOf/>
-    <dgm:constrLst>
-      <dgm:constr type="w" for="ch" forName="horz1" refType="w"/>
-      <dgm:constr type="h" for="ch" forName="horz1" refType="h"/>
-      <dgm:constr type="h" for="des" forName="vert1" refType="h"/>
-      <dgm:constr type="h" for="des" forName="tx1" refType="h"/>
-      <dgm:constr type="h" for="des" forName="horz2" refType="h"/>
-      <dgm:constr type="h" for="des" forName="vert2" refType="h"/>
-      <dgm:constr type="h" for="des" forName="horz3" refType="h"/>
-      <dgm:constr type="h" for="des" forName="vert3" refType="h"/>
-      <dgm:constr type="h" for="des" forName="horz4" refType="h"/>
-      <dgm:constr type="h" for="des" ptType="node" refType="h"/>
-      <dgm:constr type="primFontSz" for="des" forName="tx1" op="equ" val="65"/>
-      <dgm:constr type="primFontSz" for="des" forName="tx2" op="equ" val="65"/>
-      <dgm:constr type="primFontSz" for="des" forName="tx3" op="equ" val="65"/>
-      <dgm:constr type="primFontSz" for="des" forName="tx4" op="equ" val="65"/>
-      <dgm:constr type="w" for="des" forName="thickLine" refType="w"/>
-      <dgm:constr type="h" for="des" forName="thickLine"/>
-      <dgm:constr type="h" for="des" forName="thinLine1"/>
-      <dgm:constr type="h" for="des" forName="thinLine2b"/>
-      <dgm:constr type="h" for="des" forName="thinLine3"/>
-      <dgm:constr type="h" for="des" forName="vertSpace2a" refType="h" fact="0.05"/>
-      <dgm:constr type="h" for="des" forName="vertSpace2b" refType="h" refFor="des" refForName="vertSpace2a"/>
-    </dgm:constrLst>
-    <dgm:forEach name="Name3" axis="ch" ptType="node">
-      <dgm:layoutNode name="thickLine" styleLbl="alignNode1">
-        <dgm:alg type="sp"/>
-        <dgm:shape xmlns:r="http://schemas.openxmlformats.org/officeDocument/2006/relationships" type="line" r:blip="">
-          <dgm:adjLst/>
-        </dgm:shape>
-        <dgm:presOf/>
-      </dgm:layoutNode>
-      <dgm:layoutNode name="horz1">
-        <dgm:choose name="Name4">
-          <dgm:if name="Name5" func="var" arg="dir" op="equ" val="norm">
-            <dgm:alg type="lin">
-              <dgm:param type="linDir" val="fromL"/>
-              <dgm:param type="nodeVertAlign" val="t"/>
-            </dgm:alg>
-          </dgm:if>
-          <dgm:else name="Name6">
-            <dgm:alg type="lin">
-              <dgm:param type="linDir" val="fromR"/>
-              <dgm:param type="nodeVertAlign" val="t"/>
-            </dgm:alg>
-          </dgm:else>
-        </dgm:choose>
-        <dgm:shape xmlns:r="http://schemas.openxmlformats.org/officeDocument/2006/relationships" r:blip="">
-          <dgm:adjLst/>
-        </dgm:shape>
-        <dgm:presOf/>
-        <dgm:choose name="Name7">
-          <dgm:if name="Name8" axis="root des" func="maxDepth" op="equ" val="1">
-            <dgm:constrLst>
-              <dgm:constr type="w" for="ch" forName="tx1" refType="w"/>
-            </dgm:constrLst>
-          </dgm:if>
-          <dgm:if name="Name9" axis="root des" func="maxDepth" op="equ" val="2">
-            <dgm:constrLst>
-              <dgm:constr type="w" for="ch" forName="tx1" refType="w" fact="0.2"/>
-              <dgm:constr type="w" for="des" forName="tx2" refType="w" fact="0.785"/>
-              <dgm:constr type="w" for="des" forName="horzSpace2" refType="w" fact="0.015"/>
-              <dgm:constr type="w" for="des" forName="thinLine2b" refType="w" fact="0.8"/>
-            </dgm:constrLst>
-          </dgm:if>
-          <dgm:if name="Name10" axis="root des" func="maxDepth" op="equ" val="3">
-            <dgm:constrLst>
-              <dgm:constr type="w" for="ch" forName="tx1" refType="w" fact="0.2"/>
-              <dgm:constr type="w" for="des" forName="tx2" refType="w" fact="0.385"/>
-              <dgm:constr type="w" for="des" forName="tx3" refType="w" fact="0.385"/>
-              <dgm:constr type="w" for="des" forName="horzSpace2" refType="w" fact="0.015"/>
-              <dgm:constr type="w" for="des" forName="horzSpace3" refType="w" fact="0.015"/>
-              <dgm:constr type="w" for="des" forName="thinLine2b" refType="w" fact="0.8"/>
-              <dgm:constr type="w" for="des" forName="thinLine3" refType="w" fact="0.385"/>
-            </dgm:constrLst>
-          </dgm:if>
-          <dgm:if name="Name11" axis="root des" func="maxDepth" op="gte" val="4">
-            <dgm:constrLst>
-              <dgm:constr type="w" for="ch" forName="tx1" refType="w" fact="0.2"/>
-              <dgm:constr type="w" for="des" forName="tx2" refType="w" fact="0.2516"/>
-              <dgm:constr type="w" for="des" forName="tx3" refType="w" fact="0.2516"/>
-              <dgm:constr type="w" for="des" forName="tx4" refType="w" fact="0.2516"/>
-              <dgm:constr type="w" for="des" forName="horzSpace2" refType="w" fact="0.015"/>
-              <dgm:constr type="w" for="des" forName="horzSpace3" refType="w" fact="0.015"/>
-              <dgm:constr type="w" for="des" forName="horzSpace4" refType="w" fact="0.015"/>
-              <dgm:constr type="w" for="des" forName="thinLine2b" refType="w" fact="0.8"/>
-              <dgm:constr type="w" for="des" forName="thinLine3" refType="w" fact="0.5332"/>
-            </dgm:constrLst>
-          </dgm:if>
-          <dgm:else name="Name12"/>
-        </dgm:choose>
-        <dgm:layoutNode name="tx1" styleLbl="revTx">
-          <dgm:alg type="tx">
-            <dgm:param type="parTxLTRAlign" val="l"/>
-            <dgm:param type="parTxRTLAlign" val="r"/>
-            <dgm:param type="txAnchorVert" val="t"/>
-          </dgm:alg>
-          <dgm:shape xmlns:r="http://schemas.openxmlformats.org/officeDocument/2006/relationships" type="rect" r:blip="">
-            <dgm:adjLst/>
-          </dgm:shape>
-          <dgm:presOf axis="self"/>
-          <dgm:constrLst>
-            <dgm:constr type="tMarg" refType="primFontSz" fact="0.3"/>
-            <dgm:constr type="bMarg" refType="primFontSz" fact="0.3"/>
-            <dgm:constr type="lMarg" refType="primFontSz" fact="0.3"/>
-            <dgm:constr type="rMarg" refType="primFontSz" fact="0.3"/>
-          </dgm:constrLst>
-          <dgm:ruleLst>
-            <dgm:rule type="primFontSz" val="5" fact="NaN" max="NaN"/>
-          </dgm:ruleLst>
-        </dgm:layoutNode>
-        <dgm:layoutNode name="vert1">
-          <dgm:choose name="Name13">
-            <dgm:if name="Name14" func="var" arg="dir" op="equ" val="norm">
-              <dgm:alg type="lin">
-                <dgm:param type="linDir" val="fromT"/>
-                <dgm:param type="nodeHorzAlign" val="l"/>
-              </dgm:alg>
-            </dgm:if>
-            <dgm:else name="Name15">
-              <dgm:alg type="lin">
-                <dgm:param type="linDir" val="fromT"/>
-                <dgm:param type="nodeHorzAlign" val="r"/>
-              </dgm:alg>
-            </dgm:else>
-          </dgm:choose>
-          <dgm:shape xmlns:r="http://schemas.openxmlformats.org/officeDocument/2006/relationships" r:blip="">
-            <dgm:adjLst/>
-          </dgm:shape>
-          <dgm:presOf/>
-          <dgm:forEach name="Name16" axis="ch" ptType="node">
-            <dgm:choose name="Name17">
-              <dgm:if name="Name18" axis="self" ptType="node" func="pos" op="equ" val="1">
-                <dgm:layoutNode name="vertSpace2a">
-                  <dgm:alg type="sp"/>
-                  <dgm:shape xmlns:r="http://schemas.openxmlformats.org/officeDocument/2006/relationships" r:blip="">
-                    <dgm:adjLst/>
-                  </dgm:shape>
-                  <dgm:presOf/>
-                </dgm:layoutNode>
-              </dgm:if>
-              <dgm:else name="Name19"/>
-            </dgm:choose>
-            <dgm:layoutNode name="horz2">
-              <dgm:choose name="Name20">
-                <dgm:if name="Name21" func="var" arg="dir" op="equ" val="norm">
-                  <dgm:alg type="lin">
-                    <dgm:param type="linDir" val="fromL"/>
-                    <dgm:param type="nodeVertAlign" val="t"/>
-                  </dgm:alg>
-                </dgm:if>
-                <dgm:else name="Name22">
-                  <dgm:alg type="lin">
-                    <dgm:param type="linDir" val="fromR"/>
-                    <dgm:param type="nodeVertAlign" val="t"/>
-                  </dgm:alg>
-                </dgm:else>
-              </dgm:choose>
-              <dgm:shape xmlns:r="http://schemas.openxmlformats.org/officeDocument/2006/relationships" r:blip="">
-                <dgm:adjLst/>
-              </dgm:shape>
-              <dgm:presOf/>
-              <dgm:layoutNode name="horzSpace2">
-                <dgm:alg type="sp"/>
-                <dgm:shape xmlns:r="http://schemas.openxmlformats.org/officeDocument/2006/relationships" r:blip="">
-                  <dgm:adjLst/>
-                </dgm:shape>
-                <dgm:presOf/>
-              </dgm:layoutNode>
-              <dgm:layoutNode name="tx2" styleLbl="revTx">
-                <dgm:alg type="tx">
-                  <dgm:param type="parTxLTRAlign" val="l"/>
-                  <dgm:param type="parTxRTLAlign" val="r"/>
-                  <dgm:param type="txAnchorVert" val="t"/>
-                </dgm:alg>
-                <dgm:shape xmlns:r="http://schemas.openxmlformats.org/officeDocument/2006/relationships" type="rect" r:blip="">
-                  <dgm:adjLst/>
-                </dgm:shape>
-                <dgm:presOf axis="self"/>
-                <dgm:constrLst>
-                  <dgm:constr type="tMarg" refType="primFontSz" fact="0.3"/>
-                  <dgm:constr type="bMarg" refType="primFontSz" fact="0.3"/>
-                  <dgm:constr type="lMarg" refType="primFontSz" fact="0.3"/>
-                  <dgm:constr type="rMarg" refType="primFontSz" fact="0.3"/>
-                </dgm:constrLst>
-                <dgm:ruleLst>
-                  <dgm:rule type="primFontSz" val="5" fact="NaN" max="NaN"/>
-                </dgm:ruleLst>
-              </dgm:layoutNode>
-              <dgm:layoutNode name="vert2">
-                <dgm:choose name="Name23">
-                  <dgm:if name="Name24" func="var" arg="dir" op="equ" val="norm">
-                    <dgm:alg type="lin">
-                      <dgm:param type="linDir" val="fromT"/>
-                      <dgm:param type="nodeHorzAlign" val="l"/>
-                    </dgm:alg>
-                  </dgm:if>
-                  <dgm:else name="Name25">
-                    <dgm:alg type="lin">
-                      <dgm:param type="linDir" val="fromT"/>
-                      <dgm:param type="nodeHorzAlign" val="r"/>
-                    </dgm:alg>
-                  </dgm:else>
-                </dgm:choose>
-                <dgm:shape xmlns:r="http://schemas.openxmlformats.org/officeDocument/2006/relationships" r:blip="">
-                  <dgm:adjLst/>
-                </dgm:shape>
-                <dgm:presOf/>
-                <dgm:forEach name="Name26" axis="ch" ptType="node">
-                  <dgm:layoutNode name="horz3">
-                    <dgm:choose name="Name27">
-                      <dgm:if name="Name28" func="var" arg="dir" op="equ" val="norm">
-                        <dgm:alg type="lin">
-                          <dgm:param type="linDir" val="fromL"/>
-                          <dgm:param type="nodeVertAlign" val="t"/>
-                        </dgm:alg>
-                      </dgm:if>
-                      <dgm:else name="Name29">
-                        <dgm:alg type="lin">
-                          <dgm:param type="linDir" val="fromR"/>
-                          <dgm:param type="nodeVertAlign" val="t"/>
-                        </dgm:alg>
-                      </dgm:else>
-                    </dgm:choose>
-                    <dgm:shape xmlns:r="http://schemas.openxmlformats.org/officeDocument/2006/relationships" r:blip="">
-                      <dgm:adjLst/>
-                    </dgm:shape>
-                    <dgm:presOf/>
-                    <dgm:layoutNode name="horzSpace3">
-                      <dgm:alg type="sp"/>
-                      <dgm:shape xmlns:r="http://schemas.openxmlformats.org/officeDocument/2006/relationships" r:blip="">
-                        <dgm:adjLst/>
-                      </dgm:shape>
-                      <dgm:presOf/>
-                    </dgm:layoutNode>
-                    <dgm:layoutNode name="tx3" styleLbl="revTx">
-                      <dgm:alg type="tx">
-                        <dgm:param type="parTxLTRAlign" val="l"/>
-                        <dgm:param type="parTxRTLAlign" val="r"/>
-                        <dgm:param type="txAnchorVert" val="t"/>
-                      </dgm:alg>
-                      <dgm:shape xmlns:r="http://schemas.openxmlformats.org/officeDocument/2006/relationships" type="rect" r:blip="">
-                        <dgm:adjLst/>
-                      </dgm:shape>
-                      <dgm:presOf axis="self"/>
-                      <dgm:constrLst>
-                        <dgm:constr type="tMarg" refType="primFontSz" fact="0.3"/>
-                        <dgm:constr type="bMarg" refType="primFontSz" fact="0.3"/>
-                        <dgm:constr type="lMarg" refType="primFontSz" fact="0.3"/>
-                        <dgm:constr type="rMarg" refType="primFontSz" fact="0.3"/>
-                      </dgm:constrLst>
-                      <dgm:ruleLst>
-                        <dgm:rule type="primFontSz" val="5" fact="NaN" max="NaN"/>
-                      </dgm:ruleLst>
-                    </dgm:layoutNode>
-                    <dgm:layoutNode name="vert3">
-                      <dgm:choose name="Name30">
-                        <dgm:if name="Name31" func="var" arg="dir" op="equ" val="norm">
-                          <dgm:alg type="lin">
-                            <dgm:param type="linDir" val="fromT"/>
-                            <dgm:param type="nodeHorzAlign" val="l"/>
-                          </dgm:alg>
-                        </dgm:if>
-                        <dgm:else name="Name32">
-                          <dgm:alg type="lin">
-                            <dgm:param type="linDir" val="fromT"/>
-                            <dgm:param type="nodeHorzAlign" val="r"/>
-                          </dgm:alg>
-                        </dgm:else>
-                      </dgm:choose>
-                      <dgm:shape xmlns:r="http://schemas.openxmlformats.org/officeDocument/2006/relationships" r:blip="">
-                        <dgm:adjLst/>
-                      </dgm:shape>
-                      <dgm:presOf/>
-                      <dgm:forEach name="Name33" axis="ch" ptType="node">
-                        <dgm:layoutNode name="horz4">
-                          <dgm:choose name="Name34">
-                            <dgm:if name="Name35" func="var" arg="dir" op="equ" val="norm">
-                              <dgm:alg type="lin">
-                                <dgm:param type="linDir" val="fromL"/>
-                                <dgm:param type="nodeVertAlign" val="t"/>
-                              </dgm:alg>
-                            </dgm:if>
-                            <dgm:else name="Name36">
-                              <dgm:alg type="lin">
-                                <dgm:param type="linDir" val="fromR"/>
-                                <dgm:param type="nodeVertAlign" val="t"/>
-                              </dgm:alg>
-                            </dgm:else>
-                          </dgm:choose>
-                          <dgm:shape xmlns:r="http://schemas.openxmlformats.org/officeDocument/2006/relationships" r:blip="">
-                            <dgm:adjLst/>
-                          </dgm:shape>
-                          <dgm:presOf/>
-                          <dgm:layoutNode name="horzSpace4">
-                            <dgm:alg type="sp"/>
-                            <dgm:shape xmlns:r="http://schemas.openxmlformats.org/officeDocument/2006/relationships" r:blip="">
-                              <dgm:adjLst/>
-                            </dgm:shape>
-                            <dgm:presOf/>
-                          </dgm:layoutNode>
-                          <dgm:layoutNode name="tx4" styleLbl="revTx">
-                            <dgm:varLst>
-                              <dgm:bulletEnabled val="1"/>
-                            </dgm:varLst>
-                            <dgm:alg type="tx">
-                              <dgm:param type="parTxLTRAlign" val="l"/>
-                              <dgm:param type="parTxRTLAlign" val="r"/>
-                              <dgm:param type="txAnchorVert" val="t"/>
-                            </dgm:alg>
-                            <dgm:shape xmlns:r="http://schemas.openxmlformats.org/officeDocument/2006/relationships" type="rect" r:blip="">
-                              <dgm:adjLst/>
-                            </dgm:shape>
-                            <dgm:presOf axis="desOrSelf" ptType="node"/>
-                            <dgm:constrLst>
-                              <dgm:constr type="tMarg" refType="primFontSz" fact="0.3"/>
-                              <dgm:constr type="bMarg" refType="primFontSz" fact="0.3"/>
-                              <dgm:constr type="lMarg" refType="primFontSz" fact="0.3"/>
-                              <dgm:constr type="rMarg" refType="primFontSz" fact="0.3"/>
-                            </dgm:constrLst>
-                            <dgm:ruleLst>
-                              <dgm:rule type="primFontSz" val="5" fact="NaN" max="NaN"/>
-                            </dgm:ruleLst>
-                          </dgm:layoutNode>
-                        </dgm:layoutNode>
-                      </dgm:forEach>
-                    </dgm:layoutNode>
-                  </dgm:layoutNode>
-                  <dgm:forEach name="Name37" axis="followSib" ptType="sibTrans" cnt="1">
-                    <dgm:layoutNode name="thinLine3" styleLbl="callout">
-                      <dgm:alg type="sp"/>
-                      <dgm:shape xmlns:r="http://schemas.openxmlformats.org/officeDocument/2006/relationships" type="line" r:blip="">
-                        <dgm:adjLst/>
-                      </dgm:shape>
-                      <dgm:presOf/>
-                    </dgm:layoutNode>
-                  </dgm:forEach>
-                </dgm:forEach>
-              </dgm:layoutNode>
-            </dgm:layoutNode>
-            <dgm:layoutNode name="thinLine2b" styleLbl="callout">
-              <dgm:alg type="sp"/>
-              <dgm:shape xmlns:r="http://schemas.openxmlformats.org/officeDocument/2006/relationships" type="line" r:blip="">
-                <dgm:adjLst/>
-              </dgm:shape>
-              <dgm:presOf/>
-            </dgm:layoutNode>
-            <dgm:layoutNode name="vertSpace2b">
-              <dgm:alg type="sp"/>
-              <dgm:shape xmlns:r="http://schemas.openxmlformats.org/officeDocument/2006/relationships" r:blip="">
-                <dgm:adjLst/>
-              </dgm:shape>
-              <dgm:presOf/>
-            </dgm:layoutNode>
-          </dgm:forEach>
-        </dgm:layoutNode>
-      </dgm:layoutNode>
-    </dgm:forEach>
-  </dgm:layoutNode>
-</dgm:layoutDef>
-</file>
-
-<file path=ppt/diagrams/layout4.xml><?xml version="1.0" encoding="utf-8"?>
 <dgm:layoutDef xmlns:dgm="http://schemas.openxmlformats.org/drawingml/2006/diagram" xmlns:a="http://schemas.openxmlformats.org/drawingml/2006/main" uniqueId="urn:microsoft.com/office/officeart/2016/7/layout/RepeatingBendingProcessNew">
   <dgm:title val="Repeating Bending Process New"/>
   <dgm:desc val=""/>
@@ -12210,1040 +9897,6 @@
 </dgm:styleDef>
 </file>
 
-<file path=ppt/diagrams/quickStyle4.xml><?xml version="1.0" encoding="utf-8"?>
-<dgm:styleDef xmlns:dgm="http://schemas.openxmlformats.org/drawingml/2006/diagram" xmlns:a="http://schemas.openxmlformats.org/drawingml/2006/main" uniqueId="urn:microsoft.com/office/officeart/2005/8/quickstyle/simple1">
-  <dgm:title val=""/>
-  <dgm:desc val=""/>
-  <dgm:catLst>
-    <dgm:cat type="simple" pri="10100"/>
-  </dgm:catLst>
-  <dgm:scene3d>
-    <a:camera prst="orthographicFront"/>
-    <a:lightRig rig="threePt" dir="t"/>
-  </dgm:scene3d>
-  <dgm:styleLbl name="node0">
-    <dgm:scene3d>
-      <a:camera prst="orthographicFront"/>
-      <a:lightRig rig="threePt" dir="t"/>
-    </dgm:scene3d>
-    <dgm:sp3d/>
-    <dgm:txPr/>
-    <dgm:style>
-      <a:lnRef idx="2">
-        <a:scrgbClr r="0" g="0" b="0"/>
-      </a:lnRef>
-      <a:fillRef idx="1">
-        <a:scrgbClr r="0" g="0" b="0"/>
-      </a:fillRef>
-      <a:effectRef idx="0">
-        <a:scrgbClr r="0" g="0" b="0"/>
-      </a:effectRef>
-      <a:fontRef idx="minor">
-        <a:schemeClr val="lt1"/>
-      </a:fontRef>
-    </dgm:style>
-  </dgm:styleLbl>
-  <dgm:styleLbl name="lnNode1">
-    <dgm:scene3d>
-      <a:camera prst="orthographicFront"/>
-      <a:lightRig rig="threePt" dir="t"/>
-    </dgm:scene3d>
-    <dgm:sp3d/>
-    <dgm:txPr/>
-    <dgm:style>
-      <a:lnRef idx="2">
-        <a:scrgbClr r="0" g="0" b="0"/>
-      </a:lnRef>
-      <a:fillRef idx="1">
-        <a:scrgbClr r="0" g="0" b="0"/>
-      </a:fillRef>
-      <a:effectRef idx="0">
-        <a:scrgbClr r="0" g="0" b="0"/>
-      </a:effectRef>
-      <a:fontRef idx="minor">
-        <a:schemeClr val="lt1"/>
-      </a:fontRef>
-    </dgm:style>
-  </dgm:styleLbl>
-  <dgm:styleLbl name="vennNode1">
-    <dgm:scene3d>
-      <a:camera prst="orthographicFront"/>
-      <a:lightRig rig="threePt" dir="t"/>
-    </dgm:scene3d>
-    <dgm:sp3d/>
-    <dgm:txPr/>
-    <dgm:style>
-      <a:lnRef idx="2">
-        <a:scrgbClr r="0" g="0" b="0"/>
-      </a:lnRef>
-      <a:fillRef idx="1">
-        <a:scrgbClr r="0" g="0" b="0"/>
-      </a:fillRef>
-      <a:effectRef idx="0">
-        <a:scrgbClr r="0" g="0" b="0"/>
-      </a:effectRef>
-      <a:fontRef idx="minor">
-        <a:schemeClr val="tx1"/>
-      </a:fontRef>
-    </dgm:style>
-  </dgm:styleLbl>
-  <dgm:styleLbl name="alignNode1">
-    <dgm:scene3d>
-      <a:camera prst="orthographicFront"/>
-      <a:lightRig rig="threePt" dir="t"/>
-    </dgm:scene3d>
-    <dgm:sp3d/>
-    <dgm:txPr/>
-    <dgm:style>
-      <a:lnRef idx="2">
-        <a:scrgbClr r="0" g="0" b="0"/>
-      </a:lnRef>
-      <a:fillRef idx="1">
-        <a:scrgbClr r="0" g="0" b="0"/>
-      </a:fillRef>
-      <a:effectRef idx="0">
-        <a:scrgbClr r="0" g="0" b="0"/>
-      </a:effectRef>
-      <a:fontRef idx="minor">
-        <a:schemeClr val="lt1"/>
-      </a:fontRef>
-    </dgm:style>
-  </dgm:styleLbl>
-  <dgm:styleLbl name="node1">
-    <dgm:scene3d>
-      <a:camera prst="orthographicFront"/>
-      <a:lightRig rig="threePt" dir="t"/>
-    </dgm:scene3d>
-    <dgm:sp3d/>
-    <dgm:txPr/>
-    <dgm:style>
-      <a:lnRef idx="2">
-        <a:scrgbClr r="0" g="0" b="0"/>
-      </a:lnRef>
-      <a:fillRef idx="1">
-        <a:scrgbClr r="0" g="0" b="0"/>
-      </a:fillRef>
-      <a:effectRef idx="0">
-        <a:scrgbClr r="0" g="0" b="0"/>
-      </a:effectRef>
-      <a:fontRef idx="minor">
-        <a:schemeClr val="lt1"/>
-      </a:fontRef>
-    </dgm:style>
-  </dgm:styleLbl>
-  <dgm:styleLbl name="node2">
-    <dgm:scene3d>
-      <a:camera prst="orthographicFront"/>
-      <a:lightRig rig="threePt" dir="t"/>
-    </dgm:scene3d>
-    <dgm:sp3d/>
-    <dgm:txPr/>
-    <dgm:style>
-      <a:lnRef idx="2">
-        <a:scrgbClr r="0" g="0" b="0"/>
-      </a:lnRef>
-      <a:fillRef idx="1">
-        <a:scrgbClr r="0" g="0" b="0"/>
-      </a:fillRef>
-      <a:effectRef idx="0">
-        <a:scrgbClr r="0" g="0" b="0"/>
-      </a:effectRef>
-      <a:fontRef idx="minor">
-        <a:schemeClr val="lt1"/>
-      </a:fontRef>
-    </dgm:style>
-  </dgm:styleLbl>
-  <dgm:styleLbl name="node3">
-    <dgm:scene3d>
-      <a:camera prst="orthographicFront"/>
-      <a:lightRig rig="threePt" dir="t"/>
-    </dgm:scene3d>
-    <dgm:sp3d/>
-    <dgm:txPr/>
-    <dgm:style>
-      <a:lnRef idx="2">
-        <a:scrgbClr r="0" g="0" b="0"/>
-      </a:lnRef>
-      <a:fillRef idx="1">
-        <a:scrgbClr r="0" g="0" b="0"/>
-      </a:fillRef>
-      <a:effectRef idx="0">
-        <a:scrgbClr r="0" g="0" b="0"/>
-      </a:effectRef>
-      <a:fontRef idx="minor">
-        <a:schemeClr val="lt1"/>
-      </a:fontRef>
-    </dgm:style>
-  </dgm:styleLbl>
-  <dgm:styleLbl name="node4">
-    <dgm:scene3d>
-      <a:camera prst="orthographicFront"/>
-      <a:lightRig rig="threePt" dir="t"/>
-    </dgm:scene3d>
-    <dgm:sp3d/>
-    <dgm:txPr/>
-    <dgm:style>
-      <a:lnRef idx="2">
-        <a:scrgbClr r="0" g="0" b="0"/>
-      </a:lnRef>
-      <a:fillRef idx="1">
-        <a:scrgbClr r="0" g="0" b="0"/>
-      </a:fillRef>
-      <a:effectRef idx="0">
-        <a:scrgbClr r="0" g="0" b="0"/>
-      </a:effectRef>
-      <a:fontRef idx="minor">
-        <a:schemeClr val="lt1"/>
-      </a:fontRef>
-    </dgm:style>
-  </dgm:styleLbl>
-  <dgm:styleLbl name="fgImgPlace1">
-    <dgm:scene3d>
-      <a:camera prst="orthographicFront"/>
-      <a:lightRig rig="threePt" dir="t"/>
-    </dgm:scene3d>
-    <dgm:sp3d/>
-    <dgm:txPr/>
-    <dgm:style>
-      <a:lnRef idx="2">
-        <a:scrgbClr r="0" g="0" b="0"/>
-      </a:lnRef>
-      <a:fillRef idx="1">
-        <a:scrgbClr r="0" g="0" b="0"/>
-      </a:fillRef>
-      <a:effectRef idx="0">
-        <a:scrgbClr r="0" g="0" b="0"/>
-      </a:effectRef>
-      <a:fontRef idx="minor"/>
-    </dgm:style>
-  </dgm:styleLbl>
-  <dgm:styleLbl name="alignImgPlace1">
-    <dgm:scene3d>
-      <a:camera prst="orthographicFront"/>
-      <a:lightRig rig="threePt" dir="t"/>
-    </dgm:scene3d>
-    <dgm:sp3d/>
-    <dgm:txPr/>
-    <dgm:style>
-      <a:lnRef idx="2">
-        <a:scrgbClr r="0" g="0" b="0"/>
-      </a:lnRef>
-      <a:fillRef idx="1">
-        <a:scrgbClr r="0" g="0" b="0"/>
-      </a:fillRef>
-      <a:effectRef idx="0">
-        <a:scrgbClr r="0" g="0" b="0"/>
-      </a:effectRef>
-      <a:fontRef idx="minor"/>
-    </dgm:style>
-  </dgm:styleLbl>
-  <dgm:styleLbl name="bgImgPlace1">
-    <dgm:scene3d>
-      <a:camera prst="orthographicFront"/>
-      <a:lightRig rig="threePt" dir="t"/>
-    </dgm:scene3d>
-    <dgm:sp3d/>
-    <dgm:txPr/>
-    <dgm:style>
-      <a:lnRef idx="2">
-        <a:scrgbClr r="0" g="0" b="0"/>
-      </a:lnRef>
-      <a:fillRef idx="1">
-        <a:scrgbClr r="0" g="0" b="0"/>
-      </a:fillRef>
-      <a:effectRef idx="0">
-        <a:scrgbClr r="0" g="0" b="0"/>
-      </a:effectRef>
-      <a:fontRef idx="minor"/>
-    </dgm:style>
-  </dgm:styleLbl>
-  <dgm:styleLbl name="sibTrans2D1">
-    <dgm:scene3d>
-      <a:camera prst="orthographicFront"/>
-      <a:lightRig rig="threePt" dir="t"/>
-    </dgm:scene3d>
-    <dgm:sp3d/>
-    <dgm:txPr/>
-    <dgm:style>
-      <a:lnRef idx="0">
-        <a:scrgbClr r="0" g="0" b="0"/>
-      </a:lnRef>
-      <a:fillRef idx="1">
-        <a:scrgbClr r="0" g="0" b="0"/>
-      </a:fillRef>
-      <a:effectRef idx="0">
-        <a:scrgbClr r="0" g="0" b="0"/>
-      </a:effectRef>
-      <a:fontRef idx="minor">
-        <a:schemeClr val="lt1"/>
-      </a:fontRef>
-    </dgm:style>
-  </dgm:styleLbl>
-  <dgm:styleLbl name="fgSibTrans2D1">
-    <dgm:scene3d>
-      <a:camera prst="orthographicFront"/>
-      <a:lightRig rig="threePt" dir="t"/>
-    </dgm:scene3d>
-    <dgm:sp3d/>
-    <dgm:txPr/>
-    <dgm:style>
-      <a:lnRef idx="0">
-        <a:scrgbClr r="0" g="0" b="0"/>
-      </a:lnRef>
-      <a:fillRef idx="1">
-        <a:scrgbClr r="0" g="0" b="0"/>
-      </a:fillRef>
-      <a:effectRef idx="0">
-        <a:scrgbClr r="0" g="0" b="0"/>
-      </a:effectRef>
-      <a:fontRef idx="minor">
-        <a:schemeClr val="lt1"/>
-      </a:fontRef>
-    </dgm:style>
-  </dgm:styleLbl>
-  <dgm:styleLbl name="bgSibTrans2D1">
-    <dgm:scene3d>
-      <a:camera prst="orthographicFront"/>
-      <a:lightRig rig="threePt" dir="t"/>
-    </dgm:scene3d>
-    <dgm:sp3d/>
-    <dgm:txPr/>
-    <dgm:style>
-      <a:lnRef idx="0">
-        <a:scrgbClr r="0" g="0" b="0"/>
-      </a:lnRef>
-      <a:fillRef idx="1">
-        <a:scrgbClr r="0" g="0" b="0"/>
-      </a:fillRef>
-      <a:effectRef idx="0">
-        <a:scrgbClr r="0" g="0" b="0"/>
-      </a:effectRef>
-      <a:fontRef idx="minor">
-        <a:schemeClr val="lt1"/>
-      </a:fontRef>
-    </dgm:style>
-  </dgm:styleLbl>
-  <dgm:styleLbl name="sibTrans1D1">
-    <dgm:scene3d>
-      <a:camera prst="orthographicFront"/>
-      <a:lightRig rig="threePt" dir="t"/>
-    </dgm:scene3d>
-    <dgm:sp3d/>
-    <dgm:txPr/>
-    <dgm:style>
-      <a:lnRef idx="1">
-        <a:scrgbClr r="0" g="0" b="0"/>
-      </a:lnRef>
-      <a:fillRef idx="0">
-        <a:scrgbClr r="0" g="0" b="0"/>
-      </a:fillRef>
-      <a:effectRef idx="0">
-        <a:scrgbClr r="0" g="0" b="0"/>
-      </a:effectRef>
-      <a:fontRef idx="minor"/>
-    </dgm:style>
-  </dgm:styleLbl>
-  <dgm:styleLbl name="callout">
-    <dgm:scene3d>
-      <a:camera prst="orthographicFront"/>
-      <a:lightRig rig="threePt" dir="t"/>
-    </dgm:scene3d>
-    <dgm:sp3d/>
-    <dgm:txPr/>
-    <dgm:style>
-      <a:lnRef idx="2">
-        <a:scrgbClr r="0" g="0" b="0"/>
-      </a:lnRef>
-      <a:fillRef idx="1">
-        <a:scrgbClr r="0" g="0" b="0"/>
-      </a:fillRef>
-      <a:effectRef idx="0">
-        <a:scrgbClr r="0" g="0" b="0"/>
-      </a:effectRef>
-      <a:fontRef idx="minor"/>
-    </dgm:style>
-  </dgm:styleLbl>
-  <dgm:styleLbl name="asst0">
-    <dgm:scene3d>
-      <a:camera prst="orthographicFront"/>
-      <a:lightRig rig="threePt" dir="t"/>
-    </dgm:scene3d>
-    <dgm:sp3d/>
-    <dgm:txPr/>
-    <dgm:style>
-      <a:lnRef idx="2">
-        <a:scrgbClr r="0" g="0" b="0"/>
-      </a:lnRef>
-      <a:fillRef idx="1">
-        <a:scrgbClr r="0" g="0" b="0"/>
-      </a:fillRef>
-      <a:effectRef idx="0">
-        <a:scrgbClr r="0" g="0" b="0"/>
-      </a:effectRef>
-      <a:fontRef idx="minor">
-        <a:schemeClr val="lt1"/>
-      </a:fontRef>
-    </dgm:style>
-  </dgm:styleLbl>
-  <dgm:styleLbl name="asst1">
-    <dgm:scene3d>
-      <a:camera prst="orthographicFront"/>
-      <a:lightRig rig="threePt" dir="t"/>
-    </dgm:scene3d>
-    <dgm:sp3d/>
-    <dgm:txPr/>
-    <dgm:style>
-      <a:lnRef idx="2">
-        <a:scrgbClr r="0" g="0" b="0"/>
-      </a:lnRef>
-      <a:fillRef idx="1">
-        <a:scrgbClr r="0" g="0" b="0"/>
-      </a:fillRef>
-      <a:effectRef idx="0">
-        <a:scrgbClr r="0" g="0" b="0"/>
-      </a:effectRef>
-      <a:fontRef idx="minor">
-        <a:schemeClr val="lt1"/>
-      </a:fontRef>
-    </dgm:style>
-  </dgm:styleLbl>
-  <dgm:styleLbl name="asst2">
-    <dgm:scene3d>
-      <a:camera prst="orthographicFront"/>
-      <a:lightRig rig="threePt" dir="t"/>
-    </dgm:scene3d>
-    <dgm:sp3d/>
-    <dgm:txPr/>
-    <dgm:style>
-      <a:lnRef idx="2">
-        <a:scrgbClr r="0" g="0" b="0"/>
-      </a:lnRef>
-      <a:fillRef idx="1">
-        <a:scrgbClr r="0" g="0" b="0"/>
-      </a:fillRef>
-      <a:effectRef idx="0">
-        <a:scrgbClr r="0" g="0" b="0"/>
-      </a:effectRef>
-      <a:fontRef idx="minor">
-        <a:schemeClr val="lt1"/>
-      </a:fontRef>
-    </dgm:style>
-  </dgm:styleLbl>
-  <dgm:styleLbl name="asst3">
-    <dgm:scene3d>
-      <a:camera prst="orthographicFront"/>
-      <a:lightRig rig="threePt" dir="t"/>
-    </dgm:scene3d>
-    <dgm:sp3d/>
-    <dgm:txPr/>
-    <dgm:style>
-      <a:lnRef idx="2">
-        <a:scrgbClr r="0" g="0" b="0"/>
-      </a:lnRef>
-      <a:fillRef idx="1">
-        <a:scrgbClr r="0" g="0" b="0"/>
-      </a:fillRef>
-      <a:effectRef idx="0">
-        <a:scrgbClr r="0" g="0" b="0"/>
-      </a:effectRef>
-      <a:fontRef idx="minor">
-        <a:schemeClr val="lt1"/>
-      </a:fontRef>
-    </dgm:style>
-  </dgm:styleLbl>
-  <dgm:styleLbl name="asst4">
-    <dgm:scene3d>
-      <a:camera prst="orthographicFront"/>
-      <a:lightRig rig="threePt" dir="t"/>
-    </dgm:scene3d>
-    <dgm:sp3d/>
-    <dgm:txPr/>
-    <dgm:style>
-      <a:lnRef idx="2">
-        <a:scrgbClr r="0" g="0" b="0"/>
-      </a:lnRef>
-      <a:fillRef idx="1">
-        <a:scrgbClr r="0" g="0" b="0"/>
-      </a:fillRef>
-      <a:effectRef idx="0">
-        <a:scrgbClr r="0" g="0" b="0"/>
-      </a:effectRef>
-      <a:fontRef idx="minor">
-        <a:schemeClr val="lt1"/>
-      </a:fontRef>
-    </dgm:style>
-  </dgm:styleLbl>
-  <dgm:styleLbl name="parChTrans2D1">
-    <dgm:scene3d>
-      <a:camera prst="orthographicFront"/>
-      <a:lightRig rig="threePt" dir="t"/>
-    </dgm:scene3d>
-    <dgm:sp3d/>
-    <dgm:txPr/>
-    <dgm:style>
-      <a:lnRef idx="2">
-        <a:scrgbClr r="0" g="0" b="0"/>
-      </a:lnRef>
-      <a:fillRef idx="1">
-        <a:scrgbClr r="0" g="0" b="0"/>
-      </a:fillRef>
-      <a:effectRef idx="0">
-        <a:scrgbClr r="0" g="0" b="0"/>
-      </a:effectRef>
-      <a:fontRef idx="minor">
-        <a:schemeClr val="lt1"/>
-      </a:fontRef>
-    </dgm:style>
-  </dgm:styleLbl>
-  <dgm:styleLbl name="parChTrans2D2">
-    <dgm:scene3d>
-      <a:camera prst="orthographicFront"/>
-      <a:lightRig rig="threePt" dir="t"/>
-    </dgm:scene3d>
-    <dgm:sp3d/>
-    <dgm:txPr/>
-    <dgm:style>
-      <a:lnRef idx="2">
-        <a:scrgbClr r="0" g="0" b="0"/>
-      </a:lnRef>
-      <a:fillRef idx="1">
-        <a:scrgbClr r="0" g="0" b="0"/>
-      </a:fillRef>
-      <a:effectRef idx="0">
-        <a:scrgbClr r="0" g="0" b="0"/>
-      </a:effectRef>
-      <a:fontRef idx="minor">
-        <a:schemeClr val="lt1"/>
-      </a:fontRef>
-    </dgm:style>
-  </dgm:styleLbl>
-  <dgm:styleLbl name="parChTrans2D3">
-    <dgm:scene3d>
-      <a:camera prst="orthographicFront"/>
-      <a:lightRig rig="threePt" dir="t"/>
-    </dgm:scene3d>
-    <dgm:sp3d/>
-    <dgm:txPr/>
-    <dgm:style>
-      <a:lnRef idx="2">
-        <a:scrgbClr r="0" g="0" b="0"/>
-      </a:lnRef>
-      <a:fillRef idx="1">
-        <a:scrgbClr r="0" g="0" b="0"/>
-      </a:fillRef>
-      <a:effectRef idx="0">
-        <a:scrgbClr r="0" g="0" b="0"/>
-      </a:effectRef>
-      <a:fontRef idx="minor">
-        <a:schemeClr val="lt1"/>
-      </a:fontRef>
-    </dgm:style>
-  </dgm:styleLbl>
-  <dgm:styleLbl name="parChTrans2D4">
-    <dgm:scene3d>
-      <a:camera prst="orthographicFront"/>
-      <a:lightRig rig="threePt" dir="t"/>
-    </dgm:scene3d>
-    <dgm:sp3d/>
-    <dgm:txPr/>
-    <dgm:style>
-      <a:lnRef idx="2">
-        <a:scrgbClr r="0" g="0" b="0"/>
-      </a:lnRef>
-      <a:fillRef idx="1">
-        <a:scrgbClr r="0" g="0" b="0"/>
-      </a:fillRef>
-      <a:effectRef idx="0">
-        <a:scrgbClr r="0" g="0" b="0"/>
-      </a:effectRef>
-      <a:fontRef idx="minor">
-        <a:schemeClr val="lt1"/>
-      </a:fontRef>
-    </dgm:style>
-  </dgm:styleLbl>
-  <dgm:styleLbl name="parChTrans1D1">
-    <dgm:scene3d>
-      <a:camera prst="orthographicFront"/>
-      <a:lightRig rig="threePt" dir="t"/>
-    </dgm:scene3d>
-    <dgm:sp3d/>
-    <dgm:txPr/>
-    <dgm:style>
-      <a:lnRef idx="2">
-        <a:scrgbClr r="0" g="0" b="0"/>
-      </a:lnRef>
-      <a:fillRef idx="0">
-        <a:scrgbClr r="0" g="0" b="0"/>
-      </a:fillRef>
-      <a:effectRef idx="0">
-        <a:scrgbClr r="0" g="0" b="0"/>
-      </a:effectRef>
-      <a:fontRef idx="minor"/>
-    </dgm:style>
-  </dgm:styleLbl>
-  <dgm:styleLbl name="parChTrans1D2">
-    <dgm:scene3d>
-      <a:camera prst="orthographicFront"/>
-      <a:lightRig rig="threePt" dir="t"/>
-    </dgm:scene3d>
-    <dgm:sp3d/>
-    <dgm:txPr/>
-    <dgm:style>
-      <a:lnRef idx="2">
-        <a:scrgbClr r="0" g="0" b="0"/>
-      </a:lnRef>
-      <a:fillRef idx="0">
-        <a:scrgbClr r="0" g="0" b="0"/>
-      </a:fillRef>
-      <a:effectRef idx="0">
-        <a:scrgbClr r="0" g="0" b="0"/>
-      </a:effectRef>
-      <a:fontRef idx="minor"/>
-    </dgm:style>
-  </dgm:styleLbl>
-  <dgm:styleLbl name="parChTrans1D3">
-    <dgm:scene3d>
-      <a:camera prst="orthographicFront"/>
-      <a:lightRig rig="threePt" dir="t"/>
-    </dgm:scene3d>
-    <dgm:sp3d/>
-    <dgm:txPr/>
-    <dgm:style>
-      <a:lnRef idx="2">
-        <a:scrgbClr r="0" g="0" b="0"/>
-      </a:lnRef>
-      <a:fillRef idx="0">
-        <a:scrgbClr r="0" g="0" b="0"/>
-      </a:fillRef>
-      <a:effectRef idx="0">
-        <a:scrgbClr r="0" g="0" b="0"/>
-      </a:effectRef>
-      <a:fontRef idx="minor"/>
-    </dgm:style>
-  </dgm:styleLbl>
-  <dgm:styleLbl name="parChTrans1D4">
-    <dgm:scene3d>
-      <a:camera prst="orthographicFront"/>
-      <a:lightRig rig="threePt" dir="t"/>
-    </dgm:scene3d>
-    <dgm:sp3d/>
-    <dgm:txPr/>
-    <dgm:style>
-      <a:lnRef idx="2">
-        <a:scrgbClr r="0" g="0" b="0"/>
-      </a:lnRef>
-      <a:fillRef idx="0">
-        <a:scrgbClr r="0" g="0" b="0"/>
-      </a:fillRef>
-      <a:effectRef idx="0">
-        <a:scrgbClr r="0" g="0" b="0"/>
-      </a:effectRef>
-      <a:fontRef idx="minor"/>
-    </dgm:style>
-  </dgm:styleLbl>
-  <dgm:styleLbl name="fgAcc1">
-    <dgm:scene3d>
-      <a:camera prst="orthographicFront"/>
-      <a:lightRig rig="threePt" dir="t"/>
-    </dgm:scene3d>
-    <dgm:sp3d/>
-    <dgm:txPr/>
-    <dgm:style>
-      <a:lnRef idx="2">
-        <a:scrgbClr r="0" g="0" b="0"/>
-      </a:lnRef>
-      <a:fillRef idx="1">
-        <a:scrgbClr r="0" g="0" b="0"/>
-      </a:fillRef>
-      <a:effectRef idx="0">
-        <a:scrgbClr r="0" g="0" b="0"/>
-      </a:effectRef>
-      <a:fontRef idx="minor"/>
-    </dgm:style>
-  </dgm:styleLbl>
-  <dgm:styleLbl name="conFgAcc1">
-    <dgm:scene3d>
-      <a:camera prst="orthographicFront"/>
-      <a:lightRig rig="threePt" dir="t"/>
-    </dgm:scene3d>
-    <dgm:sp3d/>
-    <dgm:txPr/>
-    <dgm:style>
-      <a:lnRef idx="2">
-        <a:scrgbClr r="0" g="0" b="0"/>
-      </a:lnRef>
-      <a:fillRef idx="1">
-        <a:scrgbClr r="0" g="0" b="0"/>
-      </a:fillRef>
-      <a:effectRef idx="0">
-        <a:scrgbClr r="0" g="0" b="0"/>
-      </a:effectRef>
-      <a:fontRef idx="minor"/>
-    </dgm:style>
-  </dgm:styleLbl>
-  <dgm:styleLbl name="alignAcc1">
-    <dgm:scene3d>
-      <a:camera prst="orthographicFront"/>
-      <a:lightRig rig="threePt" dir="t"/>
-    </dgm:scene3d>
-    <dgm:sp3d/>
-    <dgm:txPr/>
-    <dgm:style>
-      <a:lnRef idx="2">
-        <a:scrgbClr r="0" g="0" b="0"/>
-      </a:lnRef>
-      <a:fillRef idx="1">
-        <a:scrgbClr r="0" g="0" b="0"/>
-      </a:fillRef>
-      <a:effectRef idx="0">
-        <a:scrgbClr r="0" g="0" b="0"/>
-      </a:effectRef>
-      <a:fontRef idx="minor"/>
-    </dgm:style>
-  </dgm:styleLbl>
-  <dgm:styleLbl name="trAlignAcc1">
-    <dgm:scene3d>
-      <a:camera prst="orthographicFront"/>
-      <a:lightRig rig="threePt" dir="t"/>
-    </dgm:scene3d>
-    <dgm:sp3d/>
-    <dgm:txPr/>
-    <dgm:style>
-      <a:lnRef idx="1">
-        <a:scrgbClr r="0" g="0" b="0"/>
-      </a:lnRef>
-      <a:fillRef idx="1">
-        <a:scrgbClr r="0" g="0" b="0"/>
-      </a:fillRef>
-      <a:effectRef idx="0">
-        <a:scrgbClr r="0" g="0" b="0"/>
-      </a:effectRef>
-      <a:fontRef idx="minor"/>
-    </dgm:style>
-  </dgm:styleLbl>
-  <dgm:styleLbl name="bgAcc1">
-    <dgm:scene3d>
-      <a:camera prst="orthographicFront"/>
-      <a:lightRig rig="threePt" dir="t"/>
-    </dgm:scene3d>
-    <dgm:sp3d/>
-    <dgm:txPr/>
-    <dgm:style>
-      <a:lnRef idx="2">
-        <a:scrgbClr r="0" g="0" b="0"/>
-      </a:lnRef>
-      <a:fillRef idx="1">
-        <a:scrgbClr r="0" g="0" b="0"/>
-      </a:fillRef>
-      <a:effectRef idx="0">
-        <a:scrgbClr r="0" g="0" b="0"/>
-      </a:effectRef>
-      <a:fontRef idx="minor"/>
-    </dgm:style>
-  </dgm:styleLbl>
-  <dgm:styleLbl name="solidFgAcc1">
-    <dgm:scene3d>
-      <a:camera prst="orthographicFront"/>
-      <a:lightRig rig="threePt" dir="t"/>
-    </dgm:scene3d>
-    <dgm:sp3d/>
-    <dgm:txPr/>
-    <dgm:style>
-      <a:lnRef idx="2">
-        <a:scrgbClr r="0" g="0" b="0"/>
-      </a:lnRef>
-      <a:fillRef idx="1">
-        <a:scrgbClr r="0" g="0" b="0"/>
-      </a:fillRef>
-      <a:effectRef idx="0">
-        <a:scrgbClr r="0" g="0" b="0"/>
-      </a:effectRef>
-      <a:fontRef idx="minor"/>
-    </dgm:style>
-  </dgm:styleLbl>
-  <dgm:styleLbl name="solidAlignAcc1">
-    <dgm:scene3d>
-      <a:camera prst="orthographicFront"/>
-      <a:lightRig rig="threePt" dir="t"/>
-    </dgm:scene3d>
-    <dgm:sp3d/>
-    <dgm:txPr/>
-    <dgm:style>
-      <a:lnRef idx="2">
-        <a:scrgbClr r="0" g="0" b="0"/>
-      </a:lnRef>
-      <a:fillRef idx="1">
-        <a:scrgbClr r="0" g="0" b="0"/>
-      </a:fillRef>
-      <a:effectRef idx="0">
-        <a:scrgbClr r="0" g="0" b="0"/>
-      </a:effectRef>
-      <a:fontRef idx="minor"/>
-    </dgm:style>
-  </dgm:styleLbl>
-  <dgm:styleLbl name="solidBgAcc1">
-    <dgm:scene3d>
-      <a:camera prst="orthographicFront"/>
-      <a:lightRig rig="threePt" dir="t"/>
-    </dgm:scene3d>
-    <dgm:sp3d/>
-    <dgm:txPr/>
-    <dgm:style>
-      <a:lnRef idx="2">
-        <a:scrgbClr r="0" g="0" b="0"/>
-      </a:lnRef>
-      <a:fillRef idx="1">
-        <a:scrgbClr r="0" g="0" b="0"/>
-      </a:fillRef>
-      <a:effectRef idx="0">
-        <a:scrgbClr r="0" g="0" b="0"/>
-      </a:effectRef>
-      <a:fontRef idx="minor"/>
-    </dgm:style>
-  </dgm:styleLbl>
-  <dgm:styleLbl name="fgAccFollowNode1">
-    <dgm:scene3d>
-      <a:camera prst="orthographicFront"/>
-      <a:lightRig rig="threePt" dir="t"/>
-    </dgm:scene3d>
-    <dgm:sp3d/>
-    <dgm:txPr/>
-    <dgm:style>
-      <a:lnRef idx="2">
-        <a:scrgbClr r="0" g="0" b="0"/>
-      </a:lnRef>
-      <a:fillRef idx="1">
-        <a:scrgbClr r="0" g="0" b="0"/>
-      </a:fillRef>
-      <a:effectRef idx="0">
-        <a:scrgbClr r="0" g="0" b="0"/>
-      </a:effectRef>
-      <a:fontRef idx="minor"/>
-    </dgm:style>
-  </dgm:styleLbl>
-  <dgm:styleLbl name="alignAccFollowNode1">
-    <dgm:scene3d>
-      <a:camera prst="orthographicFront"/>
-      <a:lightRig rig="threePt" dir="t"/>
-    </dgm:scene3d>
-    <dgm:sp3d/>
-    <dgm:txPr/>
-    <dgm:style>
-      <a:lnRef idx="2">
-        <a:scrgbClr r="0" g="0" b="0"/>
-      </a:lnRef>
-      <a:fillRef idx="1">
-        <a:scrgbClr r="0" g="0" b="0"/>
-      </a:fillRef>
-      <a:effectRef idx="0">
-        <a:scrgbClr r="0" g="0" b="0"/>
-      </a:effectRef>
-      <a:fontRef idx="minor"/>
-    </dgm:style>
-  </dgm:styleLbl>
-  <dgm:styleLbl name="bgAccFollowNode1">
-    <dgm:scene3d>
-      <a:camera prst="orthographicFront"/>
-      <a:lightRig rig="threePt" dir="t"/>
-    </dgm:scene3d>
-    <dgm:sp3d/>
-    <dgm:txPr/>
-    <dgm:style>
-      <a:lnRef idx="2">
-        <a:scrgbClr r="0" g="0" b="0"/>
-      </a:lnRef>
-      <a:fillRef idx="1">
-        <a:scrgbClr r="0" g="0" b="0"/>
-      </a:fillRef>
-      <a:effectRef idx="0">
-        <a:scrgbClr r="0" g="0" b="0"/>
-      </a:effectRef>
-      <a:fontRef idx="minor"/>
-    </dgm:style>
-  </dgm:styleLbl>
-  <dgm:styleLbl name="fgAcc0">
-    <dgm:scene3d>
-      <a:camera prst="orthographicFront"/>
-      <a:lightRig rig="threePt" dir="t"/>
-    </dgm:scene3d>
-    <dgm:sp3d/>
-    <dgm:txPr/>
-    <dgm:style>
-      <a:lnRef idx="2">
-        <a:scrgbClr r="0" g="0" b="0"/>
-      </a:lnRef>
-      <a:fillRef idx="1">
-        <a:scrgbClr r="0" g="0" b="0"/>
-      </a:fillRef>
-      <a:effectRef idx="0">
-        <a:scrgbClr r="0" g="0" b="0"/>
-      </a:effectRef>
-      <a:fontRef idx="minor"/>
-    </dgm:style>
-  </dgm:styleLbl>
-  <dgm:styleLbl name="fgAcc2">
-    <dgm:scene3d>
-      <a:camera prst="orthographicFront"/>
-      <a:lightRig rig="threePt" dir="t"/>
-    </dgm:scene3d>
-    <dgm:sp3d/>
-    <dgm:txPr/>
-    <dgm:style>
-      <a:lnRef idx="2">
-        <a:scrgbClr r="0" g="0" b="0"/>
-      </a:lnRef>
-      <a:fillRef idx="1">
-        <a:scrgbClr r="0" g="0" b="0"/>
-      </a:fillRef>
-      <a:effectRef idx="0">
-        <a:scrgbClr r="0" g="0" b="0"/>
-      </a:effectRef>
-      <a:fontRef idx="minor"/>
-    </dgm:style>
-  </dgm:styleLbl>
-  <dgm:styleLbl name="fgAcc3">
-    <dgm:scene3d>
-      <a:camera prst="orthographicFront"/>
-      <a:lightRig rig="threePt" dir="t"/>
-    </dgm:scene3d>
-    <dgm:sp3d/>
-    <dgm:txPr/>
-    <dgm:style>
-      <a:lnRef idx="2">
-        <a:scrgbClr r="0" g="0" b="0"/>
-      </a:lnRef>
-      <a:fillRef idx="1">
-        <a:scrgbClr r="0" g="0" b="0"/>
-      </a:fillRef>
-      <a:effectRef idx="0">
-        <a:scrgbClr r="0" g="0" b="0"/>
-      </a:effectRef>
-      <a:fontRef idx="minor"/>
-    </dgm:style>
-  </dgm:styleLbl>
-  <dgm:styleLbl name="fgAcc4">
-    <dgm:scene3d>
-      <a:camera prst="orthographicFront"/>
-      <a:lightRig rig="threePt" dir="t"/>
-    </dgm:scene3d>
-    <dgm:sp3d/>
-    <dgm:txPr/>
-    <dgm:style>
-      <a:lnRef idx="2">
-        <a:scrgbClr r="0" g="0" b="0"/>
-      </a:lnRef>
-      <a:fillRef idx="1">
-        <a:scrgbClr r="0" g="0" b="0"/>
-      </a:fillRef>
-      <a:effectRef idx="0">
-        <a:scrgbClr r="0" g="0" b="0"/>
-      </a:effectRef>
-      <a:fontRef idx="minor"/>
-    </dgm:style>
-  </dgm:styleLbl>
-  <dgm:styleLbl name="bgShp">
-    <dgm:scene3d>
-      <a:camera prst="orthographicFront"/>
-      <a:lightRig rig="threePt" dir="t"/>
-    </dgm:scene3d>
-    <dgm:sp3d/>
-    <dgm:txPr/>
-    <dgm:style>
-      <a:lnRef idx="0">
-        <a:scrgbClr r="0" g="0" b="0"/>
-      </a:lnRef>
-      <a:fillRef idx="1">
-        <a:scrgbClr r="0" g="0" b="0"/>
-      </a:fillRef>
-      <a:effectRef idx="0">
-        <a:scrgbClr r="0" g="0" b="0"/>
-      </a:effectRef>
-      <a:fontRef idx="minor"/>
-    </dgm:style>
-  </dgm:styleLbl>
-  <dgm:styleLbl name="dkBgShp">
-    <dgm:scene3d>
-      <a:camera prst="orthographicFront"/>
-      <a:lightRig rig="threePt" dir="t"/>
-    </dgm:scene3d>
-    <dgm:sp3d/>
-    <dgm:txPr/>
-    <dgm:style>
-      <a:lnRef idx="0">
-        <a:scrgbClr r="0" g="0" b="0"/>
-      </a:lnRef>
-      <a:fillRef idx="1">
-        <a:scrgbClr r="0" g="0" b="0"/>
-      </a:fillRef>
-      <a:effectRef idx="0">
-        <a:scrgbClr r="0" g="0" b="0"/>
-      </a:effectRef>
-      <a:fontRef idx="minor"/>
-    </dgm:style>
-  </dgm:styleLbl>
-  <dgm:styleLbl name="trBgShp">
-    <dgm:scene3d>
-      <a:camera prst="orthographicFront"/>
-      <a:lightRig rig="threePt" dir="t"/>
-    </dgm:scene3d>
-    <dgm:sp3d/>
-    <dgm:txPr/>
-    <dgm:style>
-      <a:lnRef idx="0">
-        <a:scrgbClr r="0" g="0" b="0"/>
-      </a:lnRef>
-      <a:fillRef idx="1">
-        <a:scrgbClr r="0" g="0" b="0"/>
-      </a:fillRef>
-      <a:effectRef idx="0">
-        <a:scrgbClr r="0" g="0" b="0"/>
-      </a:effectRef>
-      <a:fontRef idx="minor"/>
-    </dgm:style>
-  </dgm:styleLbl>
-  <dgm:styleLbl name="fgShp">
-    <dgm:scene3d>
-      <a:camera prst="orthographicFront"/>
-      <a:lightRig rig="threePt" dir="t"/>
-    </dgm:scene3d>
-    <dgm:sp3d/>
-    <dgm:txPr/>
-    <dgm:style>
-      <a:lnRef idx="2">
-        <a:scrgbClr r="0" g="0" b="0"/>
-      </a:lnRef>
-      <a:fillRef idx="1">
-        <a:scrgbClr r="0" g="0" b="0"/>
-      </a:fillRef>
-      <a:effectRef idx="0">
-        <a:scrgbClr r="0" g="0" b="0"/>
-      </a:effectRef>
-      <a:fontRef idx="minor"/>
-    </dgm:style>
-  </dgm:styleLbl>
-  <dgm:styleLbl name="revTx">
-    <dgm:scene3d>
-      <a:camera prst="orthographicFront"/>
-      <a:lightRig rig="threePt" dir="t"/>
-    </dgm:scene3d>
-    <dgm:sp3d/>
-    <dgm:txPr/>
-    <dgm:style>
-      <a:lnRef idx="0">
-        <a:scrgbClr r="0" g="0" b="0"/>
-      </a:lnRef>
-      <a:fillRef idx="0">
-        <a:scrgbClr r="0" g="0" b="0"/>
-      </a:fillRef>
-      <a:effectRef idx="0">
-        <a:scrgbClr r="0" g="0" b="0"/>
-      </a:effectRef>
-      <a:fontRef idx="minor"/>
-    </dgm:style>
-  </dgm:styleLbl>
-</dgm:styleDef>
-</file>
-
 <file path=ppt/slideLayouts/slideLayout1.xml><?xml version="1.0" encoding="utf-8"?>
 <p:sldLayout xmlns:a="http://schemas.openxmlformats.org/drawingml/2006/main" xmlns:r="http://schemas.openxmlformats.org/officeDocument/2006/relationships" xmlns:p="http://schemas.openxmlformats.org/presentationml/2006/main" type="title" preserve="1">
   <p:cSld name="Title Slide">
@@ -13423,7 +10076,7 @@
           <a:p>
             <a:fld id="{5BCAD085-E8A6-8845-BD4E-CB4CCA059FC4}" type="datetimeFigureOut">
               <a:rPr lang="en-US" smtClean="0"/>
-              <a:t>8/25/2024</a:t>
+              <a:t>8/29/2024</a:t>
             </a:fld>
             <a:endParaRPr lang="en-US"/>
           </a:p>
@@ -13481,13 +10134,13 @@
   <p:clrMapOvr>
     <a:masterClrMapping/>
   </p:clrMapOvr>
-  <mc:AlternateContent xmlns:mc="http://schemas.openxmlformats.org/markup-compatibility/2006">
-    <mc:Choice xmlns:p14="http://schemas.microsoft.com/office/powerpoint/2010/main" Requires="p14">
+  <mc:AlternateContent xmlns:mc="http://schemas.openxmlformats.org/markup-compatibility/2006" xmlns:p14="http://schemas.microsoft.com/office/powerpoint/2010/main">
+    <mc:Choice Requires="p14">
       <p:transition spd="slow" p14:dur="1500">
         <p:random/>
       </p:transition>
     </mc:Choice>
-    <mc:Fallback>
+    <mc:Fallback xmlns="">
       <p:transition spd="slow">
         <p:random/>
       </p:transition>
@@ -13603,7 +10256,7 @@
           <a:p>
             <a:fld id="{5BCAD085-E8A6-8845-BD4E-CB4CCA059FC4}" type="datetimeFigureOut">
               <a:rPr lang="en-US" smtClean="0"/>
-              <a:t>8/25/2024</a:t>
+              <a:t>8/29/2024</a:t>
             </a:fld>
             <a:endParaRPr lang="en-US"/>
           </a:p>
@@ -13661,13 +10314,13 @@
   <p:clrMapOvr>
     <a:masterClrMapping/>
   </p:clrMapOvr>
-  <mc:AlternateContent xmlns:mc="http://schemas.openxmlformats.org/markup-compatibility/2006">
-    <mc:Choice xmlns:p14="http://schemas.microsoft.com/office/powerpoint/2010/main" Requires="p14">
+  <mc:AlternateContent xmlns:mc="http://schemas.openxmlformats.org/markup-compatibility/2006" xmlns:p14="http://schemas.microsoft.com/office/powerpoint/2010/main">
+    <mc:Choice Requires="p14">
       <p:transition spd="slow" p14:dur="1500">
         <p:random/>
       </p:transition>
     </mc:Choice>
-    <mc:Fallback>
+    <mc:Fallback xmlns="">
       <p:transition spd="slow">
         <p:random/>
       </p:transition>
@@ -13793,7 +10446,7 @@
           <a:p>
             <a:fld id="{5BCAD085-E8A6-8845-BD4E-CB4CCA059FC4}" type="datetimeFigureOut">
               <a:rPr lang="en-US" smtClean="0"/>
-              <a:t>8/25/2024</a:t>
+              <a:t>8/29/2024</a:t>
             </a:fld>
             <a:endParaRPr lang="en-US"/>
           </a:p>
@@ -13851,13 +10504,13 @@
   <p:clrMapOvr>
     <a:masterClrMapping/>
   </p:clrMapOvr>
-  <mc:AlternateContent xmlns:mc="http://schemas.openxmlformats.org/markup-compatibility/2006">
-    <mc:Choice xmlns:p14="http://schemas.microsoft.com/office/powerpoint/2010/main" Requires="p14">
+  <mc:AlternateContent xmlns:mc="http://schemas.openxmlformats.org/markup-compatibility/2006" xmlns:p14="http://schemas.microsoft.com/office/powerpoint/2010/main">
+    <mc:Choice Requires="p14">
       <p:transition spd="slow" p14:dur="1500">
         <p:random/>
       </p:transition>
     </mc:Choice>
-    <mc:Fallback>
+    <mc:Fallback xmlns="">
       <p:transition spd="slow">
         <p:random/>
       </p:transition>
@@ -13973,7 +10626,7 @@
           <a:p>
             <a:fld id="{5BCAD085-E8A6-8845-BD4E-CB4CCA059FC4}" type="datetimeFigureOut">
               <a:rPr lang="en-US" smtClean="0"/>
-              <a:t>8/25/2024</a:t>
+              <a:t>8/29/2024</a:t>
             </a:fld>
             <a:endParaRPr lang="en-US"/>
           </a:p>
@@ -14031,13 +10684,13 @@
   <p:clrMapOvr>
     <a:masterClrMapping/>
   </p:clrMapOvr>
-  <mc:AlternateContent xmlns:mc="http://schemas.openxmlformats.org/markup-compatibility/2006">
-    <mc:Choice xmlns:p14="http://schemas.microsoft.com/office/powerpoint/2010/main" Requires="p14">
+  <mc:AlternateContent xmlns:mc="http://schemas.openxmlformats.org/markup-compatibility/2006" xmlns:p14="http://schemas.microsoft.com/office/powerpoint/2010/main">
+    <mc:Choice Requires="p14">
       <p:transition spd="slow" p14:dur="1500">
         <p:random/>
       </p:transition>
     </mc:Choice>
-    <mc:Fallback>
+    <mc:Fallback xmlns="">
       <p:transition spd="slow">
         <p:random/>
       </p:transition>
@@ -14230,7 +10883,7 @@
           <a:p>
             <a:fld id="{5BCAD085-E8A6-8845-BD4E-CB4CCA059FC4}" type="datetimeFigureOut">
               <a:rPr lang="en-US" smtClean="0"/>
-              <a:t>8/25/2024</a:t>
+              <a:t>8/29/2024</a:t>
             </a:fld>
             <a:endParaRPr lang="en-US"/>
           </a:p>
@@ -14288,13 +10941,13 @@
   <p:clrMapOvr>
     <a:masterClrMapping/>
   </p:clrMapOvr>
-  <mc:AlternateContent xmlns:mc="http://schemas.openxmlformats.org/markup-compatibility/2006">
-    <mc:Choice xmlns:p14="http://schemas.microsoft.com/office/powerpoint/2010/main" Requires="p14">
+  <mc:AlternateContent xmlns:mc="http://schemas.openxmlformats.org/markup-compatibility/2006" xmlns:p14="http://schemas.microsoft.com/office/powerpoint/2010/main">
+    <mc:Choice Requires="p14">
       <p:transition spd="slow" p14:dur="1500">
         <p:random/>
       </p:transition>
     </mc:Choice>
-    <mc:Fallback>
+    <mc:Fallback xmlns="">
       <p:transition spd="slow">
         <p:random/>
       </p:transition>
@@ -14527,7 +11180,7 @@
           <a:p>
             <a:fld id="{5BCAD085-E8A6-8845-BD4E-CB4CCA059FC4}" type="datetimeFigureOut">
               <a:rPr lang="en-US" smtClean="0"/>
-              <a:t>8/25/2024</a:t>
+              <a:t>8/29/2024</a:t>
             </a:fld>
             <a:endParaRPr lang="en-US"/>
           </a:p>
@@ -14585,13 +11238,13 @@
   <p:clrMapOvr>
     <a:masterClrMapping/>
   </p:clrMapOvr>
-  <mc:AlternateContent xmlns:mc="http://schemas.openxmlformats.org/markup-compatibility/2006">
-    <mc:Choice xmlns:p14="http://schemas.microsoft.com/office/powerpoint/2010/main" Requires="p14">
+  <mc:AlternateContent xmlns:mc="http://schemas.openxmlformats.org/markup-compatibility/2006" xmlns:p14="http://schemas.microsoft.com/office/powerpoint/2010/main">
+    <mc:Choice Requires="p14">
       <p:transition spd="slow" p14:dur="1500">
         <p:random/>
       </p:transition>
     </mc:Choice>
-    <mc:Fallback>
+    <mc:Fallback xmlns="">
       <p:transition spd="slow">
         <p:random/>
       </p:transition>
@@ -14958,7 +11611,7 @@
           <a:p>
             <a:fld id="{5BCAD085-E8A6-8845-BD4E-CB4CCA059FC4}" type="datetimeFigureOut">
               <a:rPr lang="en-US" smtClean="0"/>
-              <a:t>8/25/2024</a:t>
+              <a:t>8/29/2024</a:t>
             </a:fld>
             <a:endParaRPr lang="en-US"/>
           </a:p>
@@ -15016,13 +11669,13 @@
   <p:clrMapOvr>
     <a:masterClrMapping/>
   </p:clrMapOvr>
-  <mc:AlternateContent xmlns:mc="http://schemas.openxmlformats.org/markup-compatibility/2006">
-    <mc:Choice xmlns:p14="http://schemas.microsoft.com/office/powerpoint/2010/main" Requires="p14">
+  <mc:AlternateContent xmlns:mc="http://schemas.openxmlformats.org/markup-compatibility/2006" xmlns:p14="http://schemas.microsoft.com/office/powerpoint/2010/main">
+    <mc:Choice Requires="p14">
       <p:transition spd="slow" p14:dur="1500">
         <p:random/>
       </p:transition>
     </mc:Choice>
-    <mc:Fallback>
+    <mc:Fallback xmlns="">
       <p:transition spd="slow">
         <p:random/>
       </p:transition>
@@ -15087,7 +11740,7 @@
           <a:p>
             <a:fld id="{5BCAD085-E8A6-8845-BD4E-CB4CCA059FC4}" type="datetimeFigureOut">
               <a:rPr lang="en-US" smtClean="0"/>
-              <a:t>8/25/2024</a:t>
+              <a:t>8/29/2024</a:t>
             </a:fld>
             <a:endParaRPr lang="en-US"/>
           </a:p>
@@ -15145,13 +11798,13 @@
   <p:clrMapOvr>
     <a:masterClrMapping/>
   </p:clrMapOvr>
-  <mc:AlternateContent xmlns:mc="http://schemas.openxmlformats.org/markup-compatibility/2006">
-    <mc:Choice xmlns:p14="http://schemas.microsoft.com/office/powerpoint/2010/main" Requires="p14">
+  <mc:AlternateContent xmlns:mc="http://schemas.openxmlformats.org/markup-compatibility/2006" xmlns:p14="http://schemas.microsoft.com/office/powerpoint/2010/main">
+    <mc:Choice Requires="p14">
       <p:transition spd="slow" p14:dur="1500">
         <p:random/>
       </p:transition>
     </mc:Choice>
-    <mc:Fallback>
+    <mc:Fallback xmlns="">
       <p:transition spd="slow">
         <p:random/>
       </p:transition>
@@ -15194,7 +11847,7 @@
           <a:p>
             <a:fld id="{5BCAD085-E8A6-8845-BD4E-CB4CCA059FC4}" type="datetimeFigureOut">
               <a:rPr lang="en-US" smtClean="0"/>
-              <a:t>8/25/2024</a:t>
+              <a:t>8/29/2024</a:t>
             </a:fld>
             <a:endParaRPr lang="en-US"/>
           </a:p>
@@ -15252,13 +11905,13 @@
   <p:clrMapOvr>
     <a:masterClrMapping/>
   </p:clrMapOvr>
-  <mc:AlternateContent xmlns:mc="http://schemas.openxmlformats.org/markup-compatibility/2006">
-    <mc:Choice xmlns:p14="http://schemas.microsoft.com/office/powerpoint/2010/main" Requires="p14">
+  <mc:AlternateContent xmlns:mc="http://schemas.openxmlformats.org/markup-compatibility/2006" xmlns:p14="http://schemas.microsoft.com/office/powerpoint/2010/main">
+    <mc:Choice Requires="p14">
       <p:transition spd="slow" p14:dur="1500">
         <p:random/>
       </p:transition>
     </mc:Choice>
-    <mc:Fallback>
+    <mc:Fallback xmlns="">
       <p:transition spd="slow">
         <p:random/>
       </p:transition>
@@ -15481,7 +12134,7 @@
           <a:p>
             <a:fld id="{5BCAD085-E8A6-8845-BD4E-CB4CCA059FC4}" type="datetimeFigureOut">
               <a:rPr lang="en-US" smtClean="0"/>
-              <a:t>8/25/2024</a:t>
+              <a:t>8/29/2024</a:t>
             </a:fld>
             <a:endParaRPr lang="en-US"/>
           </a:p>
@@ -15539,13 +12192,13 @@
   <p:clrMapOvr>
     <a:masterClrMapping/>
   </p:clrMapOvr>
-  <mc:AlternateContent xmlns:mc="http://schemas.openxmlformats.org/markup-compatibility/2006">
-    <mc:Choice xmlns:p14="http://schemas.microsoft.com/office/powerpoint/2010/main" Requires="p14">
+  <mc:AlternateContent xmlns:mc="http://schemas.openxmlformats.org/markup-compatibility/2006" xmlns:p14="http://schemas.microsoft.com/office/powerpoint/2010/main">
+    <mc:Choice Requires="p14">
       <p:transition spd="slow" p14:dur="1500">
         <p:random/>
       </p:transition>
     </mc:Choice>
-    <mc:Fallback>
+    <mc:Fallback xmlns="">
       <p:transition spd="slow">
         <p:random/>
       </p:transition>
@@ -15745,7 +12398,7 @@
           <a:p>
             <a:fld id="{5BCAD085-E8A6-8845-BD4E-CB4CCA059FC4}" type="datetimeFigureOut">
               <a:rPr lang="en-US" smtClean="0"/>
-              <a:t>8/25/2024</a:t>
+              <a:t>8/29/2024</a:t>
             </a:fld>
             <a:endParaRPr lang="en-US"/>
           </a:p>
@@ -15803,13 +12456,13 @@
   <p:clrMapOvr>
     <a:masterClrMapping/>
   </p:clrMapOvr>
-  <mc:AlternateContent xmlns:mc="http://schemas.openxmlformats.org/markup-compatibility/2006">
-    <mc:Choice xmlns:p14="http://schemas.microsoft.com/office/powerpoint/2010/main" Requires="p14">
+  <mc:AlternateContent xmlns:mc="http://schemas.openxmlformats.org/markup-compatibility/2006" xmlns:p14="http://schemas.microsoft.com/office/powerpoint/2010/main">
+    <mc:Choice Requires="p14">
       <p:transition spd="slow" p14:dur="1500">
         <p:random/>
       </p:transition>
     </mc:Choice>
-    <mc:Fallback>
+    <mc:Fallback xmlns="">
       <p:transition spd="slow">
         <p:random/>
       </p:transition>
@@ -15968,7 +12621,7 @@
           <a:p>
             <a:fld id="{5BCAD085-E8A6-8845-BD4E-CB4CCA059FC4}" type="datetimeFigureOut">
               <a:rPr lang="en-US" smtClean="0"/>
-              <a:t>8/25/2024</a:t>
+              <a:t>8/29/2024</a:t>
             </a:fld>
             <a:endParaRPr lang="en-US"/>
           </a:p>
@@ -16073,13 +12726,13 @@
     <p:sldLayoutId id="2147483658" r:id="rId10"/>
     <p:sldLayoutId id="2147483659" r:id="rId11"/>
   </p:sldLayoutIdLst>
-  <mc:AlternateContent xmlns:mc="http://schemas.openxmlformats.org/markup-compatibility/2006">
-    <mc:Choice xmlns:p14="http://schemas.microsoft.com/office/powerpoint/2010/main" Requires="p14">
+  <mc:AlternateContent xmlns:mc="http://schemas.openxmlformats.org/markup-compatibility/2006" xmlns:p14="http://schemas.microsoft.com/office/powerpoint/2010/main">
+    <mc:Choice Requires="p14">
       <p:transition spd="slow" p14:dur="1500">
         <p:random/>
       </p:transition>
     </mc:Choice>
-    <mc:Fallback>
+    <mc:Fallback xmlns="">
       <p:transition spd="slow">
         <p:random/>
       </p:transition>
@@ -17383,13 +14036,13 @@
   <p:clrMapOvr>
     <a:masterClrMapping/>
   </p:clrMapOvr>
-  <mc:AlternateContent xmlns:mc="http://schemas.openxmlformats.org/markup-compatibility/2006">
-    <mc:Choice xmlns:p14="http://schemas.microsoft.com/office/powerpoint/2010/main" Requires="p14">
+  <mc:AlternateContent xmlns:mc="http://schemas.openxmlformats.org/markup-compatibility/2006" xmlns:p14="http://schemas.microsoft.com/office/powerpoint/2010/main">
+    <mc:Choice Requires="p14">
       <p:transition spd="slow" p14:dur="1500">
         <p:random/>
       </p:transition>
     </mc:Choice>
-    <mc:Fallback>
+    <mc:Fallback xmlns="">
       <p:transition spd="slow">
         <p:random/>
       </p:transition>
@@ -18664,13 +15317,13 @@
   <p:clrMapOvr>
     <a:masterClrMapping/>
   </p:clrMapOvr>
-  <mc:AlternateContent xmlns:mc="http://schemas.openxmlformats.org/markup-compatibility/2006">
-    <mc:Choice xmlns:p14="http://schemas.microsoft.com/office/powerpoint/2010/main" Requires="p14">
+  <mc:AlternateContent xmlns:mc="http://schemas.openxmlformats.org/markup-compatibility/2006" xmlns:p14="http://schemas.microsoft.com/office/powerpoint/2010/main">
+    <mc:Choice Requires="p14">
       <p:transition spd="slow" p14:dur="1500">
         <p:random/>
       </p:transition>
     </mc:Choice>
-    <mc:Fallback>
+    <mc:Fallback xmlns="">
       <p:transition spd="slow">
         <p:random/>
       </p:transition>
@@ -19668,13 +16321,13 @@
   <p:clrMapOvr>
     <a:masterClrMapping/>
   </p:clrMapOvr>
-  <mc:AlternateContent xmlns:mc="http://schemas.openxmlformats.org/markup-compatibility/2006">
-    <mc:Choice xmlns:p14="http://schemas.microsoft.com/office/powerpoint/2010/main" Requires="p14">
+  <mc:AlternateContent xmlns:mc="http://schemas.openxmlformats.org/markup-compatibility/2006" xmlns:p14="http://schemas.microsoft.com/office/powerpoint/2010/main">
+    <mc:Choice Requires="p14">
       <p:transition spd="slow" p14:dur="1500">
         <p:random/>
       </p:transition>
     </mc:Choice>
-    <mc:Fallback>
+    <mc:Fallback xmlns="">
       <p:transition spd="slow">
         <p:random/>
       </p:transition>
@@ -20255,13 +16908,13 @@
   <p:clrMapOvr>
     <a:masterClrMapping/>
   </p:clrMapOvr>
-  <mc:AlternateContent xmlns:mc="http://schemas.openxmlformats.org/markup-compatibility/2006">
-    <mc:Choice xmlns:p14="http://schemas.microsoft.com/office/powerpoint/2010/main" Requires="p14">
+  <mc:AlternateContent xmlns:mc="http://schemas.openxmlformats.org/markup-compatibility/2006" xmlns:p14="http://schemas.microsoft.com/office/powerpoint/2010/main">
+    <mc:Choice Requires="p14">
       <p:transition spd="slow" p14:dur="1500">
         <p:random/>
       </p:transition>
     </mc:Choice>
-    <mc:Fallback>
+    <mc:Fallback xmlns="">
       <p:transition spd="slow">
         <p:random/>
       </p:transition>
@@ -20654,13 +17307,13 @@
   <p:clrMapOvr>
     <a:masterClrMapping/>
   </p:clrMapOvr>
-  <mc:AlternateContent xmlns:mc="http://schemas.openxmlformats.org/markup-compatibility/2006">
-    <mc:Choice xmlns:p14="http://schemas.microsoft.com/office/powerpoint/2010/main" Requires="p14">
+  <mc:AlternateContent xmlns:mc="http://schemas.openxmlformats.org/markup-compatibility/2006" xmlns:p14="http://schemas.microsoft.com/office/powerpoint/2010/main">
+    <mc:Choice Requires="p14">
       <p:transition spd="slow" p14:dur="1500">
         <p:random/>
       </p:transition>
     </mc:Choice>
-    <mc:Fallback>
+    <mc:Fallback xmlns="">
       <p:transition spd="slow">
         <p:random/>
       </p:transition>
@@ -21755,13 +18408,13 @@
   <p:clrMapOvr>
     <a:masterClrMapping/>
   </p:clrMapOvr>
-  <mc:AlternateContent xmlns:mc="http://schemas.openxmlformats.org/markup-compatibility/2006">
-    <mc:Choice xmlns:p14="http://schemas.microsoft.com/office/powerpoint/2010/main" Requires="p14">
+  <mc:AlternateContent xmlns:mc="http://schemas.openxmlformats.org/markup-compatibility/2006" xmlns:p14="http://schemas.microsoft.com/office/powerpoint/2010/main">
+    <mc:Choice Requires="p14">
       <p:transition spd="slow" p14:dur="1500">
         <p:random/>
       </p:transition>
     </mc:Choice>
-    <mc:Fallback>
+    <mc:Fallback xmlns="">
       <p:transition spd="slow">
         <p:random/>
       </p:transition>
@@ -22691,13 +19344,13 @@
   <p:clrMapOvr>
     <a:masterClrMapping/>
   </p:clrMapOvr>
-  <mc:AlternateContent xmlns:mc="http://schemas.openxmlformats.org/markup-compatibility/2006">
-    <mc:Choice xmlns:p14="http://schemas.microsoft.com/office/powerpoint/2010/main" Requires="p14">
+  <mc:AlternateContent xmlns:mc="http://schemas.openxmlformats.org/markup-compatibility/2006" xmlns:p14="http://schemas.microsoft.com/office/powerpoint/2010/main">
+    <mc:Choice Requires="p14">
       <p:transition spd="slow" p14:dur="1500">
         <p:random/>
       </p:transition>
     </mc:Choice>
-    <mc:Fallback>
+    <mc:Fallback xmlns="">
       <p:transition spd="slow">
         <p:random/>
       </p:transition>
@@ -22712,7 +19365,10 @@
     <p:bg>
       <p:bgPr>
         <a:solidFill>
-          <a:schemeClr val="bg1"/>
+          <a:schemeClr val="bg1">
+            <a:tint val="95000"/>
+            <a:satMod val="170000"/>
+          </a:schemeClr>
         </a:solidFill>
         <a:effectLst/>
       </p:bgPr>
@@ -22731,12 +19387,12 @@
           <a:chExt cx="0" cy="0"/>
         </a:xfrm>
       </p:grpSpPr>
-      <p:sp useBgFill="1">
+      <p:sp>
         <p:nvSpPr>
-          <p:cNvPr id="15" name="Rectangle 14">
+          <p:cNvPr id="76" name="Rectangle 75">
             <a:extLst>
               <a:ext uri="{FF2B5EF4-FFF2-40B4-BE49-F238E27FC236}">
-                <a16:creationId xmlns:a16="http://schemas.microsoft.com/office/drawing/2014/main" id="{2659FDB4-FCBE-4A89-B46D-43D4FA54464D}"/>
+                <a16:creationId xmlns:a16="http://schemas.microsoft.com/office/drawing/2014/main" id="{5CB593EA-2F98-479F-B4C4-F366571FA64D}"/>
               </a:ext>
               <a:ext uri="{C183D7F6-B498-43B3-948B-1728B52AA6E4}">
                 <adec:decorative xmlns:adec="http://schemas.microsoft.com/office/drawing/2017/decorative" val="1"/>
@@ -22762,6 +19418,9 @@
           <a:prstGeom prst="rect">
             <a:avLst/>
           </a:prstGeom>
+          <a:solidFill>
+            <a:schemeClr val="tx1"/>
+          </a:solidFill>
           <a:ln>
             <a:noFill/>
           </a:ln>
@@ -22786,11 +19445,215 @@
           <a:bodyPr rtlCol="0" anchor="ctr"/>
           <a:lstStyle/>
           <a:p>
-            <a:pPr algn="ctr"/>
-            <a:endParaRPr lang="en-US">
+            <a:pPr marL="0" marR="0" lvl="0" indent="0" algn="ctr" defTabSz="914400" rtl="0" eaLnBrk="1" fontAlgn="auto" latinLnBrk="0" hangingPunct="1">
+              <a:lnSpc>
+                <a:spcPct val="100000"/>
+              </a:lnSpc>
+              <a:spcBef>
+                <a:spcPts val="0"/>
+              </a:spcBef>
+              <a:spcAft>
+                <a:spcPts val="0"/>
+              </a:spcAft>
+              <a:buClrTx/>
+              <a:buSzTx/>
+              <a:buFontTx/>
+              <a:buNone/>
+              <a:tabLst/>
+              <a:defRPr/>
+            </a:pPr>
+            <a:endParaRPr kumimoji="0" lang="en-US" sz="1800" b="0" i="0" u="none" strike="noStrike" kern="1200" cap="none" spc="0" normalizeH="0" baseline="0" noProof="0">
+              <a:ln>
+                <a:noFill/>
+              </a:ln>
               <a:solidFill>
-                <a:schemeClr val="bg1"/>
+                <a:prstClr val="white"/>
               </a:solidFill>
+              <a:effectLst/>
+              <a:uLnTx/>
+              <a:uFillTx/>
+              <a:latin typeface="Calibri" panose="020F0502020204030204"/>
+              <a:ea typeface="+mn-ea"/>
+              <a:cs typeface="+mn-cs"/>
+            </a:endParaRPr>
+          </a:p>
+        </p:txBody>
+      </p:sp>
+      <p:pic>
+        <p:nvPicPr>
+          <p:cNvPr id="25" name="Picture 24" descr="A person in a suit&#10;&#10;Description automatically generated">
+            <a:extLst>
+              <a:ext uri="{FF2B5EF4-FFF2-40B4-BE49-F238E27FC236}">
+                <a16:creationId xmlns:a16="http://schemas.microsoft.com/office/drawing/2014/main" id="{266843F5-5942-B652-94DC-676D6A485EE7}"/>
+              </a:ext>
+            </a:extLst>
+          </p:cNvPr>
+          <p:cNvPicPr>
+            <a:picLocks noChangeAspect="1"/>
+          </p:cNvPicPr>
+          <p:nvPr/>
+        </p:nvPicPr>
+        <p:blipFill>
+          <a:blip r:embed="rId2"/>
+          <a:srcRect t="1285" r="-4" b="10157"/>
+          <a:stretch/>
+        </p:blipFill>
+        <p:spPr>
+          <a:xfrm>
+            <a:off x="1" y="9770"/>
+            <a:ext cx="2970465" cy="3383279"/>
+          </a:xfrm>
+          <a:prstGeom prst="rect">
+            <a:avLst/>
+          </a:prstGeom>
+        </p:spPr>
+      </p:pic>
+      <p:pic>
+        <p:nvPicPr>
+          <p:cNvPr id="27" name="Content Placeholder 23" descr="A person smiling in front of a building&#10;&#10;Description automatically generated">
+            <a:extLst>
+              <a:ext uri="{FF2B5EF4-FFF2-40B4-BE49-F238E27FC236}">
+                <a16:creationId xmlns:a16="http://schemas.microsoft.com/office/drawing/2014/main" id="{F36F236E-6C01-F6D7-DBBE-AB47CFB66E58}"/>
+              </a:ext>
+            </a:extLst>
+          </p:cNvPr>
+          <p:cNvPicPr>
+            <a:picLocks noChangeAspect="1"/>
+          </p:cNvPicPr>
+          <p:nvPr/>
+        </p:nvPicPr>
+        <p:blipFill>
+          <a:blip r:embed="rId3"/>
+          <a:srcRect t="13683" b="933"/>
+          <a:stretch/>
+        </p:blipFill>
+        <p:spPr>
+          <a:xfrm>
+            <a:off x="6145909" y="10"/>
+            <a:ext cx="2971800" cy="3383268"/>
+          </a:xfrm>
+          <a:prstGeom prst="rect">
+            <a:avLst/>
+          </a:prstGeom>
+        </p:spPr>
+      </p:pic>
+      <p:pic>
+        <p:nvPicPr>
+          <p:cNvPr id="3" name="Picture 2" descr="A person wearing a black shirt and cap&#10;&#10;Description automatically generated">
+            <a:extLst>
+              <a:ext uri="{FF2B5EF4-FFF2-40B4-BE49-F238E27FC236}">
+                <a16:creationId xmlns:a16="http://schemas.microsoft.com/office/drawing/2014/main" id="{3CD1DA36-73EF-7631-9CAB-1FB8A324BA77}"/>
+              </a:ext>
+            </a:extLst>
+          </p:cNvPr>
+          <p:cNvPicPr>
+            <a:picLocks noChangeAspect="1"/>
+          </p:cNvPicPr>
+          <p:nvPr/>
+        </p:nvPicPr>
+        <p:blipFill>
+          <a:blip r:embed="rId4"/>
+          <a:srcRect b="14616"/>
+          <a:stretch/>
+        </p:blipFill>
+        <p:spPr>
+          <a:xfrm>
+            <a:off x="9220200" y="10"/>
+            <a:ext cx="2971800" cy="3383268"/>
+          </a:xfrm>
+          <a:prstGeom prst="rect">
+            <a:avLst/>
+          </a:prstGeom>
+        </p:spPr>
+      </p:pic>
+      <p:sp>
+        <p:nvSpPr>
+          <p:cNvPr id="77" name="Rectangle 76">
+            <a:extLst>
+              <a:ext uri="{FF2B5EF4-FFF2-40B4-BE49-F238E27FC236}">
+                <a16:creationId xmlns:a16="http://schemas.microsoft.com/office/drawing/2014/main" id="{39BEB6D0-9E4E-4221-93D1-74ABECEE9EFC}"/>
+              </a:ext>
+              <a:ext uri="{C183D7F6-B498-43B3-948B-1728B52AA6E4}">
+                <adec:decorative xmlns:adec="http://schemas.microsoft.com/office/drawing/2017/decorative" val="1"/>
+              </a:ext>
+            </a:extLst>
+          </p:cNvPr>
+          <p:cNvSpPr>
+            <a:spLocks noGrp="1" noRot="1" noChangeAspect="1" noMove="1" noResize="1" noEditPoints="1" noAdjustHandles="1" noChangeArrowheads="1" noChangeShapeType="1" noTextEdit="1"/>
+          </p:cNvSpPr>
+          <p:nvPr>
+            <p:extLst>
+              <p:ext uri="{386F3935-93C4-4BCD-93E2-E3B085C9AB24}">
+                <p16:designElem xmlns:p16="http://schemas.microsoft.com/office/powerpoint/2015/main" val="1"/>
+              </p:ext>
+            </p:extLst>
+          </p:nvPr>
+        </p:nvSpPr>
+        <p:spPr>
+          <a:xfrm>
+            <a:off x="6145910" y="3474720"/>
+            <a:ext cx="6046090" cy="3383281"/>
+          </a:xfrm>
+          <a:prstGeom prst="rect">
+            <a:avLst/>
+          </a:prstGeom>
+          <a:solidFill>
+            <a:srgbClr val="76301E"/>
+          </a:solidFill>
+          <a:ln>
+            <a:noFill/>
+          </a:ln>
+        </p:spPr>
+        <p:style>
+          <a:lnRef idx="2">
+            <a:schemeClr val="accent1">
+              <a:shade val="50000"/>
+            </a:schemeClr>
+          </a:lnRef>
+          <a:fillRef idx="1">
+            <a:schemeClr val="accent1"/>
+          </a:fillRef>
+          <a:effectRef idx="0">
+            <a:schemeClr val="accent1"/>
+          </a:effectRef>
+          <a:fontRef idx="minor">
+            <a:schemeClr val="lt1"/>
+          </a:fontRef>
+        </p:style>
+        <p:txBody>
+          <a:bodyPr rtlCol="0" anchor="ctr"/>
+          <a:lstStyle/>
+          <a:p>
+            <a:pPr marL="0" marR="0" lvl="0" indent="0" algn="ctr" defTabSz="914400" rtl="0" eaLnBrk="1" fontAlgn="auto" latinLnBrk="0" hangingPunct="1">
+              <a:lnSpc>
+                <a:spcPct val="100000"/>
+              </a:lnSpc>
+              <a:spcBef>
+                <a:spcPts val="0"/>
+              </a:spcBef>
+              <a:spcAft>
+                <a:spcPts val="0"/>
+              </a:spcAft>
+              <a:buClrTx/>
+              <a:buSzTx/>
+              <a:buFontTx/>
+              <a:buNone/>
+              <a:tabLst/>
+              <a:defRPr/>
+            </a:pPr>
+            <a:endParaRPr kumimoji="0" lang="en-US" sz="1800" b="0" i="0" u="none" strike="noStrike" kern="1200" cap="none" spc="0" normalizeH="0" baseline="0" noProof="0">
+              <a:ln>
+                <a:noFill/>
+              </a:ln>
+              <a:solidFill>
+                <a:prstClr val="white"/>
+              </a:solidFill>
+              <a:effectLst/>
+              <a:uLnTx/>
+              <a:uFillTx/>
+              <a:latin typeface="Calibri" panose="020F0502020204030204"/>
+              <a:ea typeface="+mn-ea"/>
+              <a:cs typeface="+mn-cs"/>
             </a:endParaRPr>
           </a:p>
         </p:txBody>
@@ -22813,589 +19676,452 @@
         </p:nvSpPr>
         <p:spPr>
           <a:xfrm>
-            <a:off x="1256522" y="591829"/>
-            <a:ext cx="3939688" cy="5583126"/>
+            <a:off x="6491653" y="3799272"/>
+            <a:ext cx="5193748" cy="3050124"/>
           </a:xfrm>
         </p:spPr>
         <p:txBody>
-          <a:bodyPr>
+          <a:bodyPr vert="horz" lIns="91440" tIns="45720" rIns="91440" bIns="45720" rtlCol="0" anchor="ctr">
             <a:normAutofit/>
           </a:bodyPr>
           <a:lstStyle/>
           <a:p>
+            <a:pPr defTabSz="914400">
+              <a:lnSpc>
+                <a:spcPct val="90000"/>
+              </a:lnSpc>
+            </a:pPr>
             <a:r>
-              <a:rPr lang="en-US" sz="7400" b="1" dirty="0"/>
+              <a:rPr lang="en-US" sz="3200" b="1" kern="1200">
+                <a:solidFill>
+                  <a:srgbClr val="FFFFFF"/>
+                </a:solidFill>
+                <a:latin typeface="+mj-lt"/>
+                <a:ea typeface="+mj-ea"/>
+                <a:cs typeface="+mj-cs"/>
+              </a:rPr>
               <a:t>Group Members</a:t>
             </a:r>
           </a:p>
         </p:txBody>
       </p:sp>
-      <p:cxnSp>
-        <p:nvCxnSpPr>
-          <p:cNvPr id="17" name="Straight Connector 16">
+      <p:sp>
+        <p:nvSpPr>
+          <p:cNvPr id="33" name="TextBox 32">
             <a:extLst>
               <a:ext uri="{FF2B5EF4-FFF2-40B4-BE49-F238E27FC236}">
-                <a16:creationId xmlns:a16="http://schemas.microsoft.com/office/drawing/2014/main" id="{C8F51B3F-8331-4E4A-AE96-D47B1006EEAD}"/>
-              </a:ext>
-              <a:ext uri="{C183D7F6-B498-43B3-948B-1728B52AA6E4}">
-                <adec:decorative xmlns:adec="http://schemas.microsoft.com/office/drawing/2017/decorative" val="1"/>
+                <a16:creationId xmlns:a16="http://schemas.microsoft.com/office/drawing/2014/main" id="{D84980FF-F7C5-7CBD-5C31-5CEE5F28F404}"/>
               </a:ext>
             </a:extLst>
           </p:cNvPr>
-          <p:cNvCxnSpPr>
-            <a:cxnSpLocks noGrp="1" noRot="1" noChangeAspect="1" noMove="1" noResize="1" noEditPoints="1" noAdjustHandles="1" noChangeArrowheads="1" noChangeShapeType="1"/>
-          </p:cNvCxnSpPr>
-          <p:nvPr>
-            <p:extLst>
-              <p:ext uri="{386F3935-93C4-4BCD-93E2-E3B085C9AB24}">
-                <p16:designElem xmlns:p16="http://schemas.microsoft.com/office/powerpoint/2015/main" val="1"/>
-              </p:ext>
-            </p:extLst>
-          </p:nvPr>
-        </p:nvCxnSpPr>
-        <p:spPr>
-          <a:xfrm>
-            <a:off x="715890" y="356812"/>
-            <a:ext cx="0" cy="6492875"/>
-          </a:xfrm>
-          <a:prstGeom prst="line">
-            <a:avLst/>
-          </a:prstGeom>
-          <a:ln w="25400" cap="sq">
-            <a:gradFill flip="none" rotWithShape="1">
-              <a:gsLst>
-                <a:gs pos="0">
-                  <a:schemeClr val="accent1"/>
-                </a:gs>
-                <a:gs pos="100000">
-                  <a:schemeClr val="accent2"/>
-                </a:gs>
-              </a:gsLst>
-              <a:lin ang="16200000" scaled="1"/>
-              <a:tileRect/>
-            </a:gradFill>
-            <a:bevel/>
-          </a:ln>
-        </p:spPr>
-        <p:style>
-          <a:lnRef idx="1">
-            <a:schemeClr val="accent1"/>
-          </a:lnRef>
-          <a:fillRef idx="0">
-            <a:schemeClr val="accent1"/>
-          </a:fillRef>
-          <a:effectRef idx="0">
-            <a:schemeClr val="accent1"/>
-          </a:effectRef>
-          <a:fontRef idx="minor">
-            <a:schemeClr val="tx1"/>
-          </a:fontRef>
-        </p:style>
-      </p:cxnSp>
-      <p:sp>
-        <p:nvSpPr>
-          <p:cNvPr id="14" name="Graphic 12">
-            <a:extLst>
-              <a:ext uri="{FF2B5EF4-FFF2-40B4-BE49-F238E27FC236}">
-                <a16:creationId xmlns:a16="http://schemas.microsoft.com/office/drawing/2014/main" id="{58BDB0EE-D238-415B-9ED8-62AA6AB2AAD1}"/>
-              </a:ext>
-              <a:ext uri="{C183D7F6-B498-43B3-948B-1728B52AA6E4}">
-                <adec:decorative xmlns:adec="http://schemas.microsoft.com/office/drawing/2017/decorative" val="1"/>
-              </a:ext>
-            </a:extLst>
-          </p:cNvPr>
-          <p:cNvSpPr>
-            <a:spLocks noGrp="1" noRot="1" noChangeAspect="1" noMove="1" noResize="1" noEditPoints="1" noAdjustHandles="1" noChangeArrowheads="1" noChangeShapeType="1" noTextEdit="1"/>
-          </p:cNvSpPr>
-          <p:nvPr>
-            <p:extLst>
-              <p:ext uri="{386F3935-93C4-4BCD-93E2-E3B085C9AB24}">
-                <p16:designElem xmlns:p16="http://schemas.microsoft.com/office/powerpoint/2015/main" val="1"/>
-              </p:ext>
-            </p:extLst>
-          </p:nvPr>
+          <p:cNvSpPr txBox="1"/>
+          <p:nvPr/>
         </p:nvSpPr>
         <p:spPr>
           <a:xfrm>
-            <a:off x="11433111" y="591829"/>
-            <a:ext cx="139039" cy="139039"/>
+            <a:off x="6147951" y="3017733"/>
+            <a:ext cx="2966212" cy="369332"/>
           </a:xfrm>
-          <a:custGeom>
+          <a:prstGeom prst="rect">
             <a:avLst/>
-            <a:gdLst>
-              <a:gd name="connsiteX0" fmla="*/ 129602 w 139039"/>
-              <a:gd name="connsiteY0" fmla="*/ 60082 h 139039"/>
-              <a:gd name="connsiteX1" fmla="*/ 78957 w 139039"/>
-              <a:gd name="connsiteY1" fmla="*/ 60082 h 139039"/>
-              <a:gd name="connsiteX2" fmla="*/ 78957 w 139039"/>
-              <a:gd name="connsiteY2" fmla="*/ 9437 h 139039"/>
-              <a:gd name="connsiteX3" fmla="*/ 69520 w 139039"/>
-              <a:gd name="connsiteY3" fmla="*/ 0 h 139039"/>
-              <a:gd name="connsiteX4" fmla="*/ 60082 w 139039"/>
-              <a:gd name="connsiteY4" fmla="*/ 9437 h 139039"/>
-              <a:gd name="connsiteX5" fmla="*/ 60082 w 139039"/>
-              <a:gd name="connsiteY5" fmla="*/ 60082 h 139039"/>
-              <a:gd name="connsiteX6" fmla="*/ 9437 w 139039"/>
-              <a:gd name="connsiteY6" fmla="*/ 60082 h 139039"/>
-              <a:gd name="connsiteX7" fmla="*/ 0 w 139039"/>
-              <a:gd name="connsiteY7" fmla="*/ 69520 h 139039"/>
-              <a:gd name="connsiteX8" fmla="*/ 9437 w 139039"/>
-              <a:gd name="connsiteY8" fmla="*/ 78957 h 139039"/>
-              <a:gd name="connsiteX9" fmla="*/ 60082 w 139039"/>
-              <a:gd name="connsiteY9" fmla="*/ 78957 h 139039"/>
-              <a:gd name="connsiteX10" fmla="*/ 60082 w 139039"/>
-              <a:gd name="connsiteY10" fmla="*/ 129602 h 139039"/>
-              <a:gd name="connsiteX11" fmla="*/ 69520 w 139039"/>
-              <a:gd name="connsiteY11" fmla="*/ 139039 h 139039"/>
-              <a:gd name="connsiteX12" fmla="*/ 78957 w 139039"/>
-              <a:gd name="connsiteY12" fmla="*/ 129602 h 139039"/>
-              <a:gd name="connsiteX13" fmla="*/ 78957 w 139039"/>
-              <a:gd name="connsiteY13" fmla="*/ 78957 h 139039"/>
-              <a:gd name="connsiteX14" fmla="*/ 129602 w 139039"/>
-              <a:gd name="connsiteY14" fmla="*/ 78957 h 139039"/>
-              <a:gd name="connsiteX15" fmla="*/ 139039 w 139039"/>
-              <a:gd name="connsiteY15" fmla="*/ 69520 h 139039"/>
-              <a:gd name="connsiteX16" fmla="*/ 129602 w 139039"/>
-              <a:gd name="connsiteY16" fmla="*/ 60082 h 139039"/>
-            </a:gdLst>
-            <a:ahLst/>
-            <a:cxnLst>
-              <a:cxn ang="0">
-                <a:pos x="connsiteX0" y="connsiteY0"/>
-              </a:cxn>
-              <a:cxn ang="0">
-                <a:pos x="connsiteX1" y="connsiteY1"/>
-              </a:cxn>
-              <a:cxn ang="0">
-                <a:pos x="connsiteX2" y="connsiteY2"/>
-              </a:cxn>
-              <a:cxn ang="0">
-                <a:pos x="connsiteX3" y="connsiteY3"/>
-              </a:cxn>
-              <a:cxn ang="0">
-                <a:pos x="connsiteX4" y="connsiteY4"/>
-              </a:cxn>
-              <a:cxn ang="0">
-                <a:pos x="connsiteX5" y="connsiteY5"/>
-              </a:cxn>
-              <a:cxn ang="0">
-                <a:pos x="connsiteX6" y="connsiteY6"/>
-              </a:cxn>
-              <a:cxn ang="0">
-                <a:pos x="connsiteX7" y="connsiteY7"/>
-              </a:cxn>
-              <a:cxn ang="0">
-                <a:pos x="connsiteX8" y="connsiteY8"/>
-              </a:cxn>
-              <a:cxn ang="0">
-                <a:pos x="connsiteX9" y="connsiteY9"/>
-              </a:cxn>
-              <a:cxn ang="0">
-                <a:pos x="connsiteX10" y="connsiteY10"/>
-              </a:cxn>
-              <a:cxn ang="0">
-                <a:pos x="connsiteX11" y="connsiteY11"/>
-              </a:cxn>
-              <a:cxn ang="0">
-                <a:pos x="connsiteX12" y="connsiteY12"/>
-              </a:cxn>
-              <a:cxn ang="0">
-                <a:pos x="connsiteX13" y="connsiteY13"/>
-              </a:cxn>
-              <a:cxn ang="0">
-                <a:pos x="connsiteX14" y="connsiteY14"/>
-              </a:cxn>
-              <a:cxn ang="0">
-                <a:pos x="connsiteX15" y="connsiteY15"/>
-              </a:cxn>
-              <a:cxn ang="0">
-                <a:pos x="connsiteX16" y="connsiteY16"/>
-              </a:cxn>
-            </a:cxnLst>
-            <a:rect l="l" t="t" r="r" b="b"/>
-            <a:pathLst>
-              <a:path w="139039" h="139039">
-                <a:moveTo>
-                  <a:pt x="129602" y="60082"/>
-                </a:moveTo>
-                <a:lnTo>
-                  <a:pt x="78957" y="60082"/>
-                </a:lnTo>
-                <a:lnTo>
-                  <a:pt x="78957" y="9437"/>
-                </a:lnTo>
-                <a:cubicBezTo>
-                  <a:pt x="78957" y="4225"/>
-                  <a:pt x="74731" y="0"/>
-                  <a:pt x="69520" y="0"/>
-                </a:cubicBezTo>
-                <a:cubicBezTo>
-                  <a:pt x="64308" y="0"/>
-                  <a:pt x="60082" y="4225"/>
-                  <a:pt x="60082" y="9437"/>
-                </a:cubicBezTo>
-                <a:lnTo>
-                  <a:pt x="60082" y="60082"/>
-                </a:lnTo>
-                <a:lnTo>
-                  <a:pt x="9437" y="60082"/>
-                </a:lnTo>
-                <a:cubicBezTo>
-                  <a:pt x="4225" y="60082"/>
-                  <a:pt x="0" y="64308"/>
-                  <a:pt x="0" y="69520"/>
-                </a:cubicBezTo>
-                <a:cubicBezTo>
-                  <a:pt x="0" y="74731"/>
-                  <a:pt x="4225" y="78957"/>
-                  <a:pt x="9437" y="78957"/>
-                </a:cubicBezTo>
-                <a:lnTo>
-                  <a:pt x="60082" y="78957"/>
-                </a:lnTo>
-                <a:lnTo>
-                  <a:pt x="60082" y="129602"/>
-                </a:lnTo>
-                <a:cubicBezTo>
-                  <a:pt x="60082" y="134814"/>
-                  <a:pt x="64308" y="139039"/>
-                  <a:pt x="69520" y="139039"/>
-                </a:cubicBezTo>
-                <a:cubicBezTo>
-                  <a:pt x="74731" y="139039"/>
-                  <a:pt x="78957" y="134814"/>
-                  <a:pt x="78957" y="129602"/>
-                </a:cubicBezTo>
-                <a:lnTo>
-                  <a:pt x="78957" y="78957"/>
-                </a:lnTo>
-                <a:lnTo>
-                  <a:pt x="129602" y="78957"/>
-                </a:lnTo>
-                <a:cubicBezTo>
-                  <a:pt x="134814" y="78957"/>
-                  <a:pt x="139039" y="74731"/>
-                  <a:pt x="139039" y="69520"/>
-                </a:cubicBezTo>
-                <a:cubicBezTo>
-                  <a:pt x="139039" y="64308"/>
-                  <a:pt x="134814" y="60082"/>
-                  <a:pt x="129602" y="60082"/>
-                </a:cubicBezTo>
-                <a:close/>
-              </a:path>
-            </a:pathLst>
-          </a:custGeom>
+          </a:prstGeom>
           <a:solidFill>
-            <a:schemeClr val="accent2"/>
+            <a:schemeClr val="bg1"/>
           </a:solidFill>
-          <a:ln w="603" cap="flat">
+          <a:ln>
             <a:noFill/>
-            <a:prstDash val="solid"/>
-            <a:miter/>
           </a:ln>
         </p:spPr>
         <p:txBody>
-          <a:bodyPr rtlCol="0" anchor="ctr"/>
+          <a:bodyPr rot="0" spcFirstLastPara="0" vertOverflow="overflow" horzOverflow="overflow" vert="horz" wrap="square" lIns="91440" tIns="45720" rIns="91440" bIns="45720" numCol="1" spcCol="0" rtlCol="0" fromWordArt="0" anchor="t" anchorCtr="0" forceAA="0" compatLnSpc="1">
+            <a:prstTxWarp prst="textNoShape">
+              <a:avLst/>
+            </a:prstTxWarp>
+            <a:spAutoFit/>
+          </a:bodyPr>
           <a:lstStyle/>
           <a:p>
+            <a:pPr algn="ctr">
+              <a:spcAft>
+                <a:spcPts val="600"/>
+              </a:spcAft>
+            </a:pPr>
+            <a:r>
+              <a:rPr lang="en-US" dirty="0">
+                <a:ea typeface="Calibri"/>
+                <a:cs typeface="Calibri"/>
+              </a:rPr>
+              <a:t>Sylvanus Jedidiah</a:t>
+            </a:r>
             <a:endParaRPr lang="en-US"/>
           </a:p>
         </p:txBody>
       </p:sp>
       <p:sp>
         <p:nvSpPr>
-          <p:cNvPr id="16" name="Graphic 11">
+          <p:cNvPr id="32" name="TextBox 31">
             <a:extLst>
               <a:ext uri="{FF2B5EF4-FFF2-40B4-BE49-F238E27FC236}">
-                <a16:creationId xmlns:a16="http://schemas.microsoft.com/office/drawing/2014/main" id="{C5B55FC3-961D-4325-82F1-DE92B0D04E03}"/>
-              </a:ext>
-              <a:ext uri="{C183D7F6-B498-43B3-948B-1728B52AA6E4}">
-                <adec:decorative xmlns:adec="http://schemas.microsoft.com/office/drawing/2017/decorative" val="1"/>
+                <a16:creationId xmlns:a16="http://schemas.microsoft.com/office/drawing/2014/main" id="{24C3E011-F0D6-F08B-D468-061C295570C0}"/>
               </a:ext>
             </a:extLst>
           </p:cNvPr>
-          <p:cNvSpPr>
-            <a:spLocks noGrp="1" noRot="1" noChangeAspect="1" noMove="1" noResize="1" noEditPoints="1" noAdjustHandles="1" noChangeArrowheads="1" noChangeShapeType="1" noTextEdit="1"/>
-          </p:cNvSpPr>
-          <p:nvPr>
-            <p:extLst>
-              <p:ext uri="{386F3935-93C4-4BCD-93E2-E3B085C9AB24}">
-                <p16:designElem xmlns:p16="http://schemas.microsoft.com/office/powerpoint/2015/main" val="1"/>
-              </p:ext>
-            </p:extLst>
-          </p:nvPr>
+          <p:cNvSpPr txBox="1"/>
+          <p:nvPr/>
         </p:nvSpPr>
         <p:spPr>
           <a:xfrm>
-            <a:off x="11791891" y="821124"/>
-            <a:ext cx="91138" cy="91138"/>
+            <a:off x="3060367" y="3017733"/>
+            <a:ext cx="2966212" cy="369332"/>
           </a:xfrm>
-          <a:custGeom>
+          <a:prstGeom prst="rect">
             <a:avLst/>
-            <a:gdLst>
-              <a:gd name="connsiteX0" fmla="*/ 91138 w 91138"/>
-              <a:gd name="connsiteY0" fmla="*/ 45569 h 91138"/>
-              <a:gd name="connsiteX1" fmla="*/ 45569 w 91138"/>
-              <a:gd name="connsiteY1" fmla="*/ 91138 h 91138"/>
-              <a:gd name="connsiteX2" fmla="*/ 0 w 91138"/>
-              <a:gd name="connsiteY2" fmla="*/ 45569 h 91138"/>
-              <a:gd name="connsiteX3" fmla="*/ 45569 w 91138"/>
-              <a:gd name="connsiteY3" fmla="*/ 0 h 91138"/>
-              <a:gd name="connsiteX4" fmla="*/ 91138 w 91138"/>
-              <a:gd name="connsiteY4" fmla="*/ 45569 h 91138"/>
-            </a:gdLst>
-            <a:ahLst/>
-            <a:cxnLst>
-              <a:cxn ang="0">
-                <a:pos x="connsiteX0" y="connsiteY0"/>
-              </a:cxn>
-              <a:cxn ang="0">
-                <a:pos x="connsiteX1" y="connsiteY1"/>
-              </a:cxn>
-              <a:cxn ang="0">
-                <a:pos x="connsiteX2" y="connsiteY2"/>
-              </a:cxn>
-              <a:cxn ang="0">
-                <a:pos x="connsiteX3" y="connsiteY3"/>
-              </a:cxn>
-              <a:cxn ang="0">
-                <a:pos x="connsiteX4" y="connsiteY4"/>
-              </a:cxn>
-            </a:cxnLst>
-            <a:rect l="l" t="t" r="r" b="b"/>
-            <a:pathLst>
-              <a:path w="91138" h="91138">
-                <a:moveTo>
-                  <a:pt x="91138" y="45569"/>
-                </a:moveTo>
-                <a:cubicBezTo>
-                  <a:pt x="91138" y="70736"/>
-                  <a:pt x="70736" y="91138"/>
-                  <a:pt x="45569" y="91138"/>
-                </a:cubicBezTo>
-                <a:cubicBezTo>
-                  <a:pt x="20402" y="91138"/>
-                  <a:pt x="0" y="70736"/>
-                  <a:pt x="0" y="45569"/>
-                </a:cubicBezTo>
-                <a:cubicBezTo>
-                  <a:pt x="0" y="20402"/>
-                  <a:pt x="20402" y="0"/>
-                  <a:pt x="45569" y="0"/>
-                </a:cubicBezTo>
-                <a:cubicBezTo>
-                  <a:pt x="70736" y="0"/>
-                  <a:pt x="91138" y="20402"/>
-                  <a:pt x="91138" y="45569"/>
-                </a:cubicBezTo>
-                <a:close/>
-              </a:path>
-            </a:pathLst>
-          </a:custGeom>
+          </a:prstGeom>
           <a:solidFill>
-            <a:schemeClr val="accent2"/>
+            <a:schemeClr val="bg1"/>
           </a:solidFill>
-          <a:ln w="422" cap="flat">
+          <a:ln>
             <a:noFill/>
-            <a:prstDash val="solid"/>
-            <a:miter/>
           </a:ln>
         </p:spPr>
         <p:txBody>
-          <a:bodyPr rtlCol="0" anchor="ctr"/>
+          <a:bodyPr rot="0" spcFirstLastPara="0" vertOverflow="overflow" horzOverflow="overflow" vert="horz" wrap="square" lIns="91440" tIns="45720" rIns="91440" bIns="45720" numCol="1" spcCol="0" rtlCol="0" fromWordArt="0" anchor="t" anchorCtr="0" forceAA="0" compatLnSpc="1">
+            <a:prstTxWarp prst="textNoShape">
+              <a:avLst/>
+            </a:prstTxWarp>
+            <a:spAutoFit/>
+          </a:bodyPr>
           <a:lstStyle/>
           <a:p>
-            <a:endParaRPr lang="en-US"/>
+            <a:pPr algn="ctr">
+              <a:spcAft>
+                <a:spcPts val="600"/>
+              </a:spcAft>
+            </a:pPr>
+            <a:r>
+              <a:rPr lang="en-US" dirty="0">
+                <a:ea typeface="Calibri"/>
+                <a:cs typeface="Calibri"/>
+              </a:rPr>
+              <a:t>Cletus Alexander</a:t>
+            </a:r>
           </a:p>
         </p:txBody>
       </p:sp>
       <p:sp>
         <p:nvSpPr>
-          <p:cNvPr id="18" name="Graphic 13">
+          <p:cNvPr id="35" name="TextBox 34">
             <a:extLst>
               <a:ext uri="{FF2B5EF4-FFF2-40B4-BE49-F238E27FC236}">
-                <a16:creationId xmlns:a16="http://schemas.microsoft.com/office/drawing/2014/main" id="{4C8AB332-D09E-4F28-943C-DABDD4716A3C}"/>
-              </a:ext>
-              <a:ext uri="{C183D7F6-B498-43B3-948B-1728B52AA6E4}">
-                <adec:decorative xmlns:adec="http://schemas.microsoft.com/office/drawing/2017/decorative" val="1"/>
+                <a16:creationId xmlns:a16="http://schemas.microsoft.com/office/drawing/2014/main" id="{677C0DC7-72A3-8ABA-1176-2F2F8C647FF5}"/>
               </a:ext>
             </a:extLst>
           </p:cNvPr>
-          <p:cNvSpPr>
-            <a:spLocks noGrp="1" noRot="1" noChangeAspect="1" noMove="1" noResize="1" noEditPoints="1" noAdjustHandles="1" noChangeArrowheads="1" noChangeShapeType="1" noTextEdit="1"/>
-          </p:cNvSpPr>
-          <p:nvPr>
-            <p:extLst>
-              <p:ext uri="{386F3935-93C4-4BCD-93E2-E3B085C9AB24}">
-                <p16:designElem xmlns:p16="http://schemas.microsoft.com/office/powerpoint/2015/main" val="1"/>
-              </p:ext>
-            </p:extLst>
-          </p:nvPr>
+          <p:cNvSpPr txBox="1"/>
+          <p:nvPr/>
         </p:nvSpPr>
         <p:spPr>
           <a:xfrm>
-            <a:off x="11417571" y="1336268"/>
-            <a:ext cx="127714" cy="127714"/>
+            <a:off x="9225639" y="3017733"/>
+            <a:ext cx="2966212" cy="369332"/>
           </a:xfrm>
-          <a:custGeom>
+          <a:prstGeom prst="rect">
             <a:avLst/>
-            <a:gdLst>
-              <a:gd name="connsiteX0" fmla="*/ 63857 w 127714"/>
-              <a:gd name="connsiteY0" fmla="*/ 18874 h 127714"/>
-              <a:gd name="connsiteX1" fmla="*/ 108840 w 127714"/>
-              <a:gd name="connsiteY1" fmla="*/ 63857 h 127714"/>
-              <a:gd name="connsiteX2" fmla="*/ 63857 w 127714"/>
-              <a:gd name="connsiteY2" fmla="*/ 108840 h 127714"/>
-              <a:gd name="connsiteX3" fmla="*/ 18874 w 127714"/>
-              <a:gd name="connsiteY3" fmla="*/ 63857 h 127714"/>
-              <a:gd name="connsiteX4" fmla="*/ 63857 w 127714"/>
-              <a:gd name="connsiteY4" fmla="*/ 18874 h 127714"/>
-              <a:gd name="connsiteX5" fmla="*/ 63857 w 127714"/>
-              <a:gd name="connsiteY5" fmla="*/ 0 h 127714"/>
-              <a:gd name="connsiteX6" fmla="*/ 0 w 127714"/>
-              <a:gd name="connsiteY6" fmla="*/ 63857 h 127714"/>
-              <a:gd name="connsiteX7" fmla="*/ 63857 w 127714"/>
-              <a:gd name="connsiteY7" fmla="*/ 127714 h 127714"/>
-              <a:gd name="connsiteX8" fmla="*/ 127714 w 127714"/>
-              <a:gd name="connsiteY8" fmla="*/ 63857 h 127714"/>
-              <a:gd name="connsiteX9" fmla="*/ 63857 w 127714"/>
-              <a:gd name="connsiteY9" fmla="*/ 0 h 127714"/>
-            </a:gdLst>
-            <a:ahLst/>
-            <a:cxnLst>
-              <a:cxn ang="0">
-                <a:pos x="connsiteX0" y="connsiteY0"/>
-              </a:cxn>
-              <a:cxn ang="0">
-                <a:pos x="connsiteX1" y="connsiteY1"/>
-              </a:cxn>
-              <a:cxn ang="0">
-                <a:pos x="connsiteX2" y="connsiteY2"/>
-              </a:cxn>
-              <a:cxn ang="0">
-                <a:pos x="connsiteX3" y="connsiteY3"/>
-              </a:cxn>
-              <a:cxn ang="0">
-                <a:pos x="connsiteX4" y="connsiteY4"/>
-              </a:cxn>
-              <a:cxn ang="0">
-                <a:pos x="connsiteX5" y="connsiteY5"/>
-              </a:cxn>
-              <a:cxn ang="0">
-                <a:pos x="connsiteX6" y="connsiteY6"/>
-              </a:cxn>
-              <a:cxn ang="0">
-                <a:pos x="connsiteX7" y="connsiteY7"/>
-              </a:cxn>
-              <a:cxn ang="0">
-                <a:pos x="connsiteX8" y="connsiteY8"/>
-              </a:cxn>
-              <a:cxn ang="0">
-                <a:pos x="connsiteX9" y="connsiteY9"/>
-              </a:cxn>
-            </a:cxnLst>
-            <a:rect l="l" t="t" r="r" b="b"/>
-            <a:pathLst>
-              <a:path w="127714" h="127714">
-                <a:moveTo>
-                  <a:pt x="63857" y="18874"/>
-                </a:moveTo>
-                <a:cubicBezTo>
-                  <a:pt x="88700" y="18874"/>
-                  <a:pt x="108840" y="39014"/>
-                  <a:pt x="108840" y="63857"/>
-                </a:cubicBezTo>
-                <a:cubicBezTo>
-                  <a:pt x="108840" y="88700"/>
-                  <a:pt x="88700" y="108840"/>
-                  <a:pt x="63857" y="108840"/>
-                </a:cubicBezTo>
-                <a:cubicBezTo>
-                  <a:pt x="39014" y="108840"/>
-                  <a:pt x="18874" y="88700"/>
-                  <a:pt x="18874" y="63857"/>
-                </a:cubicBezTo>
-                <a:cubicBezTo>
-                  <a:pt x="18898" y="39024"/>
-                  <a:pt x="39024" y="18898"/>
-                  <a:pt x="63857" y="18874"/>
-                </a:cubicBezTo>
-                <a:moveTo>
-                  <a:pt x="63857" y="0"/>
-                </a:moveTo>
-                <a:cubicBezTo>
-                  <a:pt x="28590" y="0"/>
-                  <a:pt x="0" y="28590"/>
-                  <a:pt x="0" y="63857"/>
-                </a:cubicBezTo>
-                <a:cubicBezTo>
-                  <a:pt x="0" y="99124"/>
-                  <a:pt x="28590" y="127714"/>
-                  <a:pt x="63857" y="127714"/>
-                </a:cubicBezTo>
-                <a:cubicBezTo>
-                  <a:pt x="99124" y="127714"/>
-                  <a:pt x="127714" y="99124"/>
-                  <a:pt x="127714" y="63857"/>
-                </a:cubicBezTo>
-                <a:cubicBezTo>
-                  <a:pt x="127714" y="28590"/>
-                  <a:pt x="99124" y="0"/>
-                  <a:pt x="63857" y="0"/>
-                </a:cubicBezTo>
-                <a:close/>
-              </a:path>
-            </a:pathLst>
-          </a:custGeom>
+          </a:prstGeom>
           <a:solidFill>
-            <a:schemeClr val="accent2"/>
+            <a:schemeClr val="bg1"/>
           </a:solidFill>
-          <a:ln w="610" cap="flat">
+          <a:ln>
             <a:noFill/>
-            <a:prstDash val="solid"/>
-            <a:miter/>
           </a:ln>
         </p:spPr>
         <p:txBody>
-          <a:bodyPr rtlCol="0" anchor="ctr"/>
+          <a:bodyPr rot="0" spcFirstLastPara="0" vertOverflow="overflow" horzOverflow="overflow" vert="horz" wrap="square" lIns="91440" tIns="45720" rIns="91440" bIns="45720" numCol="1" spcCol="0" rtlCol="0" fromWordArt="0" anchor="t" anchorCtr="0" forceAA="0" compatLnSpc="1">
+            <a:prstTxWarp prst="textNoShape">
+              <a:avLst/>
+            </a:prstTxWarp>
+            <a:spAutoFit/>
+          </a:bodyPr>
           <a:lstStyle/>
           <a:p>
-            <a:endParaRPr lang="en-US"/>
+            <a:pPr algn="ctr"/>
+            <a:r>
+              <a:rPr lang="en-US" dirty="0">
+                <a:ea typeface="+mn-lt"/>
+                <a:cs typeface="+mn-lt"/>
+              </a:rPr>
+              <a:t>Aderibigbe Olamide</a:t>
+            </a:r>
+            <a:endParaRPr lang="en-US" dirty="0">
+              <a:ea typeface="Calibri"/>
+              <a:cs typeface="Calibri"/>
+            </a:endParaRPr>
           </a:p>
         </p:txBody>
       </p:sp>
-      <p:graphicFrame>
-        <p:nvGraphicFramePr>
-          <p:cNvPr id="5" name="Content Placeholder 2">
+      <p:sp>
+        <p:nvSpPr>
+          <p:cNvPr id="5" name="TextBox 4">
             <a:extLst>
               <a:ext uri="{FF2B5EF4-FFF2-40B4-BE49-F238E27FC236}">
-                <a16:creationId xmlns:a16="http://schemas.microsoft.com/office/drawing/2014/main" id="{FAD85664-30D7-872E-599E-9FDED6FDF36F}"/>
+                <a16:creationId xmlns:a16="http://schemas.microsoft.com/office/drawing/2014/main" id="{C19B7671-2AFC-723A-FBE0-B305C8882326}"/>
               </a:ext>
             </a:extLst>
           </p:cNvPr>
-          <p:cNvGraphicFramePr>
-            <a:graphicFrameLocks noGrp="1"/>
-          </p:cNvGraphicFramePr>
-          <p:nvPr>
-            <p:ph idx="1"/>
-            <p:extLst>
-              <p:ext uri="{D42A27DB-BD31-4B8C-83A1-F6EECF244321}">
-                <p14:modId xmlns:p14="http://schemas.microsoft.com/office/powerpoint/2010/main" val="4052330880"/>
-              </p:ext>
-            </p:extLst>
-          </p:nvPr>
-        </p:nvGraphicFramePr>
-        <p:xfrm>
-          <a:off x="5492710" y="671805"/>
-          <a:ext cx="5861090" cy="5503150"/>
-        </p:xfrm>
-        <a:graphic>
-          <a:graphicData uri="http://schemas.openxmlformats.org/drawingml/2006/diagram">
-            <dgm:relIds xmlns:dgm="http://schemas.openxmlformats.org/drawingml/2006/diagram" xmlns:r="http://schemas.openxmlformats.org/officeDocument/2006/relationships" r:dm="rId2" r:lo="rId3" r:qs="rId4" r:cs="rId5"/>
-          </a:graphicData>
-        </a:graphic>
-      </p:graphicFrame>
+          <p:cNvSpPr txBox="1"/>
+          <p:nvPr/>
+        </p:nvSpPr>
+        <p:spPr>
+          <a:xfrm>
+            <a:off x="2470" y="3023188"/>
+            <a:ext cx="2966212" cy="369332"/>
+          </a:xfrm>
+          <a:prstGeom prst="rect">
+            <a:avLst/>
+          </a:prstGeom>
+          <a:solidFill>
+            <a:schemeClr val="bg1"/>
+          </a:solidFill>
+          <a:ln>
+            <a:noFill/>
+          </a:ln>
+        </p:spPr>
+        <p:txBody>
+          <a:bodyPr rot="0" spcFirstLastPara="0" vertOverflow="overflow" horzOverflow="overflow" vert="horz" wrap="square" lIns="91440" tIns="45720" rIns="91440" bIns="45720" numCol="1" spcCol="0" rtlCol="0" fromWordArt="0" anchor="t" anchorCtr="0" forceAA="0" compatLnSpc="1">
+            <a:prstTxWarp prst="textNoShape">
+              <a:avLst/>
+            </a:prstTxWarp>
+            <a:spAutoFit/>
+          </a:bodyPr>
+          <a:lstStyle/>
+          <a:p>
+            <a:pPr algn="ctr">
+              <a:spcAft>
+                <a:spcPts val="600"/>
+              </a:spcAft>
+            </a:pPr>
+            <a:r>
+              <a:rPr lang="en-US" dirty="0" err="1">
+                <a:ea typeface="Calibri"/>
+                <a:cs typeface="Calibri"/>
+              </a:rPr>
+              <a:t>Abudullahi</a:t>
+            </a:r>
+            <a:r>
+              <a:rPr lang="en-US" dirty="0">
+                <a:ea typeface="Calibri"/>
+                <a:cs typeface="Calibri"/>
+              </a:rPr>
+              <a:t> Sada</a:t>
+            </a:r>
+            <a:endParaRPr lang="en-US">
+              <a:ea typeface="Calibri"/>
+              <a:cs typeface="Calibri"/>
+            </a:endParaRPr>
+          </a:p>
+        </p:txBody>
+      </p:sp>
+      <p:sp>
+        <p:nvSpPr>
+          <p:cNvPr id="36" name="TextBox 35">
+            <a:extLst>
+              <a:ext uri="{FF2B5EF4-FFF2-40B4-BE49-F238E27FC236}">
+                <a16:creationId xmlns:a16="http://schemas.microsoft.com/office/drawing/2014/main" id="{15CAFA75-AD53-9793-27D4-205EF2807DB4}"/>
+              </a:ext>
+            </a:extLst>
+          </p:cNvPr>
+          <p:cNvSpPr txBox="1"/>
+          <p:nvPr/>
+        </p:nvSpPr>
+        <p:spPr>
+          <a:xfrm>
+            <a:off x="2470" y="6491265"/>
+            <a:ext cx="2966212" cy="369332"/>
+          </a:xfrm>
+          <a:prstGeom prst="rect">
+            <a:avLst/>
+          </a:prstGeom>
+          <a:solidFill>
+            <a:schemeClr val="bg1"/>
+          </a:solidFill>
+          <a:ln>
+            <a:noFill/>
+          </a:ln>
+        </p:spPr>
+        <p:txBody>
+          <a:bodyPr rot="0" spcFirstLastPara="0" vertOverflow="overflow" horzOverflow="overflow" vert="horz" wrap="square" lIns="91440" tIns="45720" rIns="91440" bIns="45720" numCol="1" spcCol="0" rtlCol="0" fromWordArt="0" anchor="t" anchorCtr="0" forceAA="0" compatLnSpc="1">
+            <a:prstTxWarp prst="textNoShape">
+              <a:avLst/>
+            </a:prstTxWarp>
+            <a:spAutoFit/>
+          </a:bodyPr>
+          <a:lstStyle/>
+          <a:p>
+            <a:pPr algn="ctr">
+              <a:spcAft>
+                <a:spcPts val="600"/>
+              </a:spcAft>
+            </a:pPr>
+            <a:r>
+              <a:rPr lang="en-US" dirty="0">
+                <a:ea typeface="Calibri"/>
+                <a:cs typeface="Calibri"/>
+              </a:rPr>
+              <a:t>Yusuf </a:t>
+            </a:r>
+            <a:r>
+              <a:rPr lang="en-US" dirty="0" err="1">
+                <a:ea typeface="Calibri"/>
+                <a:cs typeface="Calibri"/>
+              </a:rPr>
+              <a:t>Albdulhadi</a:t>
+            </a:r>
+            <a:endParaRPr lang="en-US" dirty="0" err="1"/>
+          </a:p>
+        </p:txBody>
+      </p:sp>
+      <p:pic>
+        <p:nvPicPr>
+          <p:cNvPr id="4" name="Picture 3" descr="A person standing in front of a drawing of a city&#10;&#10;Description automatically generated">
+            <a:extLst>
+              <a:ext uri="{FF2B5EF4-FFF2-40B4-BE49-F238E27FC236}">
+                <a16:creationId xmlns:a16="http://schemas.microsoft.com/office/drawing/2014/main" id="{C1575686-689B-7A97-35CC-6B7FF0733EB0}"/>
+              </a:ext>
+            </a:extLst>
+          </p:cNvPr>
+          <p:cNvPicPr>
+            <a:picLocks noChangeAspect="1"/>
+          </p:cNvPicPr>
+          <p:nvPr/>
+        </p:nvPicPr>
+        <p:blipFill>
+          <a:blip r:embed="rId5"/>
+          <a:stretch>
+            <a:fillRect/>
+          </a:stretch>
+        </p:blipFill>
+        <p:spPr>
+          <a:xfrm>
+            <a:off x="6113" y="3482051"/>
+            <a:ext cx="2968257" cy="3009419"/>
+          </a:xfrm>
+          <a:prstGeom prst="rect">
+            <a:avLst/>
+          </a:prstGeom>
+        </p:spPr>
+      </p:pic>
+      <p:pic>
+        <p:nvPicPr>
+          <p:cNvPr id="7" name="Picture 6" descr="A person wearing a head scarf&#10;&#10;Description automatically generated">
+            <a:extLst>
+              <a:ext uri="{FF2B5EF4-FFF2-40B4-BE49-F238E27FC236}">
+                <a16:creationId xmlns:a16="http://schemas.microsoft.com/office/drawing/2014/main" id="{86169592-87D9-7953-653B-D0188D5E40DD}"/>
+              </a:ext>
+            </a:extLst>
+          </p:cNvPr>
+          <p:cNvPicPr>
+            <a:picLocks noChangeAspect="1"/>
+          </p:cNvPicPr>
+          <p:nvPr/>
+        </p:nvPicPr>
+        <p:blipFill>
+          <a:blip r:embed="rId6"/>
+          <a:stretch>
+            <a:fillRect/>
+          </a:stretch>
+        </p:blipFill>
+        <p:spPr>
+          <a:xfrm>
+            <a:off x="3157718" y="3473789"/>
+            <a:ext cx="2789982" cy="3373178"/>
+          </a:xfrm>
+          <a:prstGeom prst="rect">
+            <a:avLst/>
+          </a:prstGeom>
+        </p:spPr>
+      </p:pic>
+      <p:sp>
+        <p:nvSpPr>
+          <p:cNvPr id="38" name="TextBox 37">
+            <a:extLst>
+              <a:ext uri="{FF2B5EF4-FFF2-40B4-BE49-F238E27FC236}">
+                <a16:creationId xmlns:a16="http://schemas.microsoft.com/office/drawing/2014/main" id="{43C330E6-3913-3C78-33CC-982415D37526}"/>
+              </a:ext>
+            </a:extLst>
+          </p:cNvPr>
+          <p:cNvSpPr txBox="1"/>
+          <p:nvPr/>
+        </p:nvSpPr>
+        <p:spPr>
+          <a:xfrm>
+            <a:off x="3156821" y="6491265"/>
+            <a:ext cx="2792592" cy="378977"/>
+          </a:xfrm>
+          <a:prstGeom prst="rect">
+            <a:avLst/>
+          </a:prstGeom>
+          <a:solidFill>
+            <a:schemeClr val="bg1"/>
+          </a:solidFill>
+          <a:ln>
+            <a:noFill/>
+          </a:ln>
+        </p:spPr>
+        <p:txBody>
+          <a:bodyPr rot="0" spcFirstLastPara="0" vertOverflow="overflow" horzOverflow="overflow" vert="horz" wrap="square" lIns="91440" tIns="45720" rIns="91440" bIns="45720" numCol="1" spcCol="0" rtlCol="0" fromWordArt="0" anchor="t" anchorCtr="0" forceAA="0" compatLnSpc="1">
+            <a:prstTxWarp prst="textNoShape">
+              <a:avLst/>
+            </a:prstTxWarp>
+            <a:spAutoFit/>
+          </a:bodyPr>
+          <a:lstStyle/>
+          <a:p>
+            <a:pPr algn="ctr">
+              <a:spcAft>
+                <a:spcPts val="600"/>
+              </a:spcAft>
+            </a:pPr>
+            <a:r>
+              <a:rPr lang="en-US" dirty="0">
+                <a:ea typeface="+mn-lt"/>
+                <a:cs typeface="+mn-lt"/>
+              </a:rPr>
+              <a:t>Aisha Raji</a:t>
+            </a:r>
+            <a:endParaRPr lang="en-US" dirty="0"/>
+          </a:p>
+        </p:txBody>
+      </p:sp>
+      <p:pic>
+        <p:nvPicPr>
+          <p:cNvPr id="9" name="Picture 8" descr="A person sitting at a table&#10;&#10;Description automatically generated">
+            <a:extLst>
+              <a:ext uri="{FF2B5EF4-FFF2-40B4-BE49-F238E27FC236}">
+                <a16:creationId xmlns:a16="http://schemas.microsoft.com/office/drawing/2014/main" id="{53AFC522-93D6-9CE3-C300-6F01338A8300}"/>
+              </a:ext>
+            </a:extLst>
+          </p:cNvPr>
+          <p:cNvPicPr>
+            <a:picLocks noChangeAspect="1"/>
+          </p:cNvPicPr>
+          <p:nvPr/>
+        </p:nvPicPr>
+        <p:blipFill>
+          <a:blip r:embed="rId7"/>
+          <a:stretch>
+            <a:fillRect/>
+          </a:stretch>
+        </p:blipFill>
+        <p:spPr>
+          <a:xfrm>
+            <a:off x="3080449" y="-9646"/>
+            <a:ext cx="2934875" cy="3028710"/>
+          </a:xfrm>
+          <a:prstGeom prst="rect">
+            <a:avLst/>
+          </a:prstGeom>
+        </p:spPr>
+      </p:pic>
     </p:spTree>
     <p:extLst>
       <p:ext uri="{BB962C8B-B14F-4D97-AF65-F5344CB8AC3E}">
@@ -23404,15 +20130,15 @@
     </p:extLst>
   </p:cSld>
   <p:clrMapOvr>
-    <a:masterClrMapping/>
+    <a:overrideClrMapping bg1="dk1" tx1="lt1" bg2="dk2" tx2="lt2" accent1="accent1" accent2="accent2" accent3="accent3" accent4="accent4" accent5="accent5" accent6="accent6" hlink="hlink" folHlink="folHlink"/>
   </p:clrMapOvr>
-  <mc:AlternateContent xmlns:mc="http://schemas.openxmlformats.org/markup-compatibility/2006">
-    <mc:Choice xmlns:p14="http://schemas.microsoft.com/office/powerpoint/2010/main" Requires="p14">
+  <mc:AlternateContent xmlns:mc="http://schemas.openxmlformats.org/markup-compatibility/2006" xmlns:p14="http://schemas.microsoft.com/office/powerpoint/2010/main">
+    <mc:Choice Requires="p14">
       <p:transition spd="slow" p14:dur="1500">
         <p:random/>
       </p:transition>
     </mc:Choice>
-    <mc:Fallback>
+    <mc:Fallback xmlns="">
       <p:transition spd="slow">
         <p:random/>
       </p:transition>
@@ -23811,13 +20537,13 @@
   <p:clrMapOvr>
     <a:masterClrMapping/>
   </p:clrMapOvr>
-  <mc:AlternateContent xmlns:mc="http://schemas.openxmlformats.org/markup-compatibility/2006">
-    <mc:Choice xmlns:p14="http://schemas.microsoft.com/office/powerpoint/2010/main" Requires="p14">
+  <mc:AlternateContent xmlns:mc="http://schemas.openxmlformats.org/markup-compatibility/2006" xmlns:p14="http://schemas.microsoft.com/office/powerpoint/2010/main">
+    <mc:Choice Requires="p14">
       <p:transition spd="slow" p14:dur="1500">
         <p:random/>
       </p:transition>
     </mc:Choice>
-    <mc:Fallback>
+    <mc:Fallback xmlns="">
       <p:transition spd="slow">
         <p:random/>
       </p:transition>
@@ -24271,13 +20997,13 @@
   <p:clrMapOvr>
     <a:masterClrMapping/>
   </p:clrMapOvr>
-  <mc:AlternateContent xmlns:mc="http://schemas.openxmlformats.org/markup-compatibility/2006">
-    <mc:Choice xmlns:p14="http://schemas.microsoft.com/office/powerpoint/2010/main" Requires="p14">
+  <mc:AlternateContent xmlns:mc="http://schemas.openxmlformats.org/markup-compatibility/2006" xmlns:p14="http://schemas.microsoft.com/office/powerpoint/2010/main">
+    <mc:Choice Requires="p14">
       <p:transition spd="slow" p14:dur="1500">
         <p:random/>
       </p:transition>
     </mc:Choice>
-    <mc:Fallback>
+    <mc:Fallback xmlns="">
       <p:transition spd="slow">
         <p:random/>
       </p:transition>
@@ -24769,13 +21495,13 @@
   <p:clrMapOvr>
     <a:masterClrMapping/>
   </p:clrMapOvr>
-  <mc:AlternateContent xmlns:mc="http://schemas.openxmlformats.org/markup-compatibility/2006">
-    <mc:Choice xmlns:p14="http://schemas.microsoft.com/office/powerpoint/2010/main" Requires="p14">
+  <mc:AlternateContent xmlns:mc="http://schemas.openxmlformats.org/markup-compatibility/2006" xmlns:p14="http://schemas.microsoft.com/office/powerpoint/2010/main">
+    <mc:Choice Requires="p14">
       <p:transition spd="slow" p14:dur="1500">
         <p:random/>
       </p:transition>
     </mc:Choice>
-    <mc:Fallback>
+    <mc:Fallback xmlns="">
       <p:transition spd="slow">
         <p:random/>
       </p:transition>
@@ -25986,7 +22712,7 @@
         <p:spPr>
           <a:xfrm>
             <a:off x="5567284" y="2990777"/>
-            <a:ext cx="6247348" cy="3841436"/>
+            <a:ext cx="6247348" cy="3264355"/>
           </a:xfrm>
           <a:prstGeom prst="rect">
             <a:avLst/>
@@ -26043,27 +22769,11 @@
             </a:pPr>
             <a:r>
               <a:rPr lang="en-US" sz="2500" dirty="0"/>
-              <a:t>Bayesian Regression</a:t>
+              <a:t>Bayesian </a:t>
             </a:r>
-            <a:endParaRPr lang="en-US" sz="2500" dirty="0">
-              <a:ea typeface="Calibri"/>
-              <a:cs typeface="Calibri"/>
-            </a:endParaRPr>
-          </a:p>
-          <a:p>
-            <a:pPr marL="342900" indent="-342900" algn="just">
-              <a:lnSpc>
-                <a:spcPct val="150000"/>
-              </a:lnSpc>
-              <a:buFont typeface="Arial" panose="020B0604020202020204" pitchFamily="34" charset="0"/>
-              <a:buChar char="•"/>
-            </a:pPr>
             <a:r>
-              <a:rPr lang="en-US" sz="2500" dirty="0">
-                <a:ea typeface="Calibri"/>
-                <a:cs typeface="Calibri"/>
-              </a:rPr>
-              <a:t>Decision Tree Regressor</a:t>
+              <a:rPr lang="en-GB" sz="2500" dirty="0"/>
+              <a:t>Regression</a:t>
             </a:r>
             <a:endParaRPr lang="en-US" sz="2500" dirty="0"/>
           </a:p>
@@ -26077,12 +22787,9 @@
             </a:pPr>
             <a:r>
               <a:rPr lang="en-US" sz="2500" dirty="0"/>
-              <a:t>Lasso Regression</a:t>
+              <a:t>Random Forest Regressor</a:t>
             </a:r>
-            <a:endParaRPr lang="en-US" sz="2500" dirty="0">
-              <a:ea typeface="Calibri"/>
-              <a:cs typeface="Calibri"/>
-            </a:endParaRPr>
+            <a:endParaRPr lang="en-GB" sz="2500" dirty="0"/>
           </a:p>
           <a:p>
             <a:pPr marL="342900" indent="-342900">
@@ -26093,9 +22800,10 @@
               <a:buChar char="•"/>
             </a:pPr>
             <a:r>
-              <a:rPr lang="en-US" sz="2500" dirty="0"/>
-              <a:t>Random Forest Regressor</a:t>
+              <a:rPr lang="en-GB" sz="2500" dirty="0"/>
+              <a:t>Lasso Regression</a:t>
             </a:r>
+            <a:endParaRPr lang="en-US" sz="2500" dirty="0"/>
           </a:p>
           <a:p>
             <a:pPr algn="just">
@@ -26115,13 +22823,13 @@
   <p:clrMapOvr>
     <a:masterClrMapping/>
   </p:clrMapOvr>
-  <mc:AlternateContent xmlns:mc="http://schemas.openxmlformats.org/markup-compatibility/2006">
-    <mc:Choice xmlns:p14="http://schemas.microsoft.com/office/powerpoint/2010/main" Requires="p14">
+  <mc:AlternateContent xmlns:mc="http://schemas.openxmlformats.org/markup-compatibility/2006" xmlns:p14="http://schemas.microsoft.com/office/powerpoint/2010/main">
+    <mc:Choice Requires="p14">
       <p:transition spd="slow" p14:dur="1500">
         <p:random/>
       </p:transition>
     </mc:Choice>
-    <mc:Fallback>
+    <mc:Fallback xmlns="">
       <p:transition spd="slow">
         <p:random/>
       </p:transition>
@@ -27524,13 +24232,13 @@
   <p:clrMapOvr>
     <a:masterClrMapping/>
   </p:clrMapOvr>
-  <mc:AlternateContent xmlns:mc="http://schemas.openxmlformats.org/markup-compatibility/2006">
-    <mc:Choice xmlns:p14="http://schemas.microsoft.com/office/powerpoint/2010/main" Requires="p14">
+  <mc:AlternateContent xmlns:mc="http://schemas.openxmlformats.org/markup-compatibility/2006" xmlns:p14="http://schemas.microsoft.com/office/powerpoint/2010/main">
+    <mc:Choice Requires="p14">
       <p:transition spd="slow" p14:dur="1500">
         <p:random/>
       </p:transition>
     </mc:Choice>
-    <mc:Fallback>
+    <mc:Fallback xmlns="">
       <p:transition spd="slow">
         <p:random/>
       </p:transition>
@@ -29879,13 +26587,13 @@
   <p:clrMapOvr>
     <a:masterClrMapping/>
   </p:clrMapOvr>
-  <mc:AlternateContent xmlns:mc="http://schemas.openxmlformats.org/markup-compatibility/2006">
-    <mc:Choice xmlns:p14="http://schemas.microsoft.com/office/powerpoint/2010/main" Requires="p14">
+  <mc:AlternateContent xmlns:mc="http://schemas.openxmlformats.org/markup-compatibility/2006" xmlns:p14="http://schemas.microsoft.com/office/powerpoint/2010/main">
+    <mc:Choice Requires="p14">
       <p:transition spd="slow" p14:dur="1500">
         <p:random/>
       </p:transition>
     </mc:Choice>
-    <mc:Fallback>
+    <mc:Fallback xmlns="">
       <p:transition spd="slow">
         <p:random/>
       </p:transition>
@@ -30613,13 +27321,13 @@
   <p:clrMapOvr>
     <a:masterClrMapping/>
   </p:clrMapOvr>
-  <mc:AlternateContent xmlns:mc="http://schemas.openxmlformats.org/markup-compatibility/2006">
-    <mc:Choice xmlns:p14="http://schemas.microsoft.com/office/powerpoint/2010/main" Requires="p14">
+  <mc:AlternateContent xmlns:mc="http://schemas.openxmlformats.org/markup-compatibility/2006" xmlns:p14="http://schemas.microsoft.com/office/powerpoint/2010/main">
+    <mc:Choice Requires="p14">
       <p:transition spd="slow" p14:dur="1500">
         <p:random/>
       </p:transition>
     </mc:Choice>
-    <mc:Fallback>
+    <mc:Fallback xmlns="">
       <p:transition spd="slow">
         <p:random/>
       </p:transition>

--- a/Inflation_Prediction_Presentation v2.pptx
+++ b/Inflation_Prediction_Presentation v2.pptx
@@ -141,7 +141,7 @@
 <p1510:revInfo xmlns:a="http://schemas.openxmlformats.org/drawingml/2006/main" xmlns:r="http://schemas.openxmlformats.org/officeDocument/2006/relationships" xmlns:p1510="http://schemas.microsoft.com/office/powerpoint/2015/10/main">
   <p1510:revLst>
     <p1510:client id="{06CBEA6B-A74C-47D3-ADC7-36FB70618D40}" v="235" dt="2024-08-30T06:32:33.830"/>
-    <p1510:client id="{C0C04AB9-9DFC-4357-A6F0-5B8209E03BE5}" v="82" dt="2024-08-30T07:01:21.469"/>
+    <p1510:client id="{C0C04AB9-9DFC-4357-A6F0-5B8209E03BE5}" v="86" dt="2024-08-30T07:07:01.715"/>
   </p1510:revLst>
 </p1510:revInfo>
 </file>
@@ -19967,14 +19967,7 @@
                 <a:ea typeface="Calibri"/>
                 <a:cs typeface="Calibri"/>
               </a:rPr>
-              <a:t>Yusuf </a:t>
-            </a:r>
-            <a:r>
-              <a:rPr lang="en-US" dirty="0" err="1">
-                <a:ea typeface="Calibri"/>
-                <a:cs typeface="Calibri"/>
-              </a:rPr>
-              <a:t>Albdulhadi</a:t>
+              <a:t>Yusuf Abdulhadi</a:t>
             </a:r>
             <a:endParaRPr lang="en-US" dirty="0" err="1"/>
           </a:p>

--- a/Inflation_Prediction_Presentation v2.pptx
+++ b/Inflation_Prediction_Presentation v2.pptx
@@ -141,7 +141,7 @@
 <p1510:revInfo xmlns:a="http://schemas.openxmlformats.org/drawingml/2006/main" xmlns:r="http://schemas.openxmlformats.org/officeDocument/2006/relationships" xmlns:p1510="http://schemas.microsoft.com/office/powerpoint/2015/10/main">
   <p1510:revLst>
     <p1510:client id="{06CBEA6B-A74C-47D3-ADC7-36FB70618D40}" v="235" dt="2024-08-30T06:32:33.830"/>
-    <p1510:client id="{C0C04AB9-9DFC-4357-A6F0-5B8209E03BE5}" v="86" dt="2024-08-30T07:07:01.715"/>
+    <p1510:client id="{C0C04AB9-9DFC-4357-A6F0-5B8209E03BE5}" v="90" dt="2024-08-30T07:09:33.727"/>
   </p1510:revLst>
 </p1510:revInfo>
 </file>
@@ -19901,18 +19901,11 @@
               </a:spcAft>
             </a:pPr>
             <a:r>
-              <a:rPr lang="en-US" dirty="0" err="1">
-                <a:ea typeface="Calibri"/>
-                <a:cs typeface="Calibri"/>
-              </a:rPr>
-              <a:t>Abudullahi</a:t>
-            </a:r>
-            <a:r>
               <a:rPr lang="en-US" dirty="0">
                 <a:ea typeface="Calibri"/>
                 <a:cs typeface="Calibri"/>
               </a:rPr>
-              <a:t> Sada</a:t>
+              <a:t>Abdullahi Sada</a:t>
             </a:r>
             <a:endParaRPr lang="en-US">
               <a:ea typeface="Calibri"/>

--- a/Inflation_Prediction_Presentation v2.pptx
+++ b/Inflation_Prediction_Presentation v2.pptx
@@ -141,6 +141,7 @@
 <p1510:revInfo xmlns:a="http://schemas.openxmlformats.org/drawingml/2006/main" xmlns:r="http://schemas.openxmlformats.org/officeDocument/2006/relationships" xmlns:p1510="http://schemas.microsoft.com/office/powerpoint/2015/10/main">
   <p1510:revLst>
     <p1510:client id="{06CBEA6B-A74C-47D3-ADC7-36FB70618D40}" v="235" dt="2024-08-30T06:32:33.830"/>
+    <p1510:client id="{1690DA76-3E7C-4D1B-908A-A6AE7BFEFAA9}" v="10" dt="2024-08-30T08:04:27.234"/>
     <p1510:client id="{C0C04AB9-9DFC-4357-A6F0-5B8209E03BE5}" v="90" dt="2024-08-30T07:09:33.727"/>
   </p1510:revLst>
 </p1510:revInfo>
@@ -10076,7 +10077,7 @@
           <a:p>
             <a:fld id="{5BCAD085-E8A6-8845-BD4E-CB4CCA059FC4}" type="datetimeFigureOut">
               <a:rPr lang="en-US" smtClean="0"/>
-              <a:t>8/29/2024</a:t>
+              <a:t>8/30/2024</a:t>
             </a:fld>
             <a:endParaRPr lang="en-US"/>
           </a:p>
@@ -10256,7 +10257,7 @@
           <a:p>
             <a:fld id="{5BCAD085-E8A6-8845-BD4E-CB4CCA059FC4}" type="datetimeFigureOut">
               <a:rPr lang="en-US" smtClean="0"/>
-              <a:t>8/29/2024</a:t>
+              <a:t>8/30/2024</a:t>
             </a:fld>
             <a:endParaRPr lang="en-US"/>
           </a:p>
@@ -10446,7 +10447,7 @@
           <a:p>
             <a:fld id="{5BCAD085-E8A6-8845-BD4E-CB4CCA059FC4}" type="datetimeFigureOut">
               <a:rPr lang="en-US" smtClean="0"/>
-              <a:t>8/29/2024</a:t>
+              <a:t>8/30/2024</a:t>
             </a:fld>
             <a:endParaRPr lang="en-US"/>
           </a:p>
@@ -10626,7 +10627,7 @@
           <a:p>
             <a:fld id="{5BCAD085-E8A6-8845-BD4E-CB4CCA059FC4}" type="datetimeFigureOut">
               <a:rPr lang="en-US" smtClean="0"/>
-              <a:t>8/29/2024</a:t>
+              <a:t>8/30/2024</a:t>
             </a:fld>
             <a:endParaRPr lang="en-US"/>
           </a:p>
@@ -10883,7 +10884,7 @@
           <a:p>
             <a:fld id="{5BCAD085-E8A6-8845-BD4E-CB4CCA059FC4}" type="datetimeFigureOut">
               <a:rPr lang="en-US" smtClean="0"/>
-              <a:t>8/29/2024</a:t>
+              <a:t>8/30/2024</a:t>
             </a:fld>
             <a:endParaRPr lang="en-US"/>
           </a:p>
@@ -11180,7 +11181,7 @@
           <a:p>
             <a:fld id="{5BCAD085-E8A6-8845-BD4E-CB4CCA059FC4}" type="datetimeFigureOut">
               <a:rPr lang="en-US" smtClean="0"/>
-              <a:t>8/29/2024</a:t>
+              <a:t>8/30/2024</a:t>
             </a:fld>
             <a:endParaRPr lang="en-US"/>
           </a:p>
@@ -11611,7 +11612,7 @@
           <a:p>
             <a:fld id="{5BCAD085-E8A6-8845-BD4E-CB4CCA059FC4}" type="datetimeFigureOut">
               <a:rPr lang="en-US" smtClean="0"/>
-              <a:t>8/29/2024</a:t>
+              <a:t>8/30/2024</a:t>
             </a:fld>
             <a:endParaRPr lang="en-US"/>
           </a:p>
@@ -11740,7 +11741,7 @@
           <a:p>
             <a:fld id="{5BCAD085-E8A6-8845-BD4E-CB4CCA059FC4}" type="datetimeFigureOut">
               <a:rPr lang="en-US" smtClean="0"/>
-              <a:t>8/29/2024</a:t>
+              <a:t>8/30/2024</a:t>
             </a:fld>
             <a:endParaRPr lang="en-US"/>
           </a:p>
@@ -11847,7 +11848,7 @@
           <a:p>
             <a:fld id="{5BCAD085-E8A6-8845-BD4E-CB4CCA059FC4}" type="datetimeFigureOut">
               <a:rPr lang="en-US" smtClean="0"/>
-              <a:t>8/29/2024</a:t>
+              <a:t>8/30/2024</a:t>
             </a:fld>
             <a:endParaRPr lang="en-US"/>
           </a:p>
@@ -12134,7 +12135,7 @@
           <a:p>
             <a:fld id="{5BCAD085-E8A6-8845-BD4E-CB4CCA059FC4}" type="datetimeFigureOut">
               <a:rPr lang="en-US" smtClean="0"/>
-              <a:t>8/29/2024</a:t>
+              <a:t>8/30/2024</a:t>
             </a:fld>
             <a:endParaRPr lang="en-US"/>
           </a:p>
@@ -12398,7 +12399,7 @@
           <a:p>
             <a:fld id="{5BCAD085-E8A6-8845-BD4E-CB4CCA059FC4}" type="datetimeFigureOut">
               <a:rPr lang="en-US" smtClean="0"/>
-              <a:t>8/29/2024</a:t>
+              <a:t>8/30/2024</a:t>
             </a:fld>
             <a:endParaRPr lang="en-US"/>
           </a:p>
@@ -12621,7 +12622,7 @@
           <a:p>
             <a:fld id="{5BCAD085-E8A6-8845-BD4E-CB4CCA059FC4}" type="datetimeFigureOut">
               <a:rPr lang="en-US" smtClean="0"/>
-              <a:t>8/29/2024</a:t>
+              <a:t>8/30/2024</a:t>
             </a:fld>
             <a:endParaRPr lang="en-US"/>
           </a:p>
@@ -19803,7 +19804,7 @@
                 <a:ea typeface="Calibri"/>
                 <a:cs typeface="Calibri"/>
               </a:rPr>
-              <a:t>Cletus Alexander</a:t>
+              <a:t>Alexander Cletus</a:t>
             </a:r>
           </a:p>
         </p:txBody>
